--- a/MidProjDemo.pptx
+++ b/MidProjDemo.pptx
@@ -4,17 +4,19 @@
   <p:sldMasterIdLst>
     <p:sldMasterId id="2147483648" r:id="rId2"/>
     <p:sldMasterId id="2147483661" r:id="rId3"/>
+    <p:sldMasterId id="2147483674" r:id="rId4"/>
   </p:sldMasterIdLst>
   <p:sldIdLst>
-    <p:sldId id="256" r:id="rId4"/>
-    <p:sldId id="257" r:id="rId5"/>
-    <p:sldId id="258" r:id="rId6"/>
-    <p:sldId id="259" r:id="rId7"/>
-    <p:sldId id="260" r:id="rId8"/>
-    <p:sldId id="261" r:id="rId9"/>
+    <p:sldId id="256" r:id="rId5"/>
+    <p:sldId id="257" r:id="rId6"/>
+    <p:sldId id="258" r:id="rId7"/>
+    <p:sldId id="259" r:id="rId8"/>
+    <p:sldId id="260" r:id="rId9"/>
+    <p:sldId id="261" r:id="rId10"/>
+    <p:sldId id="262" r:id="rId11"/>
   </p:sldIdLst>
   <p:sldSz cx="9144000" cy="6858000"/>
-  <p:notesSz cx="7772400" cy="10058400"/>
+  <p:notesSz cx="7559675" cy="10691812"/>
 </p:presentation>
 </file>
 
@@ -59,7 +61,7 @@
       </p:grpSpPr>
       <p:sp>
         <p:nvSpPr>
-          <p:cNvPr id="26" name="PlaceHolder 1"/>
+          <p:cNvPr id="23" name="PlaceHolder 1"/>
           <p:cNvSpPr>
             <a:spLocks noGrp="1"/>
           </p:cNvSpPr>
@@ -69,8 +71,8 @@
         </p:nvSpPr>
         <p:spPr>
           <a:xfrm>
-            <a:off x="457200" y="274680"/>
-            <a:ext cx="8229240" cy="1143000"/>
+            <a:off x="457200" y="273240"/>
+            <a:ext cx="8229240" cy="1145160"/>
           </a:xfrm>
           <a:prstGeom prst="rect">
             <a:avLst/>
@@ -79,50 +81,51 @@
         <p:txBody>
           <a:bodyPr anchor="ctr" bIns="0" lIns="0" rIns="0" tIns="0" wrap="none"/>
           <a:p>
-            <a:endParaRPr/>
-          </a:p>
-        </p:txBody>
-      </p:sp>
-      <p:sp>
-        <p:nvSpPr>
-          <p:cNvPr id="27" name="PlaceHolder 2"/>
-          <p:cNvSpPr>
-            <a:spLocks noGrp="1"/>
-          </p:cNvSpPr>
-          <p:nvPr>
-            <p:ph type="body"/>
-          </p:nvPr>
-        </p:nvSpPr>
-        <p:spPr>
-          <a:xfrm>
-            <a:off x="457200" y="1600200"/>
-            <a:ext cx="8229240" cy="2158200"/>
-          </a:xfrm>
-          <a:prstGeom prst="rect">
-            <a:avLst/>
-          </a:prstGeom>
-        </p:spPr>
-        <p:txBody>
-          <a:bodyPr bIns="0" lIns="0" rIns="0" tIns="0" wrap="none"/>
-          <a:p>
-            <a:endParaRPr/>
-          </a:p>
-        </p:txBody>
-      </p:sp>
-      <p:sp>
-        <p:nvSpPr>
-          <p:cNvPr id="28" name="PlaceHolder 3"/>
-          <p:cNvSpPr>
-            <a:spLocks noGrp="1"/>
-          </p:cNvSpPr>
-          <p:nvPr>
-            <p:ph type="body"/>
-          </p:nvPr>
-        </p:nvSpPr>
-        <p:spPr>
-          <a:xfrm>
-            <a:off x="457200" y="3963600"/>
-            <a:ext cx="8229240" cy="2158200"/>
+            <a:pPr algn="ctr"/>
+            <a:endParaRPr/>
+          </a:p>
+        </p:txBody>
+      </p:sp>
+      <p:sp>
+        <p:nvSpPr>
+          <p:cNvPr id="24" name="PlaceHolder 2"/>
+          <p:cNvSpPr>
+            <a:spLocks noGrp="1"/>
+          </p:cNvSpPr>
+          <p:nvPr>
+            <p:ph type="body"/>
+          </p:nvPr>
+        </p:nvSpPr>
+        <p:spPr>
+          <a:xfrm>
+            <a:off x="457200" y="1604520"/>
+            <a:ext cx="8229240" cy="1896840"/>
+          </a:xfrm>
+          <a:prstGeom prst="rect">
+            <a:avLst/>
+          </a:prstGeom>
+        </p:spPr>
+        <p:txBody>
+          <a:bodyPr bIns="0" lIns="0" rIns="0" tIns="0" wrap="none"/>
+          <a:p>
+            <a:endParaRPr/>
+          </a:p>
+        </p:txBody>
+      </p:sp>
+      <p:sp>
+        <p:nvSpPr>
+          <p:cNvPr id="25" name="PlaceHolder 3"/>
+          <p:cNvSpPr>
+            <a:spLocks noGrp="1"/>
+          </p:cNvSpPr>
+          <p:nvPr>
+            <p:ph type="body"/>
+          </p:nvPr>
+        </p:nvSpPr>
+        <p:spPr>
+          <a:xfrm>
+            <a:off x="457200" y="3681720"/>
+            <a:ext cx="8229240" cy="1896840"/>
           </a:xfrm>
           <a:prstGeom prst="rect">
             <a:avLst/>
@@ -159,7 +162,7 @@
       </p:grpSpPr>
       <p:sp>
         <p:nvSpPr>
-          <p:cNvPr id="29" name="PlaceHolder 1"/>
+          <p:cNvPr id="26" name="PlaceHolder 1"/>
           <p:cNvSpPr>
             <a:spLocks noGrp="1"/>
           </p:cNvSpPr>
@@ -169,8 +172,8 @@
         </p:nvSpPr>
         <p:spPr>
           <a:xfrm>
-            <a:off x="457200" y="274680"/>
-            <a:ext cx="8229240" cy="1143000"/>
+            <a:off x="457200" y="273240"/>
+            <a:ext cx="8229240" cy="1145160"/>
           </a:xfrm>
           <a:prstGeom prst="rect">
             <a:avLst/>
@@ -179,102 +182,103 @@
         <p:txBody>
           <a:bodyPr anchor="ctr" bIns="0" lIns="0" rIns="0" tIns="0" wrap="none"/>
           <a:p>
-            <a:endParaRPr/>
-          </a:p>
-        </p:txBody>
-      </p:sp>
-      <p:sp>
-        <p:nvSpPr>
-          <p:cNvPr id="30" name="PlaceHolder 2"/>
-          <p:cNvSpPr>
-            <a:spLocks noGrp="1"/>
-          </p:cNvSpPr>
-          <p:nvPr>
-            <p:ph type="body"/>
-          </p:nvPr>
-        </p:nvSpPr>
-        <p:spPr>
-          <a:xfrm>
-            <a:off x="457200" y="1600200"/>
-            <a:ext cx="4015440" cy="2158200"/>
-          </a:xfrm>
-          <a:prstGeom prst="rect">
-            <a:avLst/>
-          </a:prstGeom>
-        </p:spPr>
-        <p:txBody>
-          <a:bodyPr bIns="0" lIns="0" rIns="0" tIns="0" wrap="none"/>
-          <a:p>
-            <a:endParaRPr/>
-          </a:p>
-        </p:txBody>
-      </p:sp>
-      <p:sp>
-        <p:nvSpPr>
-          <p:cNvPr id="31" name="PlaceHolder 3"/>
-          <p:cNvSpPr>
-            <a:spLocks noGrp="1"/>
-          </p:cNvSpPr>
-          <p:nvPr>
-            <p:ph type="body"/>
-          </p:nvPr>
-        </p:nvSpPr>
-        <p:spPr>
-          <a:xfrm>
-            <a:off x="4673520" y="1600200"/>
-            <a:ext cx="4015440" cy="2158200"/>
-          </a:xfrm>
-          <a:prstGeom prst="rect">
-            <a:avLst/>
-          </a:prstGeom>
-        </p:spPr>
-        <p:txBody>
-          <a:bodyPr bIns="0" lIns="0" rIns="0" tIns="0" wrap="none"/>
-          <a:p>
-            <a:endParaRPr/>
-          </a:p>
-        </p:txBody>
-      </p:sp>
-      <p:sp>
-        <p:nvSpPr>
-          <p:cNvPr id="32" name="PlaceHolder 4"/>
-          <p:cNvSpPr>
-            <a:spLocks noGrp="1"/>
-          </p:cNvSpPr>
-          <p:nvPr>
-            <p:ph type="body"/>
-          </p:nvPr>
-        </p:nvSpPr>
-        <p:spPr>
-          <a:xfrm>
-            <a:off x="4673520" y="3963600"/>
-            <a:ext cx="4015440" cy="2158200"/>
-          </a:xfrm>
-          <a:prstGeom prst="rect">
-            <a:avLst/>
-          </a:prstGeom>
-        </p:spPr>
-        <p:txBody>
-          <a:bodyPr bIns="0" lIns="0" rIns="0" tIns="0" wrap="none"/>
-          <a:p>
-            <a:endParaRPr/>
-          </a:p>
-        </p:txBody>
-      </p:sp>
-      <p:sp>
-        <p:nvSpPr>
-          <p:cNvPr id="33" name="PlaceHolder 5"/>
-          <p:cNvSpPr>
-            <a:spLocks noGrp="1"/>
-          </p:cNvSpPr>
-          <p:nvPr>
-            <p:ph type="body"/>
-          </p:nvPr>
-        </p:nvSpPr>
-        <p:spPr>
-          <a:xfrm>
-            <a:off x="457200" y="3963600"/>
-            <a:ext cx="4015440" cy="2158200"/>
+            <a:pPr algn="ctr"/>
+            <a:endParaRPr/>
+          </a:p>
+        </p:txBody>
+      </p:sp>
+      <p:sp>
+        <p:nvSpPr>
+          <p:cNvPr id="27" name="PlaceHolder 2"/>
+          <p:cNvSpPr>
+            <a:spLocks noGrp="1"/>
+          </p:cNvSpPr>
+          <p:nvPr>
+            <p:ph type="body"/>
+          </p:nvPr>
+        </p:nvSpPr>
+        <p:spPr>
+          <a:xfrm>
+            <a:off x="457200" y="1604520"/>
+            <a:ext cx="4015440" cy="1896840"/>
+          </a:xfrm>
+          <a:prstGeom prst="rect">
+            <a:avLst/>
+          </a:prstGeom>
+        </p:spPr>
+        <p:txBody>
+          <a:bodyPr bIns="0" lIns="0" rIns="0" tIns="0" wrap="none"/>
+          <a:p>
+            <a:endParaRPr/>
+          </a:p>
+        </p:txBody>
+      </p:sp>
+      <p:sp>
+        <p:nvSpPr>
+          <p:cNvPr id="28" name="PlaceHolder 3"/>
+          <p:cNvSpPr>
+            <a:spLocks noGrp="1"/>
+          </p:cNvSpPr>
+          <p:nvPr>
+            <p:ph type="body"/>
+          </p:nvPr>
+        </p:nvSpPr>
+        <p:spPr>
+          <a:xfrm>
+            <a:off x="4673520" y="1604520"/>
+            <a:ext cx="4015440" cy="1896840"/>
+          </a:xfrm>
+          <a:prstGeom prst="rect">
+            <a:avLst/>
+          </a:prstGeom>
+        </p:spPr>
+        <p:txBody>
+          <a:bodyPr bIns="0" lIns="0" rIns="0" tIns="0" wrap="none"/>
+          <a:p>
+            <a:endParaRPr/>
+          </a:p>
+        </p:txBody>
+      </p:sp>
+      <p:sp>
+        <p:nvSpPr>
+          <p:cNvPr id="29" name="PlaceHolder 4"/>
+          <p:cNvSpPr>
+            <a:spLocks noGrp="1"/>
+          </p:cNvSpPr>
+          <p:nvPr>
+            <p:ph type="body"/>
+          </p:nvPr>
+        </p:nvSpPr>
+        <p:spPr>
+          <a:xfrm>
+            <a:off x="4673520" y="3681720"/>
+            <a:ext cx="4015440" cy="1896840"/>
+          </a:xfrm>
+          <a:prstGeom prst="rect">
+            <a:avLst/>
+          </a:prstGeom>
+        </p:spPr>
+        <p:txBody>
+          <a:bodyPr bIns="0" lIns="0" rIns="0" tIns="0" wrap="none"/>
+          <a:p>
+            <a:endParaRPr/>
+          </a:p>
+        </p:txBody>
+      </p:sp>
+      <p:sp>
+        <p:nvSpPr>
+          <p:cNvPr id="30" name="PlaceHolder 5"/>
+          <p:cNvSpPr>
+            <a:spLocks noGrp="1"/>
+          </p:cNvSpPr>
+          <p:nvPr>
+            <p:ph type="body"/>
+          </p:nvPr>
+        </p:nvSpPr>
+        <p:spPr>
+          <a:xfrm>
+            <a:off x="457200" y="3681720"/>
+            <a:ext cx="4015440" cy="1896840"/>
           </a:xfrm>
           <a:prstGeom prst="rect">
             <a:avLst/>
@@ -311,7 +315,7 @@
       </p:grpSpPr>
       <p:sp>
         <p:nvSpPr>
-          <p:cNvPr id="34" name="PlaceHolder 1"/>
+          <p:cNvPr id="31" name="PlaceHolder 1"/>
           <p:cNvSpPr>
             <a:spLocks noGrp="1"/>
           </p:cNvSpPr>
@@ -321,8 +325,8 @@
         </p:nvSpPr>
         <p:spPr>
           <a:xfrm>
-            <a:off x="457200" y="274680"/>
-            <a:ext cx="8229240" cy="1143000"/>
+            <a:off x="457200" y="273240"/>
+            <a:ext cx="8229240" cy="1145160"/>
           </a:xfrm>
           <a:prstGeom prst="rect">
             <a:avLst/>
@@ -331,62 +335,107 @@
         <p:txBody>
           <a:bodyPr anchor="ctr" bIns="0" lIns="0" rIns="0" tIns="0" wrap="none"/>
           <a:p>
-            <a:endParaRPr/>
-          </a:p>
-        </p:txBody>
-      </p:sp>
-      <p:sp>
-        <p:nvSpPr>
-          <p:cNvPr id="35" name="PlaceHolder 2"/>
-          <p:cNvSpPr>
-            <a:spLocks noGrp="1"/>
-          </p:cNvSpPr>
-          <p:nvPr>
-            <p:ph type="body"/>
-          </p:nvPr>
-        </p:nvSpPr>
-        <p:spPr>
-          <a:xfrm>
-            <a:off x="457200" y="1600200"/>
-            <a:ext cx="4015440" cy="2158200"/>
-          </a:xfrm>
-          <a:prstGeom prst="rect">
-            <a:avLst/>
-          </a:prstGeom>
-        </p:spPr>
-        <p:txBody>
-          <a:bodyPr bIns="0" lIns="0" rIns="0" tIns="0" wrap="none"/>
-          <a:p>
-            <a:endParaRPr/>
-          </a:p>
-        </p:txBody>
-      </p:sp>
-      <p:sp>
-        <p:nvSpPr>
-          <p:cNvPr id="36" name="PlaceHolder 3"/>
-          <p:cNvSpPr>
-            <a:spLocks noGrp="1"/>
-          </p:cNvSpPr>
-          <p:nvPr>
-            <p:ph type="body"/>
-          </p:nvPr>
-        </p:nvSpPr>
-        <p:spPr>
-          <a:xfrm>
-            <a:off x="4673520" y="1600200"/>
-            <a:ext cx="4015440" cy="2158200"/>
-          </a:xfrm>
-          <a:prstGeom prst="rect">
-            <a:avLst/>
-          </a:prstGeom>
-        </p:spPr>
-        <p:txBody>
-          <a:bodyPr bIns="0" lIns="0" rIns="0" tIns="0" wrap="none"/>
-          <a:p>
-            <a:endParaRPr/>
-          </a:p>
-        </p:txBody>
-      </p:sp>
+            <a:pPr algn="ctr"/>
+            <a:endParaRPr/>
+          </a:p>
+        </p:txBody>
+      </p:sp>
+      <p:sp>
+        <p:nvSpPr>
+          <p:cNvPr id="32" name="PlaceHolder 2"/>
+          <p:cNvSpPr>
+            <a:spLocks noGrp="1"/>
+          </p:cNvSpPr>
+          <p:nvPr>
+            <p:ph type="body"/>
+          </p:nvPr>
+        </p:nvSpPr>
+        <p:spPr>
+          <a:xfrm>
+            <a:off x="457200" y="1604520"/>
+            <a:ext cx="4015440" cy="1896840"/>
+          </a:xfrm>
+          <a:prstGeom prst="rect">
+            <a:avLst/>
+          </a:prstGeom>
+        </p:spPr>
+        <p:txBody>
+          <a:bodyPr bIns="0" lIns="0" rIns="0" tIns="0" wrap="none"/>
+          <a:p>
+            <a:endParaRPr/>
+          </a:p>
+        </p:txBody>
+      </p:sp>
+      <p:sp>
+        <p:nvSpPr>
+          <p:cNvPr id="33" name="PlaceHolder 3"/>
+          <p:cNvSpPr>
+            <a:spLocks noGrp="1"/>
+          </p:cNvSpPr>
+          <p:nvPr>
+            <p:ph type="body"/>
+          </p:nvPr>
+        </p:nvSpPr>
+        <p:spPr>
+          <a:xfrm>
+            <a:off x="4673520" y="1604520"/>
+            <a:ext cx="4015440" cy="1896840"/>
+          </a:xfrm>
+          <a:prstGeom prst="rect">
+            <a:avLst/>
+          </a:prstGeom>
+        </p:spPr>
+        <p:txBody>
+          <a:bodyPr bIns="0" lIns="0" rIns="0" tIns="0" wrap="none"/>
+          <a:p>
+            <a:endParaRPr/>
+          </a:p>
+        </p:txBody>
+      </p:sp>
+      <p:pic>
+        <p:nvPicPr>
+          <p:cNvPr descr="" id="34" name=""/>
+          <p:cNvPicPr/>
+          <p:nvPr/>
+        </p:nvPicPr>
+        <p:blipFill>
+          <a:blip r:embed="rId2"/>
+          <a:stretch>
+            <a:fillRect/>
+          </a:stretch>
+        </p:blipFill>
+        <p:spPr>
+          <a:xfrm>
+            <a:off x="5492520" y="3681360"/>
+            <a:ext cx="2377440" cy="1896840"/>
+          </a:xfrm>
+          <a:prstGeom prst="rect">
+            <a:avLst/>
+          </a:prstGeom>
+        </p:spPr>
+      </p:pic>
+      <p:pic>
+        <p:nvPicPr>
+          <p:cNvPr descr="" id="35" name=""/>
+          <p:cNvPicPr/>
+          <p:nvPr/>
+        </p:nvPicPr>
+        <p:blipFill>
+          <a:blip r:embed="rId3"/>
+          <a:stretch>
+            <a:fillRect/>
+          </a:stretch>
+        </p:blipFill>
+        <p:spPr>
+          <a:xfrm>
+            <a:off x="1276200" y="3681360"/>
+            <a:ext cx="2377440" cy="1896840"/>
+          </a:xfrm>
+          <a:prstGeom prst="rect">
+            <a:avLst/>
+          </a:prstGeom>
+        </p:spPr>
+      </p:pic>
     </p:spTree>
   </p:cSld>
 </p:sldLayout>
@@ -433,7 +482,7 @@
       </p:grpSpPr>
       <p:sp>
         <p:nvSpPr>
-          <p:cNvPr id="42" name="PlaceHolder 1"/>
+          <p:cNvPr id="38" name="PlaceHolder 1"/>
           <p:cNvSpPr>
             <a:spLocks noGrp="1"/>
           </p:cNvSpPr>
@@ -443,8 +492,8 @@
         </p:nvSpPr>
         <p:spPr>
           <a:xfrm>
-            <a:off x="457200" y="274680"/>
-            <a:ext cx="8229240" cy="1143000"/>
+            <a:off x="457200" y="273240"/>
+            <a:ext cx="8229240" cy="1145160"/>
           </a:xfrm>
           <a:prstGeom prst="rect">
             <a:avLst/>
@@ -453,13 +502,14 @@
         <p:txBody>
           <a:bodyPr anchor="ctr" bIns="0" lIns="0" rIns="0" tIns="0" wrap="none"/>
           <a:p>
-            <a:endParaRPr/>
-          </a:p>
-        </p:txBody>
-      </p:sp>
-      <p:sp>
-        <p:nvSpPr>
-          <p:cNvPr id="43" name="PlaceHolder 2"/>
+            <a:pPr algn="ctr"/>
+            <a:endParaRPr/>
+          </a:p>
+        </p:txBody>
+      </p:sp>
+      <p:sp>
+        <p:nvSpPr>
+          <p:cNvPr id="39" name="PlaceHolder 2"/>
           <p:cNvSpPr>
             <a:spLocks noGrp="1"/>
           </p:cNvSpPr>
@@ -469,8 +519,8 @@
         </p:nvSpPr>
         <p:spPr>
           <a:xfrm>
-            <a:off x="457200" y="1600200"/>
-            <a:ext cx="8229240" cy="4525920"/>
+            <a:off x="457200" y="1604520"/>
+            <a:ext cx="8229240" cy="3977640"/>
           </a:xfrm>
           <a:prstGeom prst="rect">
             <a:avLst/>
@@ -508,7 +558,7 @@
       </p:grpSpPr>
       <p:sp>
         <p:nvSpPr>
-          <p:cNvPr id="44" name="PlaceHolder 1"/>
+          <p:cNvPr id="40" name="PlaceHolder 1"/>
           <p:cNvSpPr>
             <a:spLocks noGrp="1"/>
           </p:cNvSpPr>
@@ -518,8 +568,8 @@
         </p:nvSpPr>
         <p:spPr>
           <a:xfrm>
-            <a:off x="457200" y="274680"/>
-            <a:ext cx="8229240" cy="1143000"/>
+            <a:off x="457200" y="273240"/>
+            <a:ext cx="8229240" cy="1145160"/>
           </a:xfrm>
           <a:prstGeom prst="rect">
             <a:avLst/>
@@ -528,24 +578,25 @@
         <p:txBody>
           <a:bodyPr anchor="ctr" bIns="0" lIns="0" rIns="0" tIns="0" wrap="none"/>
           <a:p>
-            <a:endParaRPr/>
-          </a:p>
-        </p:txBody>
-      </p:sp>
-      <p:sp>
-        <p:nvSpPr>
-          <p:cNvPr id="45" name="PlaceHolder 2"/>
-          <p:cNvSpPr>
-            <a:spLocks noGrp="1"/>
-          </p:cNvSpPr>
-          <p:nvPr>
-            <p:ph type="body"/>
-          </p:nvPr>
-        </p:nvSpPr>
-        <p:spPr>
-          <a:xfrm>
-            <a:off x="457200" y="1600200"/>
-            <a:ext cx="8229240" cy="4525560"/>
+            <a:pPr algn="ctr"/>
+            <a:endParaRPr/>
+          </a:p>
+        </p:txBody>
+      </p:sp>
+      <p:sp>
+        <p:nvSpPr>
+          <p:cNvPr id="41" name="PlaceHolder 2"/>
+          <p:cNvSpPr>
+            <a:spLocks noGrp="1"/>
+          </p:cNvSpPr>
+          <p:nvPr>
+            <p:ph type="body"/>
+          </p:nvPr>
+        </p:nvSpPr>
+        <p:spPr>
+          <a:xfrm>
+            <a:off x="457200" y="1604520"/>
+            <a:ext cx="8229240" cy="3977280"/>
           </a:xfrm>
           <a:prstGeom prst="rect">
             <a:avLst/>
@@ -582,7 +633,7 @@
       </p:grpSpPr>
       <p:sp>
         <p:nvSpPr>
-          <p:cNvPr id="46" name="PlaceHolder 1"/>
+          <p:cNvPr id="42" name="PlaceHolder 1"/>
           <p:cNvSpPr>
             <a:spLocks noGrp="1"/>
           </p:cNvSpPr>
@@ -592,8 +643,8 @@
         </p:nvSpPr>
         <p:spPr>
           <a:xfrm>
-            <a:off x="457200" y="274680"/>
-            <a:ext cx="8229240" cy="1143000"/>
+            <a:off x="457200" y="273240"/>
+            <a:ext cx="8229240" cy="1145160"/>
           </a:xfrm>
           <a:prstGeom prst="rect">
             <a:avLst/>
@@ -602,50 +653,51 @@
         <p:txBody>
           <a:bodyPr anchor="ctr" bIns="0" lIns="0" rIns="0" tIns="0" wrap="none"/>
           <a:p>
-            <a:endParaRPr/>
-          </a:p>
-        </p:txBody>
-      </p:sp>
-      <p:sp>
-        <p:nvSpPr>
-          <p:cNvPr id="47" name="PlaceHolder 2"/>
-          <p:cNvSpPr>
-            <a:spLocks noGrp="1"/>
-          </p:cNvSpPr>
-          <p:nvPr>
-            <p:ph type="body"/>
-          </p:nvPr>
-        </p:nvSpPr>
-        <p:spPr>
-          <a:xfrm>
-            <a:off x="457200" y="1600200"/>
-            <a:ext cx="4015440" cy="4525560"/>
-          </a:xfrm>
-          <a:prstGeom prst="rect">
-            <a:avLst/>
-          </a:prstGeom>
-        </p:spPr>
-        <p:txBody>
-          <a:bodyPr bIns="0" lIns="0" rIns="0" tIns="0" wrap="none"/>
-          <a:p>
-            <a:endParaRPr/>
-          </a:p>
-        </p:txBody>
-      </p:sp>
-      <p:sp>
-        <p:nvSpPr>
-          <p:cNvPr id="48" name="PlaceHolder 3"/>
-          <p:cNvSpPr>
-            <a:spLocks noGrp="1"/>
-          </p:cNvSpPr>
-          <p:nvPr>
-            <p:ph type="body"/>
-          </p:nvPr>
-        </p:nvSpPr>
-        <p:spPr>
-          <a:xfrm>
-            <a:off x="4673520" y="1600200"/>
-            <a:ext cx="4015440" cy="4525560"/>
+            <a:pPr algn="ctr"/>
+            <a:endParaRPr/>
+          </a:p>
+        </p:txBody>
+      </p:sp>
+      <p:sp>
+        <p:nvSpPr>
+          <p:cNvPr id="43" name="PlaceHolder 2"/>
+          <p:cNvSpPr>
+            <a:spLocks noGrp="1"/>
+          </p:cNvSpPr>
+          <p:nvPr>
+            <p:ph type="body"/>
+          </p:nvPr>
+        </p:nvSpPr>
+        <p:spPr>
+          <a:xfrm>
+            <a:off x="457200" y="1604520"/>
+            <a:ext cx="4015440" cy="3977280"/>
+          </a:xfrm>
+          <a:prstGeom prst="rect">
+            <a:avLst/>
+          </a:prstGeom>
+        </p:spPr>
+        <p:txBody>
+          <a:bodyPr bIns="0" lIns="0" rIns="0" tIns="0" wrap="none"/>
+          <a:p>
+            <a:endParaRPr/>
+          </a:p>
+        </p:txBody>
+      </p:sp>
+      <p:sp>
+        <p:nvSpPr>
+          <p:cNvPr id="44" name="PlaceHolder 3"/>
+          <p:cNvSpPr>
+            <a:spLocks noGrp="1"/>
+          </p:cNvSpPr>
+          <p:nvPr>
+            <p:ph type="body"/>
+          </p:nvPr>
+        </p:nvSpPr>
+        <p:spPr>
+          <a:xfrm>
+            <a:off x="4673520" y="1604520"/>
+            <a:ext cx="4015440" cy="3977280"/>
           </a:xfrm>
           <a:prstGeom prst="rect">
             <a:avLst/>
@@ -682,7 +734,7 @@
       </p:grpSpPr>
       <p:sp>
         <p:nvSpPr>
-          <p:cNvPr id="49" name="PlaceHolder 1"/>
+          <p:cNvPr id="45" name="PlaceHolder 1"/>
           <p:cNvSpPr>
             <a:spLocks noGrp="1"/>
           </p:cNvSpPr>
@@ -692,8 +744,8 @@
         </p:nvSpPr>
         <p:spPr>
           <a:xfrm>
-            <a:off x="457200" y="274680"/>
-            <a:ext cx="8229240" cy="1143000"/>
+            <a:off x="457200" y="273240"/>
+            <a:ext cx="8229240" cy="1145160"/>
           </a:xfrm>
           <a:prstGeom prst="rect">
             <a:avLst/>
@@ -702,6 +754,7 @@
         <p:txBody>
           <a:bodyPr anchor="ctr" bIns="0" lIns="0" rIns="0" tIns="0" wrap="none"/>
           <a:p>
+            <a:pPr algn="ctr"/>
             <a:endParaRPr/>
           </a:p>
         </p:txBody>
@@ -730,7 +783,7 @@
       </p:grpSpPr>
       <p:sp>
         <p:nvSpPr>
-          <p:cNvPr id="50" name="PlaceHolder 1"/>
+          <p:cNvPr id="46" name="PlaceHolder 1"/>
           <p:cNvSpPr>
             <a:spLocks noGrp="1"/>
           </p:cNvSpPr>
@@ -740,8 +793,8 @@
         </p:nvSpPr>
         <p:spPr>
           <a:xfrm>
-            <a:off x="457200" y="274680"/>
-            <a:ext cx="8229240" cy="5851080"/>
+            <a:off x="457200" y="273240"/>
+            <a:ext cx="8229240" cy="5308560"/>
           </a:xfrm>
           <a:prstGeom prst="rect">
             <a:avLst/>
@@ -779,7 +832,7 @@
       </p:grpSpPr>
       <p:sp>
         <p:nvSpPr>
-          <p:cNvPr id="51" name="PlaceHolder 1"/>
+          <p:cNvPr id="47" name="PlaceHolder 1"/>
           <p:cNvSpPr>
             <a:spLocks noGrp="1"/>
           </p:cNvSpPr>
@@ -789,8 +842,8 @@
         </p:nvSpPr>
         <p:spPr>
           <a:xfrm>
-            <a:off x="457200" y="274680"/>
-            <a:ext cx="8229240" cy="1143000"/>
+            <a:off x="457200" y="273240"/>
+            <a:ext cx="8229240" cy="1145160"/>
           </a:xfrm>
           <a:prstGeom prst="rect">
             <a:avLst/>
@@ -799,76 +852,77 @@
         <p:txBody>
           <a:bodyPr anchor="ctr" bIns="0" lIns="0" rIns="0" tIns="0" wrap="none"/>
           <a:p>
-            <a:endParaRPr/>
-          </a:p>
-        </p:txBody>
-      </p:sp>
-      <p:sp>
-        <p:nvSpPr>
-          <p:cNvPr id="52" name="PlaceHolder 2"/>
-          <p:cNvSpPr>
-            <a:spLocks noGrp="1"/>
-          </p:cNvSpPr>
-          <p:nvPr>
-            <p:ph type="body"/>
-          </p:nvPr>
-        </p:nvSpPr>
-        <p:spPr>
-          <a:xfrm>
-            <a:off x="457200" y="1600200"/>
-            <a:ext cx="4015440" cy="2158200"/>
-          </a:xfrm>
-          <a:prstGeom prst="rect">
-            <a:avLst/>
-          </a:prstGeom>
-        </p:spPr>
-        <p:txBody>
-          <a:bodyPr bIns="0" lIns="0" rIns="0" tIns="0" wrap="none"/>
-          <a:p>
-            <a:endParaRPr/>
-          </a:p>
-        </p:txBody>
-      </p:sp>
-      <p:sp>
-        <p:nvSpPr>
-          <p:cNvPr id="53" name="PlaceHolder 3"/>
-          <p:cNvSpPr>
-            <a:spLocks noGrp="1"/>
-          </p:cNvSpPr>
-          <p:nvPr>
-            <p:ph type="body"/>
-          </p:nvPr>
-        </p:nvSpPr>
-        <p:spPr>
-          <a:xfrm>
-            <a:off x="457200" y="3963600"/>
-            <a:ext cx="4015440" cy="2158200"/>
-          </a:xfrm>
-          <a:prstGeom prst="rect">
-            <a:avLst/>
-          </a:prstGeom>
-        </p:spPr>
-        <p:txBody>
-          <a:bodyPr bIns="0" lIns="0" rIns="0" tIns="0" wrap="none"/>
-          <a:p>
-            <a:endParaRPr/>
-          </a:p>
-        </p:txBody>
-      </p:sp>
-      <p:sp>
-        <p:nvSpPr>
-          <p:cNvPr id="54" name="PlaceHolder 4"/>
-          <p:cNvSpPr>
-            <a:spLocks noGrp="1"/>
-          </p:cNvSpPr>
-          <p:nvPr>
-            <p:ph type="body"/>
-          </p:nvPr>
-        </p:nvSpPr>
-        <p:spPr>
-          <a:xfrm>
-            <a:off x="4673520" y="1600200"/>
-            <a:ext cx="4015440" cy="4525560"/>
+            <a:pPr algn="ctr"/>
+            <a:endParaRPr/>
+          </a:p>
+        </p:txBody>
+      </p:sp>
+      <p:sp>
+        <p:nvSpPr>
+          <p:cNvPr id="48" name="PlaceHolder 2"/>
+          <p:cNvSpPr>
+            <a:spLocks noGrp="1"/>
+          </p:cNvSpPr>
+          <p:nvPr>
+            <p:ph type="body"/>
+          </p:nvPr>
+        </p:nvSpPr>
+        <p:spPr>
+          <a:xfrm>
+            <a:off x="457200" y="1604520"/>
+            <a:ext cx="4015440" cy="1896840"/>
+          </a:xfrm>
+          <a:prstGeom prst="rect">
+            <a:avLst/>
+          </a:prstGeom>
+        </p:spPr>
+        <p:txBody>
+          <a:bodyPr bIns="0" lIns="0" rIns="0" tIns="0" wrap="none"/>
+          <a:p>
+            <a:endParaRPr/>
+          </a:p>
+        </p:txBody>
+      </p:sp>
+      <p:sp>
+        <p:nvSpPr>
+          <p:cNvPr id="49" name="PlaceHolder 3"/>
+          <p:cNvSpPr>
+            <a:spLocks noGrp="1"/>
+          </p:cNvSpPr>
+          <p:nvPr>
+            <p:ph type="body"/>
+          </p:nvPr>
+        </p:nvSpPr>
+        <p:spPr>
+          <a:xfrm>
+            <a:off x="457200" y="3681720"/>
+            <a:ext cx="4015440" cy="1896840"/>
+          </a:xfrm>
+          <a:prstGeom prst="rect">
+            <a:avLst/>
+          </a:prstGeom>
+        </p:spPr>
+        <p:txBody>
+          <a:bodyPr bIns="0" lIns="0" rIns="0" tIns="0" wrap="none"/>
+          <a:p>
+            <a:endParaRPr/>
+          </a:p>
+        </p:txBody>
+      </p:sp>
+      <p:sp>
+        <p:nvSpPr>
+          <p:cNvPr id="50" name="PlaceHolder 4"/>
+          <p:cNvSpPr>
+            <a:spLocks noGrp="1"/>
+          </p:cNvSpPr>
+          <p:nvPr>
+            <p:ph type="body"/>
+          </p:nvPr>
+        </p:nvSpPr>
+        <p:spPr>
+          <a:xfrm>
+            <a:off x="4673520" y="1604520"/>
+            <a:ext cx="4015440" cy="3977280"/>
           </a:xfrm>
           <a:prstGeom prst="rect">
             <a:avLst/>
@@ -905,7 +959,7 @@
       </p:grpSpPr>
       <p:sp>
         <p:nvSpPr>
-          <p:cNvPr id="5" name="PlaceHolder 1"/>
+          <p:cNvPr id="2" name="PlaceHolder 1"/>
           <p:cNvSpPr>
             <a:spLocks noGrp="1"/>
           </p:cNvSpPr>
@@ -915,8 +969,8 @@
         </p:nvSpPr>
         <p:spPr>
           <a:xfrm>
-            <a:off x="457200" y="274680"/>
-            <a:ext cx="8229240" cy="1143000"/>
+            <a:off x="457200" y="273240"/>
+            <a:ext cx="8229240" cy="1145160"/>
           </a:xfrm>
           <a:prstGeom prst="rect">
             <a:avLst/>
@@ -925,13 +979,14 @@
         <p:txBody>
           <a:bodyPr anchor="ctr" bIns="0" lIns="0" rIns="0" tIns="0" wrap="none"/>
           <a:p>
-            <a:endParaRPr/>
-          </a:p>
-        </p:txBody>
-      </p:sp>
-      <p:sp>
-        <p:nvSpPr>
-          <p:cNvPr id="6" name="PlaceHolder 2"/>
+            <a:pPr algn="ctr"/>
+            <a:endParaRPr/>
+          </a:p>
+        </p:txBody>
+      </p:sp>
+      <p:sp>
+        <p:nvSpPr>
+          <p:cNvPr id="3" name="PlaceHolder 2"/>
           <p:cNvSpPr>
             <a:spLocks noGrp="1"/>
           </p:cNvSpPr>
@@ -941,8 +996,8 @@
         </p:nvSpPr>
         <p:spPr>
           <a:xfrm>
-            <a:off x="457200" y="1600200"/>
-            <a:ext cx="8229240" cy="4525920"/>
+            <a:off x="457200" y="1604520"/>
+            <a:ext cx="8229240" cy="3977640"/>
           </a:xfrm>
           <a:prstGeom prst="rect">
             <a:avLst/>
@@ -980,7 +1035,7 @@
       </p:grpSpPr>
       <p:sp>
         <p:nvSpPr>
-          <p:cNvPr id="55" name="PlaceHolder 1"/>
+          <p:cNvPr id="51" name="PlaceHolder 1"/>
           <p:cNvSpPr>
             <a:spLocks noGrp="1"/>
           </p:cNvSpPr>
@@ -990,8 +1045,8 @@
         </p:nvSpPr>
         <p:spPr>
           <a:xfrm>
-            <a:off x="457200" y="274680"/>
-            <a:ext cx="8229240" cy="1143000"/>
+            <a:off x="457200" y="273240"/>
+            <a:ext cx="8229240" cy="1145160"/>
           </a:xfrm>
           <a:prstGeom prst="rect">
             <a:avLst/>
@@ -1000,76 +1055,77 @@
         <p:txBody>
           <a:bodyPr anchor="ctr" bIns="0" lIns="0" rIns="0" tIns="0" wrap="none"/>
           <a:p>
-            <a:endParaRPr/>
-          </a:p>
-        </p:txBody>
-      </p:sp>
-      <p:sp>
-        <p:nvSpPr>
-          <p:cNvPr id="56" name="PlaceHolder 2"/>
-          <p:cNvSpPr>
-            <a:spLocks noGrp="1"/>
-          </p:cNvSpPr>
-          <p:nvPr>
-            <p:ph type="body"/>
-          </p:nvPr>
-        </p:nvSpPr>
-        <p:spPr>
-          <a:xfrm>
-            <a:off x="457200" y="1600200"/>
-            <a:ext cx="4015440" cy="4525560"/>
-          </a:xfrm>
-          <a:prstGeom prst="rect">
-            <a:avLst/>
-          </a:prstGeom>
-        </p:spPr>
-        <p:txBody>
-          <a:bodyPr bIns="0" lIns="0" rIns="0" tIns="0" wrap="none"/>
-          <a:p>
-            <a:endParaRPr/>
-          </a:p>
-        </p:txBody>
-      </p:sp>
-      <p:sp>
-        <p:nvSpPr>
-          <p:cNvPr id="57" name="PlaceHolder 3"/>
-          <p:cNvSpPr>
-            <a:spLocks noGrp="1"/>
-          </p:cNvSpPr>
-          <p:nvPr>
-            <p:ph type="body"/>
-          </p:nvPr>
-        </p:nvSpPr>
-        <p:spPr>
-          <a:xfrm>
-            <a:off x="4673520" y="1600200"/>
-            <a:ext cx="4015440" cy="2158200"/>
-          </a:xfrm>
-          <a:prstGeom prst="rect">
-            <a:avLst/>
-          </a:prstGeom>
-        </p:spPr>
-        <p:txBody>
-          <a:bodyPr bIns="0" lIns="0" rIns="0" tIns="0" wrap="none"/>
-          <a:p>
-            <a:endParaRPr/>
-          </a:p>
-        </p:txBody>
-      </p:sp>
-      <p:sp>
-        <p:nvSpPr>
-          <p:cNvPr id="58" name="PlaceHolder 4"/>
-          <p:cNvSpPr>
-            <a:spLocks noGrp="1"/>
-          </p:cNvSpPr>
-          <p:nvPr>
-            <p:ph type="body"/>
-          </p:nvPr>
-        </p:nvSpPr>
-        <p:spPr>
-          <a:xfrm>
-            <a:off x="4673520" y="3963600"/>
-            <a:ext cx="4015440" cy="2158200"/>
+            <a:pPr algn="ctr"/>
+            <a:endParaRPr/>
+          </a:p>
+        </p:txBody>
+      </p:sp>
+      <p:sp>
+        <p:nvSpPr>
+          <p:cNvPr id="52" name="PlaceHolder 2"/>
+          <p:cNvSpPr>
+            <a:spLocks noGrp="1"/>
+          </p:cNvSpPr>
+          <p:nvPr>
+            <p:ph type="body"/>
+          </p:nvPr>
+        </p:nvSpPr>
+        <p:spPr>
+          <a:xfrm>
+            <a:off x="457200" y="1604520"/>
+            <a:ext cx="4015440" cy="3977280"/>
+          </a:xfrm>
+          <a:prstGeom prst="rect">
+            <a:avLst/>
+          </a:prstGeom>
+        </p:spPr>
+        <p:txBody>
+          <a:bodyPr bIns="0" lIns="0" rIns="0" tIns="0" wrap="none"/>
+          <a:p>
+            <a:endParaRPr/>
+          </a:p>
+        </p:txBody>
+      </p:sp>
+      <p:sp>
+        <p:nvSpPr>
+          <p:cNvPr id="53" name="PlaceHolder 3"/>
+          <p:cNvSpPr>
+            <a:spLocks noGrp="1"/>
+          </p:cNvSpPr>
+          <p:nvPr>
+            <p:ph type="body"/>
+          </p:nvPr>
+        </p:nvSpPr>
+        <p:spPr>
+          <a:xfrm>
+            <a:off x="4673520" y="1604520"/>
+            <a:ext cx="4015440" cy="1896840"/>
+          </a:xfrm>
+          <a:prstGeom prst="rect">
+            <a:avLst/>
+          </a:prstGeom>
+        </p:spPr>
+        <p:txBody>
+          <a:bodyPr bIns="0" lIns="0" rIns="0" tIns="0" wrap="none"/>
+          <a:p>
+            <a:endParaRPr/>
+          </a:p>
+        </p:txBody>
+      </p:sp>
+      <p:sp>
+        <p:nvSpPr>
+          <p:cNvPr id="54" name="PlaceHolder 4"/>
+          <p:cNvSpPr>
+            <a:spLocks noGrp="1"/>
+          </p:cNvSpPr>
+          <p:nvPr>
+            <p:ph type="body"/>
+          </p:nvPr>
+        </p:nvSpPr>
+        <p:spPr>
+          <a:xfrm>
+            <a:off x="4673520" y="3681720"/>
+            <a:ext cx="4015440" cy="1896840"/>
           </a:xfrm>
           <a:prstGeom prst="rect">
             <a:avLst/>
@@ -1106,7 +1162,7 @@
       </p:grpSpPr>
       <p:sp>
         <p:nvSpPr>
-          <p:cNvPr id="59" name="PlaceHolder 1"/>
+          <p:cNvPr id="55" name="PlaceHolder 1"/>
           <p:cNvSpPr>
             <a:spLocks noGrp="1"/>
           </p:cNvSpPr>
@@ -1116,8 +1172,8 @@
         </p:nvSpPr>
         <p:spPr>
           <a:xfrm>
-            <a:off x="457200" y="274680"/>
-            <a:ext cx="8229240" cy="1143000"/>
+            <a:off x="457200" y="273240"/>
+            <a:ext cx="8229240" cy="1145160"/>
           </a:xfrm>
           <a:prstGeom prst="rect">
             <a:avLst/>
@@ -1126,76 +1182,77 @@
         <p:txBody>
           <a:bodyPr anchor="ctr" bIns="0" lIns="0" rIns="0" tIns="0" wrap="none"/>
           <a:p>
-            <a:endParaRPr/>
-          </a:p>
-        </p:txBody>
-      </p:sp>
-      <p:sp>
-        <p:nvSpPr>
-          <p:cNvPr id="60" name="PlaceHolder 2"/>
-          <p:cNvSpPr>
-            <a:spLocks noGrp="1"/>
-          </p:cNvSpPr>
-          <p:nvPr>
-            <p:ph type="body"/>
-          </p:nvPr>
-        </p:nvSpPr>
-        <p:spPr>
-          <a:xfrm>
-            <a:off x="457200" y="1600200"/>
-            <a:ext cx="4015440" cy="2158200"/>
-          </a:xfrm>
-          <a:prstGeom prst="rect">
-            <a:avLst/>
-          </a:prstGeom>
-        </p:spPr>
-        <p:txBody>
-          <a:bodyPr bIns="0" lIns="0" rIns="0" tIns="0" wrap="none"/>
-          <a:p>
-            <a:endParaRPr/>
-          </a:p>
-        </p:txBody>
-      </p:sp>
-      <p:sp>
-        <p:nvSpPr>
-          <p:cNvPr id="61" name="PlaceHolder 3"/>
-          <p:cNvSpPr>
-            <a:spLocks noGrp="1"/>
-          </p:cNvSpPr>
-          <p:nvPr>
-            <p:ph type="body"/>
-          </p:nvPr>
-        </p:nvSpPr>
-        <p:spPr>
-          <a:xfrm>
-            <a:off x="4673520" y="1600200"/>
-            <a:ext cx="4015440" cy="2158200"/>
-          </a:xfrm>
-          <a:prstGeom prst="rect">
-            <a:avLst/>
-          </a:prstGeom>
-        </p:spPr>
-        <p:txBody>
-          <a:bodyPr bIns="0" lIns="0" rIns="0" tIns="0" wrap="none"/>
-          <a:p>
-            <a:endParaRPr/>
-          </a:p>
-        </p:txBody>
-      </p:sp>
-      <p:sp>
-        <p:nvSpPr>
-          <p:cNvPr id="62" name="PlaceHolder 4"/>
-          <p:cNvSpPr>
-            <a:spLocks noGrp="1"/>
-          </p:cNvSpPr>
-          <p:nvPr>
-            <p:ph type="body"/>
-          </p:nvPr>
-        </p:nvSpPr>
-        <p:spPr>
-          <a:xfrm>
-            <a:off x="457200" y="3963600"/>
-            <a:ext cx="8228520" cy="2158200"/>
+            <a:pPr algn="ctr"/>
+            <a:endParaRPr/>
+          </a:p>
+        </p:txBody>
+      </p:sp>
+      <p:sp>
+        <p:nvSpPr>
+          <p:cNvPr id="56" name="PlaceHolder 2"/>
+          <p:cNvSpPr>
+            <a:spLocks noGrp="1"/>
+          </p:cNvSpPr>
+          <p:nvPr>
+            <p:ph type="body"/>
+          </p:nvPr>
+        </p:nvSpPr>
+        <p:spPr>
+          <a:xfrm>
+            <a:off x="457200" y="1604520"/>
+            <a:ext cx="4015440" cy="1896840"/>
+          </a:xfrm>
+          <a:prstGeom prst="rect">
+            <a:avLst/>
+          </a:prstGeom>
+        </p:spPr>
+        <p:txBody>
+          <a:bodyPr bIns="0" lIns="0" rIns="0" tIns="0" wrap="none"/>
+          <a:p>
+            <a:endParaRPr/>
+          </a:p>
+        </p:txBody>
+      </p:sp>
+      <p:sp>
+        <p:nvSpPr>
+          <p:cNvPr id="57" name="PlaceHolder 3"/>
+          <p:cNvSpPr>
+            <a:spLocks noGrp="1"/>
+          </p:cNvSpPr>
+          <p:nvPr>
+            <p:ph type="body"/>
+          </p:nvPr>
+        </p:nvSpPr>
+        <p:spPr>
+          <a:xfrm>
+            <a:off x="4673520" y="1604520"/>
+            <a:ext cx="4015440" cy="1896840"/>
+          </a:xfrm>
+          <a:prstGeom prst="rect">
+            <a:avLst/>
+          </a:prstGeom>
+        </p:spPr>
+        <p:txBody>
+          <a:bodyPr bIns="0" lIns="0" rIns="0" tIns="0" wrap="none"/>
+          <a:p>
+            <a:endParaRPr/>
+          </a:p>
+        </p:txBody>
+      </p:sp>
+      <p:sp>
+        <p:nvSpPr>
+          <p:cNvPr id="58" name="PlaceHolder 4"/>
+          <p:cNvSpPr>
+            <a:spLocks noGrp="1"/>
+          </p:cNvSpPr>
+          <p:nvPr>
+            <p:ph type="body"/>
+          </p:nvPr>
+        </p:nvSpPr>
+        <p:spPr>
+          <a:xfrm>
+            <a:off x="457200" y="3681720"/>
+            <a:ext cx="8228520" cy="1896840"/>
           </a:xfrm>
           <a:prstGeom prst="rect">
             <a:avLst/>
@@ -1232,7 +1289,7 @@
       </p:grpSpPr>
       <p:sp>
         <p:nvSpPr>
-          <p:cNvPr id="63" name="PlaceHolder 1"/>
+          <p:cNvPr id="59" name="PlaceHolder 1"/>
           <p:cNvSpPr>
             <a:spLocks noGrp="1"/>
           </p:cNvSpPr>
@@ -1242,8 +1299,8 @@
         </p:nvSpPr>
         <p:spPr>
           <a:xfrm>
-            <a:off x="457200" y="274680"/>
-            <a:ext cx="8229240" cy="1143000"/>
+            <a:off x="457200" y="273240"/>
+            <a:ext cx="8229240" cy="1145160"/>
           </a:xfrm>
           <a:prstGeom prst="rect">
             <a:avLst/>
@@ -1252,50 +1309,51 @@
         <p:txBody>
           <a:bodyPr anchor="ctr" bIns="0" lIns="0" rIns="0" tIns="0" wrap="none"/>
           <a:p>
-            <a:endParaRPr/>
-          </a:p>
-        </p:txBody>
-      </p:sp>
-      <p:sp>
-        <p:nvSpPr>
-          <p:cNvPr id="64" name="PlaceHolder 2"/>
-          <p:cNvSpPr>
-            <a:spLocks noGrp="1"/>
-          </p:cNvSpPr>
-          <p:nvPr>
-            <p:ph type="body"/>
-          </p:nvPr>
-        </p:nvSpPr>
-        <p:spPr>
-          <a:xfrm>
-            <a:off x="457200" y="1600200"/>
-            <a:ext cx="8229240" cy="2158200"/>
-          </a:xfrm>
-          <a:prstGeom prst="rect">
-            <a:avLst/>
-          </a:prstGeom>
-        </p:spPr>
-        <p:txBody>
-          <a:bodyPr bIns="0" lIns="0" rIns="0" tIns="0" wrap="none"/>
-          <a:p>
-            <a:endParaRPr/>
-          </a:p>
-        </p:txBody>
-      </p:sp>
-      <p:sp>
-        <p:nvSpPr>
-          <p:cNvPr id="65" name="PlaceHolder 3"/>
-          <p:cNvSpPr>
-            <a:spLocks noGrp="1"/>
-          </p:cNvSpPr>
-          <p:nvPr>
-            <p:ph type="body"/>
-          </p:nvPr>
-        </p:nvSpPr>
-        <p:spPr>
-          <a:xfrm>
-            <a:off x="457200" y="3963600"/>
-            <a:ext cx="8229240" cy="2158200"/>
+            <a:pPr algn="ctr"/>
+            <a:endParaRPr/>
+          </a:p>
+        </p:txBody>
+      </p:sp>
+      <p:sp>
+        <p:nvSpPr>
+          <p:cNvPr id="60" name="PlaceHolder 2"/>
+          <p:cNvSpPr>
+            <a:spLocks noGrp="1"/>
+          </p:cNvSpPr>
+          <p:nvPr>
+            <p:ph type="body"/>
+          </p:nvPr>
+        </p:nvSpPr>
+        <p:spPr>
+          <a:xfrm>
+            <a:off x="457200" y="1604520"/>
+            <a:ext cx="8229240" cy="1896840"/>
+          </a:xfrm>
+          <a:prstGeom prst="rect">
+            <a:avLst/>
+          </a:prstGeom>
+        </p:spPr>
+        <p:txBody>
+          <a:bodyPr bIns="0" lIns="0" rIns="0" tIns="0" wrap="none"/>
+          <a:p>
+            <a:endParaRPr/>
+          </a:p>
+        </p:txBody>
+      </p:sp>
+      <p:sp>
+        <p:nvSpPr>
+          <p:cNvPr id="61" name="PlaceHolder 3"/>
+          <p:cNvSpPr>
+            <a:spLocks noGrp="1"/>
+          </p:cNvSpPr>
+          <p:nvPr>
+            <p:ph type="body"/>
+          </p:nvPr>
+        </p:nvSpPr>
+        <p:spPr>
+          <a:xfrm>
+            <a:off x="457200" y="3681720"/>
+            <a:ext cx="8229240" cy="1896840"/>
           </a:xfrm>
           <a:prstGeom prst="rect">
             <a:avLst/>
@@ -1332,7 +1390,7 @@
       </p:grpSpPr>
       <p:sp>
         <p:nvSpPr>
-          <p:cNvPr id="66" name="PlaceHolder 1"/>
+          <p:cNvPr id="62" name="PlaceHolder 1"/>
           <p:cNvSpPr>
             <a:spLocks noGrp="1"/>
           </p:cNvSpPr>
@@ -1342,8 +1400,8 @@
         </p:nvSpPr>
         <p:spPr>
           <a:xfrm>
-            <a:off x="457200" y="274680"/>
-            <a:ext cx="8229240" cy="1143000"/>
+            <a:off x="457200" y="273240"/>
+            <a:ext cx="8229240" cy="1145160"/>
           </a:xfrm>
           <a:prstGeom prst="rect">
             <a:avLst/>
@@ -1352,102 +1410,103 @@
         <p:txBody>
           <a:bodyPr anchor="ctr" bIns="0" lIns="0" rIns="0" tIns="0" wrap="none"/>
           <a:p>
-            <a:endParaRPr/>
-          </a:p>
-        </p:txBody>
-      </p:sp>
-      <p:sp>
-        <p:nvSpPr>
-          <p:cNvPr id="67" name="PlaceHolder 2"/>
-          <p:cNvSpPr>
-            <a:spLocks noGrp="1"/>
-          </p:cNvSpPr>
-          <p:nvPr>
-            <p:ph type="body"/>
-          </p:nvPr>
-        </p:nvSpPr>
-        <p:spPr>
-          <a:xfrm>
-            <a:off x="457200" y="1600200"/>
-            <a:ext cx="4015440" cy="2158200"/>
-          </a:xfrm>
-          <a:prstGeom prst="rect">
-            <a:avLst/>
-          </a:prstGeom>
-        </p:spPr>
-        <p:txBody>
-          <a:bodyPr bIns="0" lIns="0" rIns="0" tIns="0" wrap="none"/>
-          <a:p>
-            <a:endParaRPr/>
-          </a:p>
-        </p:txBody>
-      </p:sp>
-      <p:sp>
-        <p:nvSpPr>
-          <p:cNvPr id="68" name="PlaceHolder 3"/>
-          <p:cNvSpPr>
-            <a:spLocks noGrp="1"/>
-          </p:cNvSpPr>
-          <p:nvPr>
-            <p:ph type="body"/>
-          </p:nvPr>
-        </p:nvSpPr>
-        <p:spPr>
-          <a:xfrm>
-            <a:off x="4673520" y="1600200"/>
-            <a:ext cx="4015440" cy="2158200"/>
-          </a:xfrm>
-          <a:prstGeom prst="rect">
-            <a:avLst/>
-          </a:prstGeom>
-        </p:spPr>
-        <p:txBody>
-          <a:bodyPr bIns="0" lIns="0" rIns="0" tIns="0" wrap="none"/>
-          <a:p>
-            <a:endParaRPr/>
-          </a:p>
-        </p:txBody>
-      </p:sp>
-      <p:sp>
-        <p:nvSpPr>
-          <p:cNvPr id="69" name="PlaceHolder 4"/>
-          <p:cNvSpPr>
-            <a:spLocks noGrp="1"/>
-          </p:cNvSpPr>
-          <p:nvPr>
-            <p:ph type="body"/>
-          </p:nvPr>
-        </p:nvSpPr>
-        <p:spPr>
-          <a:xfrm>
-            <a:off x="4673520" y="3963600"/>
-            <a:ext cx="4015440" cy="2158200"/>
-          </a:xfrm>
-          <a:prstGeom prst="rect">
-            <a:avLst/>
-          </a:prstGeom>
-        </p:spPr>
-        <p:txBody>
-          <a:bodyPr bIns="0" lIns="0" rIns="0" tIns="0" wrap="none"/>
-          <a:p>
-            <a:endParaRPr/>
-          </a:p>
-        </p:txBody>
-      </p:sp>
-      <p:sp>
-        <p:nvSpPr>
-          <p:cNvPr id="70" name="PlaceHolder 5"/>
-          <p:cNvSpPr>
-            <a:spLocks noGrp="1"/>
-          </p:cNvSpPr>
-          <p:nvPr>
-            <p:ph type="body"/>
-          </p:nvPr>
-        </p:nvSpPr>
-        <p:spPr>
-          <a:xfrm>
-            <a:off x="457200" y="3963600"/>
-            <a:ext cx="4015440" cy="2158200"/>
+            <a:pPr algn="ctr"/>
+            <a:endParaRPr/>
+          </a:p>
+        </p:txBody>
+      </p:sp>
+      <p:sp>
+        <p:nvSpPr>
+          <p:cNvPr id="63" name="PlaceHolder 2"/>
+          <p:cNvSpPr>
+            <a:spLocks noGrp="1"/>
+          </p:cNvSpPr>
+          <p:nvPr>
+            <p:ph type="body"/>
+          </p:nvPr>
+        </p:nvSpPr>
+        <p:spPr>
+          <a:xfrm>
+            <a:off x="457200" y="1604520"/>
+            <a:ext cx="4015440" cy="1896840"/>
+          </a:xfrm>
+          <a:prstGeom prst="rect">
+            <a:avLst/>
+          </a:prstGeom>
+        </p:spPr>
+        <p:txBody>
+          <a:bodyPr bIns="0" lIns="0" rIns="0" tIns="0" wrap="none"/>
+          <a:p>
+            <a:endParaRPr/>
+          </a:p>
+        </p:txBody>
+      </p:sp>
+      <p:sp>
+        <p:nvSpPr>
+          <p:cNvPr id="64" name="PlaceHolder 3"/>
+          <p:cNvSpPr>
+            <a:spLocks noGrp="1"/>
+          </p:cNvSpPr>
+          <p:nvPr>
+            <p:ph type="body"/>
+          </p:nvPr>
+        </p:nvSpPr>
+        <p:spPr>
+          <a:xfrm>
+            <a:off x="4673520" y="1604520"/>
+            <a:ext cx="4015440" cy="1896840"/>
+          </a:xfrm>
+          <a:prstGeom prst="rect">
+            <a:avLst/>
+          </a:prstGeom>
+        </p:spPr>
+        <p:txBody>
+          <a:bodyPr bIns="0" lIns="0" rIns="0" tIns="0" wrap="none"/>
+          <a:p>
+            <a:endParaRPr/>
+          </a:p>
+        </p:txBody>
+      </p:sp>
+      <p:sp>
+        <p:nvSpPr>
+          <p:cNvPr id="65" name="PlaceHolder 4"/>
+          <p:cNvSpPr>
+            <a:spLocks noGrp="1"/>
+          </p:cNvSpPr>
+          <p:nvPr>
+            <p:ph type="body"/>
+          </p:nvPr>
+        </p:nvSpPr>
+        <p:spPr>
+          <a:xfrm>
+            <a:off x="4673520" y="3681720"/>
+            <a:ext cx="4015440" cy="1896840"/>
+          </a:xfrm>
+          <a:prstGeom prst="rect">
+            <a:avLst/>
+          </a:prstGeom>
+        </p:spPr>
+        <p:txBody>
+          <a:bodyPr bIns="0" lIns="0" rIns="0" tIns="0" wrap="none"/>
+          <a:p>
+            <a:endParaRPr/>
+          </a:p>
+        </p:txBody>
+      </p:sp>
+      <p:sp>
+        <p:nvSpPr>
+          <p:cNvPr id="66" name="PlaceHolder 5"/>
+          <p:cNvSpPr>
+            <a:spLocks noGrp="1"/>
+          </p:cNvSpPr>
+          <p:nvPr>
+            <p:ph type="body"/>
+          </p:nvPr>
+        </p:nvSpPr>
+        <p:spPr>
+          <a:xfrm>
+            <a:off x="457200" y="3681720"/>
+            <a:ext cx="4015440" cy="1896840"/>
           </a:xfrm>
           <a:prstGeom prst="rect">
             <a:avLst/>
@@ -1484,7 +1543,7 @@
       </p:grpSpPr>
       <p:sp>
         <p:nvSpPr>
-          <p:cNvPr id="71" name="PlaceHolder 1"/>
+          <p:cNvPr id="67" name="PlaceHolder 1"/>
           <p:cNvSpPr>
             <a:spLocks noGrp="1"/>
           </p:cNvSpPr>
@@ -1494,8 +1553,8 @@
         </p:nvSpPr>
         <p:spPr>
           <a:xfrm>
-            <a:off x="457200" y="274680"/>
-            <a:ext cx="8229240" cy="1143000"/>
+            <a:off x="457200" y="273240"/>
+            <a:ext cx="8229240" cy="1145160"/>
           </a:xfrm>
           <a:prstGeom prst="rect">
             <a:avLst/>
@@ -1504,58 +1563,426 @@
         <p:txBody>
           <a:bodyPr anchor="ctr" bIns="0" lIns="0" rIns="0" tIns="0" wrap="none"/>
           <a:p>
-            <a:endParaRPr/>
-          </a:p>
-        </p:txBody>
-      </p:sp>
-      <p:sp>
-        <p:nvSpPr>
-          <p:cNvPr id="72" name="PlaceHolder 2"/>
-          <p:cNvSpPr>
-            <a:spLocks noGrp="1"/>
-          </p:cNvSpPr>
-          <p:nvPr>
-            <p:ph type="body"/>
-          </p:nvPr>
-        </p:nvSpPr>
-        <p:spPr>
-          <a:xfrm>
-            <a:off x="457200" y="1600200"/>
-            <a:ext cx="4015440" cy="2158200"/>
-          </a:xfrm>
-          <a:prstGeom prst="rect">
-            <a:avLst/>
-          </a:prstGeom>
-        </p:spPr>
-        <p:txBody>
-          <a:bodyPr bIns="0" lIns="0" rIns="0" tIns="0" wrap="none"/>
-          <a:p>
-            <a:endParaRPr/>
-          </a:p>
-        </p:txBody>
-      </p:sp>
-      <p:sp>
-        <p:nvSpPr>
-          <p:cNvPr id="73" name="PlaceHolder 3"/>
-          <p:cNvSpPr>
-            <a:spLocks noGrp="1"/>
-          </p:cNvSpPr>
-          <p:nvPr>
-            <p:ph type="body"/>
-          </p:nvPr>
-        </p:nvSpPr>
-        <p:spPr>
-          <a:xfrm>
-            <a:off x="4673520" y="1600200"/>
-            <a:ext cx="4015440" cy="2158200"/>
-          </a:xfrm>
-          <a:prstGeom prst="rect">
-            <a:avLst/>
-          </a:prstGeom>
-        </p:spPr>
-        <p:txBody>
-          <a:bodyPr bIns="0" lIns="0" rIns="0" tIns="0" wrap="none"/>
-          <a:p>
+            <a:pPr algn="ctr"/>
+            <a:endParaRPr/>
+          </a:p>
+        </p:txBody>
+      </p:sp>
+      <p:sp>
+        <p:nvSpPr>
+          <p:cNvPr id="68" name="PlaceHolder 2"/>
+          <p:cNvSpPr>
+            <a:spLocks noGrp="1"/>
+          </p:cNvSpPr>
+          <p:nvPr>
+            <p:ph type="body"/>
+          </p:nvPr>
+        </p:nvSpPr>
+        <p:spPr>
+          <a:xfrm>
+            <a:off x="457200" y="1604520"/>
+            <a:ext cx="4015440" cy="1896840"/>
+          </a:xfrm>
+          <a:prstGeom prst="rect">
+            <a:avLst/>
+          </a:prstGeom>
+        </p:spPr>
+        <p:txBody>
+          <a:bodyPr bIns="0" lIns="0" rIns="0" tIns="0" wrap="none"/>
+          <a:p>
+            <a:endParaRPr/>
+          </a:p>
+        </p:txBody>
+      </p:sp>
+      <p:sp>
+        <p:nvSpPr>
+          <p:cNvPr id="69" name="PlaceHolder 3"/>
+          <p:cNvSpPr>
+            <a:spLocks noGrp="1"/>
+          </p:cNvSpPr>
+          <p:nvPr>
+            <p:ph type="body"/>
+          </p:nvPr>
+        </p:nvSpPr>
+        <p:spPr>
+          <a:xfrm>
+            <a:off x="4673520" y="1604520"/>
+            <a:ext cx="4015440" cy="1896840"/>
+          </a:xfrm>
+          <a:prstGeom prst="rect">
+            <a:avLst/>
+          </a:prstGeom>
+        </p:spPr>
+        <p:txBody>
+          <a:bodyPr bIns="0" lIns="0" rIns="0" tIns="0" wrap="none"/>
+          <a:p>
+            <a:endParaRPr/>
+          </a:p>
+        </p:txBody>
+      </p:sp>
+      <p:pic>
+        <p:nvPicPr>
+          <p:cNvPr descr="" id="70" name=""/>
+          <p:cNvPicPr/>
+          <p:nvPr/>
+        </p:nvPicPr>
+        <p:blipFill>
+          <a:blip r:embed="rId2"/>
+          <a:stretch>
+            <a:fillRect/>
+          </a:stretch>
+        </p:blipFill>
+        <p:spPr>
+          <a:xfrm>
+            <a:off x="5492520" y="3681360"/>
+            <a:ext cx="2377440" cy="1896840"/>
+          </a:xfrm>
+          <a:prstGeom prst="rect">
+            <a:avLst/>
+          </a:prstGeom>
+        </p:spPr>
+      </p:pic>
+      <p:pic>
+        <p:nvPicPr>
+          <p:cNvPr descr="" id="71" name=""/>
+          <p:cNvPicPr/>
+          <p:nvPr/>
+        </p:nvPicPr>
+        <p:blipFill>
+          <a:blip r:embed="rId3"/>
+          <a:stretch>
+            <a:fillRect/>
+          </a:stretch>
+        </p:blipFill>
+        <p:spPr>
+          <a:xfrm>
+            <a:off x="1276200" y="3681360"/>
+            <a:ext cx="2377440" cy="1896840"/>
+          </a:xfrm>
+          <a:prstGeom prst="rect">
+            <a:avLst/>
+          </a:prstGeom>
+        </p:spPr>
+      </p:pic>
+    </p:spTree>
+  </p:cSld>
+</p:sldLayout>
+</file>
+
+<file path=ppt/slideLayouts/slideLayout25.xml><?xml version="1.0" encoding="utf-8"?>
+<p:sldLayout xmlns:a="http://schemas.openxmlformats.org/drawingml/2006/main" xmlns:p="http://schemas.openxmlformats.org/presentationml/2006/main" xmlns:r="http://schemas.openxmlformats.org/officeDocument/2006/relationships" preserve="1" type="blank">
+  <p:cSld name="Blank Slide">
+    <p:spTree>
+      <p:nvGrpSpPr>
+        <p:cNvPr id="1" name=""/>
+        <p:cNvGrpSpPr/>
+        <p:nvPr/>
+      </p:nvGrpSpPr>
+      <p:grpSpPr>
+        <a:xfrm>
+          <a:off x="0" y="0"/>
+          <a:ext cx="0" cy="0"/>
+          <a:chOff x="0" y="0"/>
+          <a:chExt cx="0" cy="0"/>
+        </a:xfrm>
+      </p:grpSpPr>
+    </p:spTree>
+  </p:cSld>
+</p:sldLayout>
+</file>
+
+<file path=ppt/slideLayouts/slideLayout26.xml><?xml version="1.0" encoding="utf-8"?>
+<p:sldLayout xmlns:a="http://schemas.openxmlformats.org/drawingml/2006/main" xmlns:p="http://schemas.openxmlformats.org/presentationml/2006/main" xmlns:r="http://schemas.openxmlformats.org/officeDocument/2006/relationships" preserve="1" type="tx">
+  <p:cSld name="Title Slide">
+    <p:spTree>
+      <p:nvGrpSpPr>
+        <p:cNvPr id="1" name=""/>
+        <p:cNvGrpSpPr/>
+        <p:nvPr/>
+      </p:nvGrpSpPr>
+      <p:grpSpPr>
+        <a:xfrm>
+          <a:off x="0" y="0"/>
+          <a:ext cx="0" cy="0"/>
+          <a:chOff x="0" y="0"/>
+          <a:chExt cx="0" cy="0"/>
+        </a:xfrm>
+      </p:grpSpPr>
+      <p:sp>
+        <p:nvSpPr>
+          <p:cNvPr id="77" name="PlaceHolder 1"/>
+          <p:cNvSpPr>
+            <a:spLocks noGrp="1"/>
+          </p:cNvSpPr>
+          <p:nvPr>
+            <p:ph type="title"/>
+          </p:nvPr>
+        </p:nvSpPr>
+        <p:spPr>
+          <a:xfrm>
+            <a:off x="457200" y="273240"/>
+            <a:ext cx="8229240" cy="1145160"/>
+          </a:xfrm>
+          <a:prstGeom prst="rect">
+            <a:avLst/>
+          </a:prstGeom>
+        </p:spPr>
+        <p:txBody>
+          <a:bodyPr anchor="ctr" bIns="0" lIns="0" rIns="0" tIns="0" wrap="none"/>
+          <a:p>
+            <a:pPr algn="ctr"/>
+            <a:endParaRPr/>
+          </a:p>
+        </p:txBody>
+      </p:sp>
+      <p:sp>
+        <p:nvSpPr>
+          <p:cNvPr id="78" name="PlaceHolder 2"/>
+          <p:cNvSpPr>
+            <a:spLocks noGrp="1"/>
+          </p:cNvSpPr>
+          <p:nvPr>
+            <p:ph type="subTitle"/>
+          </p:nvPr>
+        </p:nvSpPr>
+        <p:spPr>
+          <a:xfrm>
+            <a:off x="457200" y="1604520"/>
+            <a:ext cx="8229240" cy="3977640"/>
+          </a:xfrm>
+          <a:prstGeom prst="rect">
+            <a:avLst/>
+          </a:prstGeom>
+        </p:spPr>
+        <p:txBody>
+          <a:bodyPr anchor="ctr" bIns="0" lIns="0" rIns="0" tIns="0" wrap="none"/>
+          <a:p>
+            <a:pPr algn="ctr"/>
+            <a:endParaRPr/>
+          </a:p>
+        </p:txBody>
+      </p:sp>
+    </p:spTree>
+  </p:cSld>
+</p:sldLayout>
+</file>
+
+<file path=ppt/slideLayouts/slideLayout27.xml><?xml version="1.0" encoding="utf-8"?>
+<p:sldLayout xmlns:a="http://schemas.openxmlformats.org/drawingml/2006/main" xmlns:p="http://schemas.openxmlformats.org/presentationml/2006/main" xmlns:r="http://schemas.openxmlformats.org/officeDocument/2006/relationships" preserve="1" type="obj">
+  <p:cSld name="Title, Content">
+    <p:spTree>
+      <p:nvGrpSpPr>
+        <p:cNvPr id="1" name=""/>
+        <p:cNvGrpSpPr/>
+        <p:nvPr/>
+      </p:nvGrpSpPr>
+      <p:grpSpPr>
+        <a:xfrm>
+          <a:off x="0" y="0"/>
+          <a:ext cx="0" cy="0"/>
+          <a:chOff x="0" y="0"/>
+          <a:chExt cx="0" cy="0"/>
+        </a:xfrm>
+      </p:grpSpPr>
+      <p:sp>
+        <p:nvSpPr>
+          <p:cNvPr id="79" name="PlaceHolder 1"/>
+          <p:cNvSpPr>
+            <a:spLocks noGrp="1"/>
+          </p:cNvSpPr>
+          <p:nvPr>
+            <p:ph type="title"/>
+          </p:nvPr>
+        </p:nvSpPr>
+        <p:spPr>
+          <a:xfrm>
+            <a:off x="457200" y="273240"/>
+            <a:ext cx="8229240" cy="1145160"/>
+          </a:xfrm>
+          <a:prstGeom prst="rect">
+            <a:avLst/>
+          </a:prstGeom>
+        </p:spPr>
+        <p:txBody>
+          <a:bodyPr anchor="ctr" bIns="0" lIns="0" rIns="0" tIns="0" wrap="none"/>
+          <a:p>
+            <a:pPr algn="ctr"/>
+            <a:endParaRPr/>
+          </a:p>
+        </p:txBody>
+      </p:sp>
+      <p:sp>
+        <p:nvSpPr>
+          <p:cNvPr id="80" name="PlaceHolder 2"/>
+          <p:cNvSpPr>
+            <a:spLocks noGrp="1"/>
+          </p:cNvSpPr>
+          <p:nvPr>
+            <p:ph type="body"/>
+          </p:nvPr>
+        </p:nvSpPr>
+        <p:spPr>
+          <a:xfrm>
+            <a:off x="457200" y="1604520"/>
+            <a:ext cx="8229240" cy="3977280"/>
+          </a:xfrm>
+          <a:prstGeom prst="rect">
+            <a:avLst/>
+          </a:prstGeom>
+        </p:spPr>
+        <p:txBody>
+          <a:bodyPr bIns="0" lIns="0" rIns="0" tIns="0" wrap="none"/>
+          <a:p>
+            <a:endParaRPr/>
+          </a:p>
+        </p:txBody>
+      </p:sp>
+    </p:spTree>
+  </p:cSld>
+</p:sldLayout>
+</file>
+
+<file path=ppt/slideLayouts/slideLayout28.xml><?xml version="1.0" encoding="utf-8"?>
+<p:sldLayout xmlns:a="http://schemas.openxmlformats.org/drawingml/2006/main" xmlns:p="http://schemas.openxmlformats.org/presentationml/2006/main" xmlns:r="http://schemas.openxmlformats.org/officeDocument/2006/relationships" preserve="1" type="twoObj">
+  <p:cSld name="Title, 2 Content">
+    <p:spTree>
+      <p:nvGrpSpPr>
+        <p:cNvPr id="1" name=""/>
+        <p:cNvGrpSpPr/>
+        <p:nvPr/>
+      </p:nvGrpSpPr>
+      <p:grpSpPr>
+        <a:xfrm>
+          <a:off x="0" y="0"/>
+          <a:ext cx="0" cy="0"/>
+          <a:chOff x="0" y="0"/>
+          <a:chExt cx="0" cy="0"/>
+        </a:xfrm>
+      </p:grpSpPr>
+      <p:sp>
+        <p:nvSpPr>
+          <p:cNvPr id="81" name="PlaceHolder 1"/>
+          <p:cNvSpPr>
+            <a:spLocks noGrp="1"/>
+          </p:cNvSpPr>
+          <p:nvPr>
+            <p:ph type="title"/>
+          </p:nvPr>
+        </p:nvSpPr>
+        <p:spPr>
+          <a:xfrm>
+            <a:off x="457200" y="273240"/>
+            <a:ext cx="8229240" cy="1145160"/>
+          </a:xfrm>
+          <a:prstGeom prst="rect">
+            <a:avLst/>
+          </a:prstGeom>
+        </p:spPr>
+        <p:txBody>
+          <a:bodyPr anchor="ctr" bIns="0" lIns="0" rIns="0" tIns="0" wrap="none"/>
+          <a:p>
+            <a:pPr algn="ctr"/>
+            <a:endParaRPr/>
+          </a:p>
+        </p:txBody>
+      </p:sp>
+      <p:sp>
+        <p:nvSpPr>
+          <p:cNvPr id="82" name="PlaceHolder 2"/>
+          <p:cNvSpPr>
+            <a:spLocks noGrp="1"/>
+          </p:cNvSpPr>
+          <p:nvPr>
+            <p:ph type="body"/>
+          </p:nvPr>
+        </p:nvSpPr>
+        <p:spPr>
+          <a:xfrm>
+            <a:off x="457200" y="1604520"/>
+            <a:ext cx="4015440" cy="3977280"/>
+          </a:xfrm>
+          <a:prstGeom prst="rect">
+            <a:avLst/>
+          </a:prstGeom>
+        </p:spPr>
+        <p:txBody>
+          <a:bodyPr bIns="0" lIns="0" rIns="0" tIns="0" wrap="none"/>
+          <a:p>
+            <a:endParaRPr/>
+          </a:p>
+        </p:txBody>
+      </p:sp>
+      <p:sp>
+        <p:nvSpPr>
+          <p:cNvPr id="83" name="PlaceHolder 3"/>
+          <p:cNvSpPr>
+            <a:spLocks noGrp="1"/>
+          </p:cNvSpPr>
+          <p:nvPr>
+            <p:ph type="body"/>
+          </p:nvPr>
+        </p:nvSpPr>
+        <p:spPr>
+          <a:xfrm>
+            <a:off x="4673520" y="1604520"/>
+            <a:ext cx="4015440" cy="3977280"/>
+          </a:xfrm>
+          <a:prstGeom prst="rect">
+            <a:avLst/>
+          </a:prstGeom>
+        </p:spPr>
+        <p:txBody>
+          <a:bodyPr bIns="0" lIns="0" rIns="0" tIns="0" wrap="none"/>
+          <a:p>
+            <a:endParaRPr/>
+          </a:p>
+        </p:txBody>
+      </p:sp>
+    </p:spTree>
+  </p:cSld>
+</p:sldLayout>
+</file>
+
+<file path=ppt/slideLayouts/slideLayout29.xml><?xml version="1.0" encoding="utf-8"?>
+<p:sldLayout xmlns:a="http://schemas.openxmlformats.org/drawingml/2006/main" xmlns:p="http://schemas.openxmlformats.org/presentationml/2006/main" xmlns:r="http://schemas.openxmlformats.org/officeDocument/2006/relationships" preserve="1" type="titleOnly">
+  <p:cSld name="Title Only">
+    <p:spTree>
+      <p:nvGrpSpPr>
+        <p:cNvPr id="1" name=""/>
+        <p:cNvGrpSpPr/>
+        <p:nvPr/>
+      </p:nvGrpSpPr>
+      <p:grpSpPr>
+        <a:xfrm>
+          <a:off x="0" y="0"/>
+          <a:ext cx="0" cy="0"/>
+          <a:chOff x="0" y="0"/>
+          <a:chExt cx="0" cy="0"/>
+        </a:xfrm>
+      </p:grpSpPr>
+      <p:sp>
+        <p:nvSpPr>
+          <p:cNvPr id="84" name="PlaceHolder 1"/>
+          <p:cNvSpPr>
+            <a:spLocks noGrp="1"/>
+          </p:cNvSpPr>
+          <p:nvPr>
+            <p:ph type="title"/>
+          </p:nvPr>
+        </p:nvSpPr>
+        <p:spPr>
+          <a:xfrm>
+            <a:off x="457200" y="273240"/>
+            <a:ext cx="8229240" cy="1145160"/>
+          </a:xfrm>
+          <a:prstGeom prst="rect">
+            <a:avLst/>
+          </a:prstGeom>
+        </p:spPr>
+        <p:txBody>
+          <a:bodyPr anchor="ctr" bIns="0" lIns="0" rIns="0" tIns="0" wrap="none"/>
+          <a:p>
+            <a:pPr algn="ctr"/>
             <a:endParaRPr/>
           </a:p>
         </p:txBody>
@@ -1584,7 +2011,7 @@
       </p:grpSpPr>
       <p:sp>
         <p:nvSpPr>
-          <p:cNvPr id="7" name="PlaceHolder 1"/>
+          <p:cNvPr id="4" name="PlaceHolder 1"/>
           <p:cNvSpPr>
             <a:spLocks noGrp="1"/>
           </p:cNvSpPr>
@@ -1594,8 +2021,8 @@
         </p:nvSpPr>
         <p:spPr>
           <a:xfrm>
-            <a:off x="457200" y="274680"/>
-            <a:ext cx="8229240" cy="1143000"/>
+            <a:off x="457200" y="273240"/>
+            <a:ext cx="8229240" cy="1145160"/>
           </a:xfrm>
           <a:prstGeom prst="rect">
             <a:avLst/>
@@ -1604,36 +2031,866 @@
         <p:txBody>
           <a:bodyPr anchor="ctr" bIns="0" lIns="0" rIns="0" tIns="0" wrap="none"/>
           <a:p>
-            <a:endParaRPr/>
-          </a:p>
-        </p:txBody>
-      </p:sp>
-      <p:sp>
-        <p:nvSpPr>
-          <p:cNvPr id="8" name="PlaceHolder 2"/>
-          <p:cNvSpPr>
-            <a:spLocks noGrp="1"/>
-          </p:cNvSpPr>
-          <p:nvPr>
-            <p:ph type="body"/>
-          </p:nvPr>
-        </p:nvSpPr>
-        <p:spPr>
-          <a:xfrm>
-            <a:off x="457200" y="1600200"/>
-            <a:ext cx="8229240" cy="4525560"/>
-          </a:xfrm>
-          <a:prstGeom prst="rect">
-            <a:avLst/>
-          </a:prstGeom>
-        </p:spPr>
-        <p:txBody>
-          <a:bodyPr bIns="0" lIns="0" rIns="0" tIns="0" wrap="none"/>
-          <a:p>
-            <a:endParaRPr/>
-          </a:p>
-        </p:txBody>
-      </p:sp>
+            <a:pPr algn="ctr"/>
+            <a:endParaRPr/>
+          </a:p>
+        </p:txBody>
+      </p:sp>
+      <p:sp>
+        <p:nvSpPr>
+          <p:cNvPr id="5" name="PlaceHolder 2"/>
+          <p:cNvSpPr>
+            <a:spLocks noGrp="1"/>
+          </p:cNvSpPr>
+          <p:nvPr>
+            <p:ph type="body"/>
+          </p:nvPr>
+        </p:nvSpPr>
+        <p:spPr>
+          <a:xfrm>
+            <a:off x="457200" y="1604520"/>
+            <a:ext cx="8229240" cy="3977280"/>
+          </a:xfrm>
+          <a:prstGeom prst="rect">
+            <a:avLst/>
+          </a:prstGeom>
+        </p:spPr>
+        <p:txBody>
+          <a:bodyPr bIns="0" lIns="0" rIns="0" tIns="0" wrap="none"/>
+          <a:p>
+            <a:endParaRPr/>
+          </a:p>
+        </p:txBody>
+      </p:sp>
+    </p:spTree>
+  </p:cSld>
+</p:sldLayout>
+</file>
+
+<file path=ppt/slideLayouts/slideLayout30.xml><?xml version="1.0" encoding="utf-8"?>
+<p:sldLayout xmlns:a="http://schemas.openxmlformats.org/drawingml/2006/main" xmlns:p="http://schemas.openxmlformats.org/presentationml/2006/main" xmlns:r="http://schemas.openxmlformats.org/officeDocument/2006/relationships" preserve="1" type="objOnly">
+  <p:cSld name="Centered Text">
+    <p:spTree>
+      <p:nvGrpSpPr>
+        <p:cNvPr id="1" name=""/>
+        <p:cNvGrpSpPr/>
+        <p:nvPr/>
+      </p:nvGrpSpPr>
+      <p:grpSpPr>
+        <a:xfrm>
+          <a:off x="0" y="0"/>
+          <a:ext cx="0" cy="0"/>
+          <a:chOff x="0" y="0"/>
+          <a:chExt cx="0" cy="0"/>
+        </a:xfrm>
+      </p:grpSpPr>
+      <p:sp>
+        <p:nvSpPr>
+          <p:cNvPr id="85" name="PlaceHolder 1"/>
+          <p:cNvSpPr>
+            <a:spLocks noGrp="1"/>
+          </p:cNvSpPr>
+          <p:nvPr>
+            <p:ph type="subTitle"/>
+          </p:nvPr>
+        </p:nvSpPr>
+        <p:spPr>
+          <a:xfrm>
+            <a:off x="457200" y="273240"/>
+            <a:ext cx="8229240" cy="5308560"/>
+          </a:xfrm>
+          <a:prstGeom prst="rect">
+            <a:avLst/>
+          </a:prstGeom>
+        </p:spPr>
+        <p:txBody>
+          <a:bodyPr anchor="ctr" bIns="0" lIns="0" rIns="0" tIns="0" wrap="none"/>
+          <a:p>
+            <a:pPr algn="ctr"/>
+            <a:endParaRPr/>
+          </a:p>
+        </p:txBody>
+      </p:sp>
+    </p:spTree>
+  </p:cSld>
+</p:sldLayout>
+</file>
+
+<file path=ppt/slideLayouts/slideLayout31.xml><?xml version="1.0" encoding="utf-8"?>
+<p:sldLayout xmlns:a="http://schemas.openxmlformats.org/drawingml/2006/main" xmlns:p="http://schemas.openxmlformats.org/presentationml/2006/main" xmlns:r="http://schemas.openxmlformats.org/officeDocument/2006/relationships" preserve="1" type="twoObjAndObj">
+  <p:cSld name="Title, 2 Content and Content">
+    <p:spTree>
+      <p:nvGrpSpPr>
+        <p:cNvPr id="1" name=""/>
+        <p:cNvGrpSpPr/>
+        <p:nvPr/>
+      </p:nvGrpSpPr>
+      <p:grpSpPr>
+        <a:xfrm>
+          <a:off x="0" y="0"/>
+          <a:ext cx="0" cy="0"/>
+          <a:chOff x="0" y="0"/>
+          <a:chExt cx="0" cy="0"/>
+        </a:xfrm>
+      </p:grpSpPr>
+      <p:sp>
+        <p:nvSpPr>
+          <p:cNvPr id="86" name="PlaceHolder 1"/>
+          <p:cNvSpPr>
+            <a:spLocks noGrp="1"/>
+          </p:cNvSpPr>
+          <p:nvPr>
+            <p:ph type="title"/>
+          </p:nvPr>
+        </p:nvSpPr>
+        <p:spPr>
+          <a:xfrm>
+            <a:off x="457200" y="273240"/>
+            <a:ext cx="8229240" cy="1145160"/>
+          </a:xfrm>
+          <a:prstGeom prst="rect">
+            <a:avLst/>
+          </a:prstGeom>
+        </p:spPr>
+        <p:txBody>
+          <a:bodyPr anchor="ctr" bIns="0" lIns="0" rIns="0" tIns="0" wrap="none"/>
+          <a:p>
+            <a:pPr algn="ctr"/>
+            <a:endParaRPr/>
+          </a:p>
+        </p:txBody>
+      </p:sp>
+      <p:sp>
+        <p:nvSpPr>
+          <p:cNvPr id="87" name="PlaceHolder 2"/>
+          <p:cNvSpPr>
+            <a:spLocks noGrp="1"/>
+          </p:cNvSpPr>
+          <p:nvPr>
+            <p:ph type="body"/>
+          </p:nvPr>
+        </p:nvSpPr>
+        <p:spPr>
+          <a:xfrm>
+            <a:off x="457200" y="1604520"/>
+            <a:ext cx="4015440" cy="1896840"/>
+          </a:xfrm>
+          <a:prstGeom prst="rect">
+            <a:avLst/>
+          </a:prstGeom>
+        </p:spPr>
+        <p:txBody>
+          <a:bodyPr bIns="0" lIns="0" rIns="0" tIns="0" wrap="none"/>
+          <a:p>
+            <a:endParaRPr/>
+          </a:p>
+        </p:txBody>
+      </p:sp>
+      <p:sp>
+        <p:nvSpPr>
+          <p:cNvPr id="88" name="PlaceHolder 3"/>
+          <p:cNvSpPr>
+            <a:spLocks noGrp="1"/>
+          </p:cNvSpPr>
+          <p:nvPr>
+            <p:ph type="body"/>
+          </p:nvPr>
+        </p:nvSpPr>
+        <p:spPr>
+          <a:xfrm>
+            <a:off x="457200" y="3681720"/>
+            <a:ext cx="4015440" cy="1896840"/>
+          </a:xfrm>
+          <a:prstGeom prst="rect">
+            <a:avLst/>
+          </a:prstGeom>
+        </p:spPr>
+        <p:txBody>
+          <a:bodyPr bIns="0" lIns="0" rIns="0" tIns="0" wrap="none"/>
+          <a:p>
+            <a:endParaRPr/>
+          </a:p>
+        </p:txBody>
+      </p:sp>
+      <p:sp>
+        <p:nvSpPr>
+          <p:cNvPr id="89" name="PlaceHolder 4"/>
+          <p:cNvSpPr>
+            <a:spLocks noGrp="1"/>
+          </p:cNvSpPr>
+          <p:nvPr>
+            <p:ph type="body"/>
+          </p:nvPr>
+        </p:nvSpPr>
+        <p:spPr>
+          <a:xfrm>
+            <a:off x="4673520" y="1604520"/>
+            <a:ext cx="4015440" cy="3977280"/>
+          </a:xfrm>
+          <a:prstGeom prst="rect">
+            <a:avLst/>
+          </a:prstGeom>
+        </p:spPr>
+        <p:txBody>
+          <a:bodyPr bIns="0" lIns="0" rIns="0" tIns="0" wrap="none"/>
+          <a:p>
+            <a:endParaRPr/>
+          </a:p>
+        </p:txBody>
+      </p:sp>
+    </p:spTree>
+  </p:cSld>
+</p:sldLayout>
+</file>
+
+<file path=ppt/slideLayouts/slideLayout32.xml><?xml version="1.0" encoding="utf-8"?>
+<p:sldLayout xmlns:a="http://schemas.openxmlformats.org/drawingml/2006/main" xmlns:p="http://schemas.openxmlformats.org/presentationml/2006/main" xmlns:r="http://schemas.openxmlformats.org/officeDocument/2006/relationships" preserve="1" type="objAndTwoObj">
+  <p:cSld name="Title Content and 2 Content">
+    <p:spTree>
+      <p:nvGrpSpPr>
+        <p:cNvPr id="1" name=""/>
+        <p:cNvGrpSpPr/>
+        <p:nvPr/>
+      </p:nvGrpSpPr>
+      <p:grpSpPr>
+        <a:xfrm>
+          <a:off x="0" y="0"/>
+          <a:ext cx="0" cy="0"/>
+          <a:chOff x="0" y="0"/>
+          <a:chExt cx="0" cy="0"/>
+        </a:xfrm>
+      </p:grpSpPr>
+      <p:sp>
+        <p:nvSpPr>
+          <p:cNvPr id="90" name="PlaceHolder 1"/>
+          <p:cNvSpPr>
+            <a:spLocks noGrp="1"/>
+          </p:cNvSpPr>
+          <p:nvPr>
+            <p:ph type="title"/>
+          </p:nvPr>
+        </p:nvSpPr>
+        <p:spPr>
+          <a:xfrm>
+            <a:off x="457200" y="273240"/>
+            <a:ext cx="8229240" cy="1145160"/>
+          </a:xfrm>
+          <a:prstGeom prst="rect">
+            <a:avLst/>
+          </a:prstGeom>
+        </p:spPr>
+        <p:txBody>
+          <a:bodyPr anchor="ctr" bIns="0" lIns="0" rIns="0" tIns="0" wrap="none"/>
+          <a:p>
+            <a:pPr algn="ctr"/>
+            <a:endParaRPr/>
+          </a:p>
+        </p:txBody>
+      </p:sp>
+      <p:sp>
+        <p:nvSpPr>
+          <p:cNvPr id="91" name="PlaceHolder 2"/>
+          <p:cNvSpPr>
+            <a:spLocks noGrp="1"/>
+          </p:cNvSpPr>
+          <p:nvPr>
+            <p:ph type="body"/>
+          </p:nvPr>
+        </p:nvSpPr>
+        <p:spPr>
+          <a:xfrm>
+            <a:off x="457200" y="1604520"/>
+            <a:ext cx="4015440" cy="3977280"/>
+          </a:xfrm>
+          <a:prstGeom prst="rect">
+            <a:avLst/>
+          </a:prstGeom>
+        </p:spPr>
+        <p:txBody>
+          <a:bodyPr bIns="0" lIns="0" rIns="0" tIns="0" wrap="none"/>
+          <a:p>
+            <a:endParaRPr/>
+          </a:p>
+        </p:txBody>
+      </p:sp>
+      <p:sp>
+        <p:nvSpPr>
+          <p:cNvPr id="92" name="PlaceHolder 3"/>
+          <p:cNvSpPr>
+            <a:spLocks noGrp="1"/>
+          </p:cNvSpPr>
+          <p:nvPr>
+            <p:ph type="body"/>
+          </p:nvPr>
+        </p:nvSpPr>
+        <p:spPr>
+          <a:xfrm>
+            <a:off x="4673520" y="1604520"/>
+            <a:ext cx="4015440" cy="1896840"/>
+          </a:xfrm>
+          <a:prstGeom prst="rect">
+            <a:avLst/>
+          </a:prstGeom>
+        </p:spPr>
+        <p:txBody>
+          <a:bodyPr bIns="0" lIns="0" rIns="0" tIns="0" wrap="none"/>
+          <a:p>
+            <a:endParaRPr/>
+          </a:p>
+        </p:txBody>
+      </p:sp>
+      <p:sp>
+        <p:nvSpPr>
+          <p:cNvPr id="93" name="PlaceHolder 4"/>
+          <p:cNvSpPr>
+            <a:spLocks noGrp="1"/>
+          </p:cNvSpPr>
+          <p:nvPr>
+            <p:ph type="body"/>
+          </p:nvPr>
+        </p:nvSpPr>
+        <p:spPr>
+          <a:xfrm>
+            <a:off x="4673520" y="3681720"/>
+            <a:ext cx="4015440" cy="1896840"/>
+          </a:xfrm>
+          <a:prstGeom prst="rect">
+            <a:avLst/>
+          </a:prstGeom>
+        </p:spPr>
+        <p:txBody>
+          <a:bodyPr bIns="0" lIns="0" rIns="0" tIns="0" wrap="none"/>
+          <a:p>
+            <a:endParaRPr/>
+          </a:p>
+        </p:txBody>
+      </p:sp>
+    </p:spTree>
+  </p:cSld>
+</p:sldLayout>
+</file>
+
+<file path=ppt/slideLayouts/slideLayout33.xml><?xml version="1.0" encoding="utf-8"?>
+<p:sldLayout xmlns:a="http://schemas.openxmlformats.org/drawingml/2006/main" xmlns:p="http://schemas.openxmlformats.org/presentationml/2006/main" xmlns:r="http://schemas.openxmlformats.org/officeDocument/2006/relationships" preserve="1" type="twoObjOverTx">
+  <p:cSld name="Title, 2 Content over Content">
+    <p:spTree>
+      <p:nvGrpSpPr>
+        <p:cNvPr id="1" name=""/>
+        <p:cNvGrpSpPr/>
+        <p:nvPr/>
+      </p:nvGrpSpPr>
+      <p:grpSpPr>
+        <a:xfrm>
+          <a:off x="0" y="0"/>
+          <a:ext cx="0" cy="0"/>
+          <a:chOff x="0" y="0"/>
+          <a:chExt cx="0" cy="0"/>
+        </a:xfrm>
+      </p:grpSpPr>
+      <p:sp>
+        <p:nvSpPr>
+          <p:cNvPr id="94" name="PlaceHolder 1"/>
+          <p:cNvSpPr>
+            <a:spLocks noGrp="1"/>
+          </p:cNvSpPr>
+          <p:nvPr>
+            <p:ph type="title"/>
+          </p:nvPr>
+        </p:nvSpPr>
+        <p:spPr>
+          <a:xfrm>
+            <a:off x="457200" y="273240"/>
+            <a:ext cx="8229240" cy="1145160"/>
+          </a:xfrm>
+          <a:prstGeom prst="rect">
+            <a:avLst/>
+          </a:prstGeom>
+        </p:spPr>
+        <p:txBody>
+          <a:bodyPr anchor="ctr" bIns="0" lIns="0" rIns="0" tIns="0" wrap="none"/>
+          <a:p>
+            <a:pPr algn="ctr"/>
+            <a:endParaRPr/>
+          </a:p>
+        </p:txBody>
+      </p:sp>
+      <p:sp>
+        <p:nvSpPr>
+          <p:cNvPr id="95" name="PlaceHolder 2"/>
+          <p:cNvSpPr>
+            <a:spLocks noGrp="1"/>
+          </p:cNvSpPr>
+          <p:nvPr>
+            <p:ph type="body"/>
+          </p:nvPr>
+        </p:nvSpPr>
+        <p:spPr>
+          <a:xfrm>
+            <a:off x="457200" y="1604520"/>
+            <a:ext cx="4015440" cy="1896840"/>
+          </a:xfrm>
+          <a:prstGeom prst="rect">
+            <a:avLst/>
+          </a:prstGeom>
+        </p:spPr>
+        <p:txBody>
+          <a:bodyPr bIns="0" lIns="0" rIns="0" tIns="0" wrap="none"/>
+          <a:p>
+            <a:endParaRPr/>
+          </a:p>
+        </p:txBody>
+      </p:sp>
+      <p:sp>
+        <p:nvSpPr>
+          <p:cNvPr id="96" name="PlaceHolder 3"/>
+          <p:cNvSpPr>
+            <a:spLocks noGrp="1"/>
+          </p:cNvSpPr>
+          <p:nvPr>
+            <p:ph type="body"/>
+          </p:nvPr>
+        </p:nvSpPr>
+        <p:spPr>
+          <a:xfrm>
+            <a:off x="4673520" y="1604520"/>
+            <a:ext cx="4015440" cy="1896840"/>
+          </a:xfrm>
+          <a:prstGeom prst="rect">
+            <a:avLst/>
+          </a:prstGeom>
+        </p:spPr>
+        <p:txBody>
+          <a:bodyPr bIns="0" lIns="0" rIns="0" tIns="0" wrap="none"/>
+          <a:p>
+            <a:endParaRPr/>
+          </a:p>
+        </p:txBody>
+      </p:sp>
+      <p:sp>
+        <p:nvSpPr>
+          <p:cNvPr id="97" name="PlaceHolder 4"/>
+          <p:cNvSpPr>
+            <a:spLocks noGrp="1"/>
+          </p:cNvSpPr>
+          <p:nvPr>
+            <p:ph type="body"/>
+          </p:nvPr>
+        </p:nvSpPr>
+        <p:spPr>
+          <a:xfrm>
+            <a:off x="457200" y="3681720"/>
+            <a:ext cx="8228520" cy="1896840"/>
+          </a:xfrm>
+          <a:prstGeom prst="rect">
+            <a:avLst/>
+          </a:prstGeom>
+        </p:spPr>
+        <p:txBody>
+          <a:bodyPr bIns="0" lIns="0" rIns="0" tIns="0" wrap="none"/>
+          <a:p>
+            <a:endParaRPr/>
+          </a:p>
+        </p:txBody>
+      </p:sp>
+    </p:spTree>
+  </p:cSld>
+</p:sldLayout>
+</file>
+
+<file path=ppt/slideLayouts/slideLayout34.xml><?xml version="1.0" encoding="utf-8"?>
+<p:sldLayout xmlns:a="http://schemas.openxmlformats.org/drawingml/2006/main" xmlns:p="http://schemas.openxmlformats.org/presentationml/2006/main" xmlns:r="http://schemas.openxmlformats.org/officeDocument/2006/relationships" preserve="1" type="objOverTx">
+  <p:cSld name="Title, Content over Content">
+    <p:spTree>
+      <p:nvGrpSpPr>
+        <p:cNvPr id="1" name=""/>
+        <p:cNvGrpSpPr/>
+        <p:nvPr/>
+      </p:nvGrpSpPr>
+      <p:grpSpPr>
+        <a:xfrm>
+          <a:off x="0" y="0"/>
+          <a:ext cx="0" cy="0"/>
+          <a:chOff x="0" y="0"/>
+          <a:chExt cx="0" cy="0"/>
+        </a:xfrm>
+      </p:grpSpPr>
+      <p:sp>
+        <p:nvSpPr>
+          <p:cNvPr id="98" name="PlaceHolder 1"/>
+          <p:cNvSpPr>
+            <a:spLocks noGrp="1"/>
+          </p:cNvSpPr>
+          <p:nvPr>
+            <p:ph type="title"/>
+          </p:nvPr>
+        </p:nvSpPr>
+        <p:spPr>
+          <a:xfrm>
+            <a:off x="457200" y="273240"/>
+            <a:ext cx="8229240" cy="1145160"/>
+          </a:xfrm>
+          <a:prstGeom prst="rect">
+            <a:avLst/>
+          </a:prstGeom>
+        </p:spPr>
+        <p:txBody>
+          <a:bodyPr anchor="ctr" bIns="0" lIns="0" rIns="0" tIns="0" wrap="none"/>
+          <a:p>
+            <a:pPr algn="ctr"/>
+            <a:endParaRPr/>
+          </a:p>
+        </p:txBody>
+      </p:sp>
+      <p:sp>
+        <p:nvSpPr>
+          <p:cNvPr id="99" name="PlaceHolder 2"/>
+          <p:cNvSpPr>
+            <a:spLocks noGrp="1"/>
+          </p:cNvSpPr>
+          <p:nvPr>
+            <p:ph type="body"/>
+          </p:nvPr>
+        </p:nvSpPr>
+        <p:spPr>
+          <a:xfrm>
+            <a:off x="457200" y="1604520"/>
+            <a:ext cx="8229240" cy="1896840"/>
+          </a:xfrm>
+          <a:prstGeom prst="rect">
+            <a:avLst/>
+          </a:prstGeom>
+        </p:spPr>
+        <p:txBody>
+          <a:bodyPr bIns="0" lIns="0" rIns="0" tIns="0" wrap="none"/>
+          <a:p>
+            <a:endParaRPr/>
+          </a:p>
+        </p:txBody>
+      </p:sp>
+      <p:sp>
+        <p:nvSpPr>
+          <p:cNvPr id="100" name="PlaceHolder 3"/>
+          <p:cNvSpPr>
+            <a:spLocks noGrp="1"/>
+          </p:cNvSpPr>
+          <p:nvPr>
+            <p:ph type="body"/>
+          </p:nvPr>
+        </p:nvSpPr>
+        <p:spPr>
+          <a:xfrm>
+            <a:off x="457200" y="3681720"/>
+            <a:ext cx="8229240" cy="1896840"/>
+          </a:xfrm>
+          <a:prstGeom prst="rect">
+            <a:avLst/>
+          </a:prstGeom>
+        </p:spPr>
+        <p:txBody>
+          <a:bodyPr bIns="0" lIns="0" rIns="0" tIns="0" wrap="none"/>
+          <a:p>
+            <a:endParaRPr/>
+          </a:p>
+        </p:txBody>
+      </p:sp>
+    </p:spTree>
+  </p:cSld>
+</p:sldLayout>
+</file>
+
+<file path=ppt/slideLayouts/slideLayout35.xml><?xml version="1.0" encoding="utf-8"?>
+<p:sldLayout xmlns:a="http://schemas.openxmlformats.org/drawingml/2006/main" xmlns:p="http://schemas.openxmlformats.org/presentationml/2006/main" xmlns:r="http://schemas.openxmlformats.org/officeDocument/2006/relationships" preserve="1" type="fourObj">
+  <p:cSld name="Title, 4 Content">
+    <p:spTree>
+      <p:nvGrpSpPr>
+        <p:cNvPr id="1" name=""/>
+        <p:cNvGrpSpPr/>
+        <p:nvPr/>
+      </p:nvGrpSpPr>
+      <p:grpSpPr>
+        <a:xfrm>
+          <a:off x="0" y="0"/>
+          <a:ext cx="0" cy="0"/>
+          <a:chOff x="0" y="0"/>
+          <a:chExt cx="0" cy="0"/>
+        </a:xfrm>
+      </p:grpSpPr>
+      <p:sp>
+        <p:nvSpPr>
+          <p:cNvPr id="101" name="PlaceHolder 1"/>
+          <p:cNvSpPr>
+            <a:spLocks noGrp="1"/>
+          </p:cNvSpPr>
+          <p:nvPr>
+            <p:ph type="title"/>
+          </p:nvPr>
+        </p:nvSpPr>
+        <p:spPr>
+          <a:xfrm>
+            <a:off x="457200" y="273240"/>
+            <a:ext cx="8229240" cy="1145160"/>
+          </a:xfrm>
+          <a:prstGeom prst="rect">
+            <a:avLst/>
+          </a:prstGeom>
+        </p:spPr>
+        <p:txBody>
+          <a:bodyPr anchor="ctr" bIns="0" lIns="0" rIns="0" tIns="0" wrap="none"/>
+          <a:p>
+            <a:pPr algn="ctr"/>
+            <a:endParaRPr/>
+          </a:p>
+        </p:txBody>
+      </p:sp>
+      <p:sp>
+        <p:nvSpPr>
+          <p:cNvPr id="102" name="PlaceHolder 2"/>
+          <p:cNvSpPr>
+            <a:spLocks noGrp="1"/>
+          </p:cNvSpPr>
+          <p:nvPr>
+            <p:ph type="body"/>
+          </p:nvPr>
+        </p:nvSpPr>
+        <p:spPr>
+          <a:xfrm>
+            <a:off x="457200" y="1604520"/>
+            <a:ext cx="4015440" cy="1896840"/>
+          </a:xfrm>
+          <a:prstGeom prst="rect">
+            <a:avLst/>
+          </a:prstGeom>
+        </p:spPr>
+        <p:txBody>
+          <a:bodyPr bIns="0" lIns="0" rIns="0" tIns="0" wrap="none"/>
+          <a:p>
+            <a:endParaRPr/>
+          </a:p>
+        </p:txBody>
+      </p:sp>
+      <p:sp>
+        <p:nvSpPr>
+          <p:cNvPr id="103" name="PlaceHolder 3"/>
+          <p:cNvSpPr>
+            <a:spLocks noGrp="1"/>
+          </p:cNvSpPr>
+          <p:nvPr>
+            <p:ph type="body"/>
+          </p:nvPr>
+        </p:nvSpPr>
+        <p:spPr>
+          <a:xfrm>
+            <a:off x="4673520" y="1604520"/>
+            <a:ext cx="4015440" cy="1896840"/>
+          </a:xfrm>
+          <a:prstGeom prst="rect">
+            <a:avLst/>
+          </a:prstGeom>
+        </p:spPr>
+        <p:txBody>
+          <a:bodyPr bIns="0" lIns="0" rIns="0" tIns="0" wrap="none"/>
+          <a:p>
+            <a:endParaRPr/>
+          </a:p>
+        </p:txBody>
+      </p:sp>
+      <p:sp>
+        <p:nvSpPr>
+          <p:cNvPr id="104" name="PlaceHolder 4"/>
+          <p:cNvSpPr>
+            <a:spLocks noGrp="1"/>
+          </p:cNvSpPr>
+          <p:nvPr>
+            <p:ph type="body"/>
+          </p:nvPr>
+        </p:nvSpPr>
+        <p:spPr>
+          <a:xfrm>
+            <a:off x="4673520" y="3681720"/>
+            <a:ext cx="4015440" cy="1896840"/>
+          </a:xfrm>
+          <a:prstGeom prst="rect">
+            <a:avLst/>
+          </a:prstGeom>
+        </p:spPr>
+        <p:txBody>
+          <a:bodyPr bIns="0" lIns="0" rIns="0" tIns="0" wrap="none"/>
+          <a:p>
+            <a:endParaRPr/>
+          </a:p>
+        </p:txBody>
+      </p:sp>
+      <p:sp>
+        <p:nvSpPr>
+          <p:cNvPr id="105" name="PlaceHolder 5"/>
+          <p:cNvSpPr>
+            <a:spLocks noGrp="1"/>
+          </p:cNvSpPr>
+          <p:nvPr>
+            <p:ph type="body"/>
+          </p:nvPr>
+        </p:nvSpPr>
+        <p:spPr>
+          <a:xfrm>
+            <a:off x="457200" y="3681720"/>
+            <a:ext cx="4015440" cy="1896840"/>
+          </a:xfrm>
+          <a:prstGeom prst="rect">
+            <a:avLst/>
+          </a:prstGeom>
+        </p:spPr>
+        <p:txBody>
+          <a:bodyPr bIns="0" lIns="0" rIns="0" tIns="0" wrap="none"/>
+          <a:p>
+            <a:endParaRPr/>
+          </a:p>
+        </p:txBody>
+      </p:sp>
+    </p:spTree>
+  </p:cSld>
+</p:sldLayout>
+</file>
+
+<file path=ppt/slideLayouts/slideLayout36.xml><?xml version="1.0" encoding="utf-8"?>
+<p:sldLayout xmlns:a="http://schemas.openxmlformats.org/drawingml/2006/main" xmlns:p="http://schemas.openxmlformats.org/presentationml/2006/main" xmlns:r="http://schemas.openxmlformats.org/officeDocument/2006/relationships" preserve="1" type="blank">
+  <p:cSld name="Title, 6 Content">
+    <p:spTree>
+      <p:nvGrpSpPr>
+        <p:cNvPr id="1" name=""/>
+        <p:cNvGrpSpPr/>
+        <p:nvPr/>
+      </p:nvGrpSpPr>
+      <p:grpSpPr>
+        <a:xfrm>
+          <a:off x="0" y="0"/>
+          <a:ext cx="0" cy="0"/>
+          <a:chOff x="0" y="0"/>
+          <a:chExt cx="0" cy="0"/>
+        </a:xfrm>
+      </p:grpSpPr>
+      <p:sp>
+        <p:nvSpPr>
+          <p:cNvPr id="106" name="PlaceHolder 1"/>
+          <p:cNvSpPr>
+            <a:spLocks noGrp="1"/>
+          </p:cNvSpPr>
+          <p:nvPr>
+            <p:ph type="title"/>
+          </p:nvPr>
+        </p:nvSpPr>
+        <p:spPr>
+          <a:xfrm>
+            <a:off x="457200" y="273240"/>
+            <a:ext cx="8229240" cy="1145160"/>
+          </a:xfrm>
+          <a:prstGeom prst="rect">
+            <a:avLst/>
+          </a:prstGeom>
+        </p:spPr>
+        <p:txBody>
+          <a:bodyPr anchor="ctr" bIns="0" lIns="0" rIns="0" tIns="0" wrap="none"/>
+          <a:p>
+            <a:pPr algn="ctr"/>
+            <a:endParaRPr/>
+          </a:p>
+        </p:txBody>
+      </p:sp>
+      <p:sp>
+        <p:nvSpPr>
+          <p:cNvPr id="107" name="PlaceHolder 2"/>
+          <p:cNvSpPr>
+            <a:spLocks noGrp="1"/>
+          </p:cNvSpPr>
+          <p:nvPr>
+            <p:ph type="body"/>
+          </p:nvPr>
+        </p:nvSpPr>
+        <p:spPr>
+          <a:xfrm>
+            <a:off x="457200" y="1604520"/>
+            <a:ext cx="4015440" cy="1896840"/>
+          </a:xfrm>
+          <a:prstGeom prst="rect">
+            <a:avLst/>
+          </a:prstGeom>
+        </p:spPr>
+        <p:txBody>
+          <a:bodyPr bIns="0" lIns="0" rIns="0" tIns="0" wrap="none"/>
+          <a:p>
+            <a:endParaRPr/>
+          </a:p>
+        </p:txBody>
+      </p:sp>
+      <p:sp>
+        <p:nvSpPr>
+          <p:cNvPr id="108" name="PlaceHolder 3"/>
+          <p:cNvSpPr>
+            <a:spLocks noGrp="1"/>
+          </p:cNvSpPr>
+          <p:nvPr>
+            <p:ph type="body"/>
+          </p:nvPr>
+        </p:nvSpPr>
+        <p:spPr>
+          <a:xfrm>
+            <a:off x="4673520" y="1604520"/>
+            <a:ext cx="4015440" cy="1896840"/>
+          </a:xfrm>
+          <a:prstGeom prst="rect">
+            <a:avLst/>
+          </a:prstGeom>
+        </p:spPr>
+        <p:txBody>
+          <a:bodyPr bIns="0" lIns="0" rIns="0" tIns="0" wrap="none"/>
+          <a:p>
+            <a:endParaRPr/>
+          </a:p>
+        </p:txBody>
+      </p:sp>
+      <p:pic>
+        <p:nvPicPr>
+          <p:cNvPr descr="" id="109" name=""/>
+          <p:cNvPicPr/>
+          <p:nvPr/>
+        </p:nvPicPr>
+        <p:blipFill>
+          <a:blip r:embed="rId2"/>
+          <a:stretch>
+            <a:fillRect/>
+          </a:stretch>
+        </p:blipFill>
+        <p:spPr>
+          <a:xfrm>
+            <a:off x="5492520" y="3681360"/>
+            <a:ext cx="2377440" cy="1896840"/>
+          </a:xfrm>
+          <a:prstGeom prst="rect">
+            <a:avLst/>
+          </a:prstGeom>
+        </p:spPr>
+      </p:pic>
+      <p:pic>
+        <p:nvPicPr>
+          <p:cNvPr descr="" id="110" name=""/>
+          <p:cNvPicPr/>
+          <p:nvPr/>
+        </p:nvPicPr>
+        <p:blipFill>
+          <a:blip r:embed="rId3"/>
+          <a:stretch>
+            <a:fillRect/>
+          </a:stretch>
+        </p:blipFill>
+        <p:spPr>
+          <a:xfrm>
+            <a:off x="1276200" y="3681360"/>
+            <a:ext cx="2377440" cy="1896840"/>
+          </a:xfrm>
+          <a:prstGeom prst="rect">
+            <a:avLst/>
+          </a:prstGeom>
+        </p:spPr>
+      </p:pic>
     </p:spTree>
   </p:cSld>
 </p:sldLayout>
@@ -1658,7 +2915,7 @@
       </p:grpSpPr>
       <p:sp>
         <p:nvSpPr>
-          <p:cNvPr id="9" name="PlaceHolder 1"/>
+          <p:cNvPr id="6" name="PlaceHolder 1"/>
           <p:cNvSpPr>
             <a:spLocks noGrp="1"/>
           </p:cNvSpPr>
@@ -1668,8 +2925,8 @@
         </p:nvSpPr>
         <p:spPr>
           <a:xfrm>
-            <a:off x="457200" y="274680"/>
-            <a:ext cx="8229240" cy="1143000"/>
+            <a:off x="457200" y="273240"/>
+            <a:ext cx="8229240" cy="1145160"/>
           </a:xfrm>
           <a:prstGeom prst="rect">
             <a:avLst/>
@@ -1678,50 +2935,51 @@
         <p:txBody>
           <a:bodyPr anchor="ctr" bIns="0" lIns="0" rIns="0" tIns="0" wrap="none"/>
           <a:p>
-            <a:endParaRPr/>
-          </a:p>
-        </p:txBody>
-      </p:sp>
-      <p:sp>
-        <p:nvSpPr>
-          <p:cNvPr id="10" name="PlaceHolder 2"/>
-          <p:cNvSpPr>
-            <a:spLocks noGrp="1"/>
-          </p:cNvSpPr>
-          <p:nvPr>
-            <p:ph type="body"/>
-          </p:nvPr>
-        </p:nvSpPr>
-        <p:spPr>
-          <a:xfrm>
-            <a:off x="457200" y="1600200"/>
-            <a:ext cx="4015440" cy="4525560"/>
-          </a:xfrm>
-          <a:prstGeom prst="rect">
-            <a:avLst/>
-          </a:prstGeom>
-        </p:spPr>
-        <p:txBody>
-          <a:bodyPr bIns="0" lIns="0" rIns="0" tIns="0" wrap="none"/>
-          <a:p>
-            <a:endParaRPr/>
-          </a:p>
-        </p:txBody>
-      </p:sp>
-      <p:sp>
-        <p:nvSpPr>
-          <p:cNvPr id="11" name="PlaceHolder 3"/>
-          <p:cNvSpPr>
-            <a:spLocks noGrp="1"/>
-          </p:cNvSpPr>
-          <p:nvPr>
-            <p:ph type="body"/>
-          </p:nvPr>
-        </p:nvSpPr>
-        <p:spPr>
-          <a:xfrm>
-            <a:off x="4673520" y="1600200"/>
-            <a:ext cx="4015440" cy="4525560"/>
+            <a:pPr algn="ctr"/>
+            <a:endParaRPr/>
+          </a:p>
+        </p:txBody>
+      </p:sp>
+      <p:sp>
+        <p:nvSpPr>
+          <p:cNvPr id="7" name="PlaceHolder 2"/>
+          <p:cNvSpPr>
+            <a:spLocks noGrp="1"/>
+          </p:cNvSpPr>
+          <p:nvPr>
+            <p:ph type="body"/>
+          </p:nvPr>
+        </p:nvSpPr>
+        <p:spPr>
+          <a:xfrm>
+            <a:off x="457200" y="1604520"/>
+            <a:ext cx="4015440" cy="3977280"/>
+          </a:xfrm>
+          <a:prstGeom prst="rect">
+            <a:avLst/>
+          </a:prstGeom>
+        </p:spPr>
+        <p:txBody>
+          <a:bodyPr bIns="0" lIns="0" rIns="0" tIns="0" wrap="none"/>
+          <a:p>
+            <a:endParaRPr/>
+          </a:p>
+        </p:txBody>
+      </p:sp>
+      <p:sp>
+        <p:nvSpPr>
+          <p:cNvPr id="8" name="PlaceHolder 3"/>
+          <p:cNvSpPr>
+            <a:spLocks noGrp="1"/>
+          </p:cNvSpPr>
+          <p:nvPr>
+            <p:ph type="body"/>
+          </p:nvPr>
+        </p:nvSpPr>
+        <p:spPr>
+          <a:xfrm>
+            <a:off x="4673520" y="1604520"/>
+            <a:ext cx="4015440" cy="3977280"/>
           </a:xfrm>
           <a:prstGeom prst="rect">
             <a:avLst/>
@@ -1758,7 +3016,7 @@
       </p:grpSpPr>
       <p:sp>
         <p:nvSpPr>
-          <p:cNvPr id="12" name="PlaceHolder 1"/>
+          <p:cNvPr id="9" name="PlaceHolder 1"/>
           <p:cNvSpPr>
             <a:spLocks noGrp="1"/>
           </p:cNvSpPr>
@@ -1768,8 +3026,8 @@
         </p:nvSpPr>
         <p:spPr>
           <a:xfrm>
-            <a:off x="457200" y="274680"/>
-            <a:ext cx="8229240" cy="1143000"/>
+            <a:off x="457200" y="273240"/>
+            <a:ext cx="8229240" cy="1145160"/>
           </a:xfrm>
           <a:prstGeom prst="rect">
             <a:avLst/>
@@ -1778,6 +3036,7 @@
         <p:txBody>
           <a:bodyPr anchor="ctr" bIns="0" lIns="0" rIns="0" tIns="0" wrap="none"/>
           <a:p>
+            <a:pPr algn="ctr"/>
             <a:endParaRPr/>
           </a:p>
         </p:txBody>
@@ -1806,7 +3065,7 @@
       </p:grpSpPr>
       <p:sp>
         <p:nvSpPr>
-          <p:cNvPr id="13" name="PlaceHolder 1"/>
+          <p:cNvPr id="10" name="PlaceHolder 1"/>
           <p:cNvSpPr>
             <a:spLocks noGrp="1"/>
           </p:cNvSpPr>
@@ -1816,8 +3075,8 @@
         </p:nvSpPr>
         <p:spPr>
           <a:xfrm>
-            <a:off x="457200" y="274680"/>
-            <a:ext cx="8229240" cy="5851080"/>
+            <a:off x="457200" y="273240"/>
+            <a:ext cx="8229240" cy="5308560"/>
           </a:xfrm>
           <a:prstGeom prst="rect">
             <a:avLst/>
@@ -1855,7 +3114,7 @@
       </p:grpSpPr>
       <p:sp>
         <p:nvSpPr>
-          <p:cNvPr id="14" name="PlaceHolder 1"/>
+          <p:cNvPr id="11" name="PlaceHolder 1"/>
           <p:cNvSpPr>
             <a:spLocks noGrp="1"/>
           </p:cNvSpPr>
@@ -1865,8 +3124,8 @@
         </p:nvSpPr>
         <p:spPr>
           <a:xfrm>
-            <a:off x="457200" y="274680"/>
-            <a:ext cx="8229240" cy="1143000"/>
+            <a:off x="457200" y="273240"/>
+            <a:ext cx="8229240" cy="1145160"/>
           </a:xfrm>
           <a:prstGeom prst="rect">
             <a:avLst/>
@@ -1875,76 +3134,77 @@
         <p:txBody>
           <a:bodyPr anchor="ctr" bIns="0" lIns="0" rIns="0" tIns="0" wrap="none"/>
           <a:p>
-            <a:endParaRPr/>
-          </a:p>
-        </p:txBody>
-      </p:sp>
-      <p:sp>
-        <p:nvSpPr>
-          <p:cNvPr id="15" name="PlaceHolder 2"/>
-          <p:cNvSpPr>
-            <a:spLocks noGrp="1"/>
-          </p:cNvSpPr>
-          <p:nvPr>
-            <p:ph type="body"/>
-          </p:nvPr>
-        </p:nvSpPr>
-        <p:spPr>
-          <a:xfrm>
-            <a:off x="457200" y="1600200"/>
-            <a:ext cx="4015440" cy="2158200"/>
-          </a:xfrm>
-          <a:prstGeom prst="rect">
-            <a:avLst/>
-          </a:prstGeom>
-        </p:spPr>
-        <p:txBody>
-          <a:bodyPr bIns="0" lIns="0" rIns="0" tIns="0" wrap="none"/>
-          <a:p>
-            <a:endParaRPr/>
-          </a:p>
-        </p:txBody>
-      </p:sp>
-      <p:sp>
-        <p:nvSpPr>
-          <p:cNvPr id="16" name="PlaceHolder 3"/>
-          <p:cNvSpPr>
-            <a:spLocks noGrp="1"/>
-          </p:cNvSpPr>
-          <p:nvPr>
-            <p:ph type="body"/>
-          </p:nvPr>
-        </p:nvSpPr>
-        <p:spPr>
-          <a:xfrm>
-            <a:off x="457200" y="3963600"/>
-            <a:ext cx="4015440" cy="2158200"/>
-          </a:xfrm>
-          <a:prstGeom prst="rect">
-            <a:avLst/>
-          </a:prstGeom>
-        </p:spPr>
-        <p:txBody>
-          <a:bodyPr bIns="0" lIns="0" rIns="0" tIns="0" wrap="none"/>
-          <a:p>
-            <a:endParaRPr/>
-          </a:p>
-        </p:txBody>
-      </p:sp>
-      <p:sp>
-        <p:nvSpPr>
-          <p:cNvPr id="17" name="PlaceHolder 4"/>
-          <p:cNvSpPr>
-            <a:spLocks noGrp="1"/>
-          </p:cNvSpPr>
-          <p:nvPr>
-            <p:ph type="body"/>
-          </p:nvPr>
-        </p:nvSpPr>
-        <p:spPr>
-          <a:xfrm>
-            <a:off x="4673520" y="1600200"/>
-            <a:ext cx="4015440" cy="4525560"/>
+            <a:pPr algn="ctr"/>
+            <a:endParaRPr/>
+          </a:p>
+        </p:txBody>
+      </p:sp>
+      <p:sp>
+        <p:nvSpPr>
+          <p:cNvPr id="12" name="PlaceHolder 2"/>
+          <p:cNvSpPr>
+            <a:spLocks noGrp="1"/>
+          </p:cNvSpPr>
+          <p:nvPr>
+            <p:ph type="body"/>
+          </p:nvPr>
+        </p:nvSpPr>
+        <p:spPr>
+          <a:xfrm>
+            <a:off x="457200" y="1604520"/>
+            <a:ext cx="4015440" cy="1896840"/>
+          </a:xfrm>
+          <a:prstGeom prst="rect">
+            <a:avLst/>
+          </a:prstGeom>
+        </p:spPr>
+        <p:txBody>
+          <a:bodyPr bIns="0" lIns="0" rIns="0" tIns="0" wrap="none"/>
+          <a:p>
+            <a:endParaRPr/>
+          </a:p>
+        </p:txBody>
+      </p:sp>
+      <p:sp>
+        <p:nvSpPr>
+          <p:cNvPr id="13" name="PlaceHolder 3"/>
+          <p:cNvSpPr>
+            <a:spLocks noGrp="1"/>
+          </p:cNvSpPr>
+          <p:nvPr>
+            <p:ph type="body"/>
+          </p:nvPr>
+        </p:nvSpPr>
+        <p:spPr>
+          <a:xfrm>
+            <a:off x="457200" y="3681720"/>
+            <a:ext cx="4015440" cy="1896840"/>
+          </a:xfrm>
+          <a:prstGeom prst="rect">
+            <a:avLst/>
+          </a:prstGeom>
+        </p:spPr>
+        <p:txBody>
+          <a:bodyPr bIns="0" lIns="0" rIns="0" tIns="0" wrap="none"/>
+          <a:p>
+            <a:endParaRPr/>
+          </a:p>
+        </p:txBody>
+      </p:sp>
+      <p:sp>
+        <p:nvSpPr>
+          <p:cNvPr id="14" name="PlaceHolder 4"/>
+          <p:cNvSpPr>
+            <a:spLocks noGrp="1"/>
+          </p:cNvSpPr>
+          <p:nvPr>
+            <p:ph type="body"/>
+          </p:nvPr>
+        </p:nvSpPr>
+        <p:spPr>
+          <a:xfrm>
+            <a:off x="4673520" y="1604520"/>
+            <a:ext cx="4015440" cy="3977280"/>
           </a:xfrm>
           <a:prstGeom prst="rect">
             <a:avLst/>
@@ -1981,7 +3241,7 @@
       </p:grpSpPr>
       <p:sp>
         <p:nvSpPr>
-          <p:cNvPr id="18" name="PlaceHolder 1"/>
+          <p:cNvPr id="15" name="PlaceHolder 1"/>
           <p:cNvSpPr>
             <a:spLocks noGrp="1"/>
           </p:cNvSpPr>
@@ -1991,8 +3251,8 @@
         </p:nvSpPr>
         <p:spPr>
           <a:xfrm>
-            <a:off x="457200" y="274680"/>
-            <a:ext cx="8229240" cy="1143000"/>
+            <a:off x="457200" y="273240"/>
+            <a:ext cx="8229240" cy="1145160"/>
           </a:xfrm>
           <a:prstGeom prst="rect">
             <a:avLst/>
@@ -2001,76 +3261,77 @@
         <p:txBody>
           <a:bodyPr anchor="ctr" bIns="0" lIns="0" rIns="0" tIns="0" wrap="none"/>
           <a:p>
-            <a:endParaRPr/>
-          </a:p>
-        </p:txBody>
-      </p:sp>
-      <p:sp>
-        <p:nvSpPr>
-          <p:cNvPr id="19" name="PlaceHolder 2"/>
-          <p:cNvSpPr>
-            <a:spLocks noGrp="1"/>
-          </p:cNvSpPr>
-          <p:nvPr>
-            <p:ph type="body"/>
-          </p:nvPr>
-        </p:nvSpPr>
-        <p:spPr>
-          <a:xfrm>
-            <a:off x="457200" y="1600200"/>
-            <a:ext cx="4015440" cy="4525560"/>
-          </a:xfrm>
-          <a:prstGeom prst="rect">
-            <a:avLst/>
-          </a:prstGeom>
-        </p:spPr>
-        <p:txBody>
-          <a:bodyPr bIns="0" lIns="0" rIns="0" tIns="0" wrap="none"/>
-          <a:p>
-            <a:endParaRPr/>
-          </a:p>
-        </p:txBody>
-      </p:sp>
-      <p:sp>
-        <p:nvSpPr>
-          <p:cNvPr id="20" name="PlaceHolder 3"/>
-          <p:cNvSpPr>
-            <a:spLocks noGrp="1"/>
-          </p:cNvSpPr>
-          <p:nvPr>
-            <p:ph type="body"/>
-          </p:nvPr>
-        </p:nvSpPr>
-        <p:spPr>
-          <a:xfrm>
-            <a:off x="4673520" y="1600200"/>
-            <a:ext cx="4015440" cy="2158200"/>
-          </a:xfrm>
-          <a:prstGeom prst="rect">
-            <a:avLst/>
-          </a:prstGeom>
-        </p:spPr>
-        <p:txBody>
-          <a:bodyPr bIns="0" lIns="0" rIns="0" tIns="0" wrap="none"/>
-          <a:p>
-            <a:endParaRPr/>
-          </a:p>
-        </p:txBody>
-      </p:sp>
-      <p:sp>
-        <p:nvSpPr>
-          <p:cNvPr id="21" name="PlaceHolder 4"/>
-          <p:cNvSpPr>
-            <a:spLocks noGrp="1"/>
-          </p:cNvSpPr>
-          <p:nvPr>
-            <p:ph type="body"/>
-          </p:nvPr>
-        </p:nvSpPr>
-        <p:spPr>
-          <a:xfrm>
-            <a:off x="4673520" y="3963600"/>
-            <a:ext cx="4015440" cy="2158200"/>
+            <a:pPr algn="ctr"/>
+            <a:endParaRPr/>
+          </a:p>
+        </p:txBody>
+      </p:sp>
+      <p:sp>
+        <p:nvSpPr>
+          <p:cNvPr id="16" name="PlaceHolder 2"/>
+          <p:cNvSpPr>
+            <a:spLocks noGrp="1"/>
+          </p:cNvSpPr>
+          <p:nvPr>
+            <p:ph type="body"/>
+          </p:nvPr>
+        </p:nvSpPr>
+        <p:spPr>
+          <a:xfrm>
+            <a:off x="457200" y="1604520"/>
+            <a:ext cx="4015440" cy="3977280"/>
+          </a:xfrm>
+          <a:prstGeom prst="rect">
+            <a:avLst/>
+          </a:prstGeom>
+        </p:spPr>
+        <p:txBody>
+          <a:bodyPr bIns="0" lIns="0" rIns="0" tIns="0" wrap="none"/>
+          <a:p>
+            <a:endParaRPr/>
+          </a:p>
+        </p:txBody>
+      </p:sp>
+      <p:sp>
+        <p:nvSpPr>
+          <p:cNvPr id="17" name="PlaceHolder 3"/>
+          <p:cNvSpPr>
+            <a:spLocks noGrp="1"/>
+          </p:cNvSpPr>
+          <p:nvPr>
+            <p:ph type="body"/>
+          </p:nvPr>
+        </p:nvSpPr>
+        <p:spPr>
+          <a:xfrm>
+            <a:off x="4673520" y="1604520"/>
+            <a:ext cx="4015440" cy="1896840"/>
+          </a:xfrm>
+          <a:prstGeom prst="rect">
+            <a:avLst/>
+          </a:prstGeom>
+        </p:spPr>
+        <p:txBody>
+          <a:bodyPr bIns="0" lIns="0" rIns="0" tIns="0" wrap="none"/>
+          <a:p>
+            <a:endParaRPr/>
+          </a:p>
+        </p:txBody>
+      </p:sp>
+      <p:sp>
+        <p:nvSpPr>
+          <p:cNvPr id="18" name="PlaceHolder 4"/>
+          <p:cNvSpPr>
+            <a:spLocks noGrp="1"/>
+          </p:cNvSpPr>
+          <p:nvPr>
+            <p:ph type="body"/>
+          </p:nvPr>
+        </p:nvSpPr>
+        <p:spPr>
+          <a:xfrm>
+            <a:off x="4673520" y="3681720"/>
+            <a:ext cx="4015440" cy="1896840"/>
           </a:xfrm>
           <a:prstGeom prst="rect">
             <a:avLst/>
@@ -2107,7 +3368,7 @@
       </p:grpSpPr>
       <p:sp>
         <p:nvSpPr>
-          <p:cNvPr id="22" name="PlaceHolder 1"/>
+          <p:cNvPr id="19" name="PlaceHolder 1"/>
           <p:cNvSpPr>
             <a:spLocks noGrp="1"/>
           </p:cNvSpPr>
@@ -2117,8 +3378,8 @@
         </p:nvSpPr>
         <p:spPr>
           <a:xfrm>
-            <a:off x="457200" y="274680"/>
-            <a:ext cx="8229240" cy="1143000"/>
+            <a:off x="457200" y="273240"/>
+            <a:ext cx="8229240" cy="1145160"/>
           </a:xfrm>
           <a:prstGeom prst="rect">
             <a:avLst/>
@@ -2127,76 +3388,77 @@
         <p:txBody>
           <a:bodyPr anchor="ctr" bIns="0" lIns="0" rIns="0" tIns="0" wrap="none"/>
           <a:p>
-            <a:endParaRPr/>
-          </a:p>
-        </p:txBody>
-      </p:sp>
-      <p:sp>
-        <p:nvSpPr>
-          <p:cNvPr id="23" name="PlaceHolder 2"/>
-          <p:cNvSpPr>
-            <a:spLocks noGrp="1"/>
-          </p:cNvSpPr>
-          <p:nvPr>
-            <p:ph type="body"/>
-          </p:nvPr>
-        </p:nvSpPr>
-        <p:spPr>
-          <a:xfrm>
-            <a:off x="457200" y="1600200"/>
-            <a:ext cx="4015440" cy="2158200"/>
-          </a:xfrm>
-          <a:prstGeom prst="rect">
-            <a:avLst/>
-          </a:prstGeom>
-        </p:spPr>
-        <p:txBody>
-          <a:bodyPr bIns="0" lIns="0" rIns="0" tIns="0" wrap="none"/>
-          <a:p>
-            <a:endParaRPr/>
-          </a:p>
-        </p:txBody>
-      </p:sp>
-      <p:sp>
-        <p:nvSpPr>
-          <p:cNvPr id="24" name="PlaceHolder 3"/>
-          <p:cNvSpPr>
-            <a:spLocks noGrp="1"/>
-          </p:cNvSpPr>
-          <p:nvPr>
-            <p:ph type="body"/>
-          </p:nvPr>
-        </p:nvSpPr>
-        <p:spPr>
-          <a:xfrm>
-            <a:off x="4673520" y="1600200"/>
-            <a:ext cx="4015440" cy="2158200"/>
-          </a:xfrm>
-          <a:prstGeom prst="rect">
-            <a:avLst/>
-          </a:prstGeom>
-        </p:spPr>
-        <p:txBody>
-          <a:bodyPr bIns="0" lIns="0" rIns="0" tIns="0" wrap="none"/>
-          <a:p>
-            <a:endParaRPr/>
-          </a:p>
-        </p:txBody>
-      </p:sp>
-      <p:sp>
-        <p:nvSpPr>
-          <p:cNvPr id="25" name="PlaceHolder 4"/>
-          <p:cNvSpPr>
-            <a:spLocks noGrp="1"/>
-          </p:cNvSpPr>
-          <p:nvPr>
-            <p:ph type="body"/>
-          </p:nvPr>
-        </p:nvSpPr>
-        <p:spPr>
-          <a:xfrm>
-            <a:off x="457200" y="3963600"/>
-            <a:ext cx="8228520" cy="2158200"/>
+            <a:pPr algn="ctr"/>
+            <a:endParaRPr/>
+          </a:p>
+        </p:txBody>
+      </p:sp>
+      <p:sp>
+        <p:nvSpPr>
+          <p:cNvPr id="20" name="PlaceHolder 2"/>
+          <p:cNvSpPr>
+            <a:spLocks noGrp="1"/>
+          </p:cNvSpPr>
+          <p:nvPr>
+            <p:ph type="body"/>
+          </p:nvPr>
+        </p:nvSpPr>
+        <p:spPr>
+          <a:xfrm>
+            <a:off x="457200" y="1604520"/>
+            <a:ext cx="4015440" cy="1896840"/>
+          </a:xfrm>
+          <a:prstGeom prst="rect">
+            <a:avLst/>
+          </a:prstGeom>
+        </p:spPr>
+        <p:txBody>
+          <a:bodyPr bIns="0" lIns="0" rIns="0" tIns="0" wrap="none"/>
+          <a:p>
+            <a:endParaRPr/>
+          </a:p>
+        </p:txBody>
+      </p:sp>
+      <p:sp>
+        <p:nvSpPr>
+          <p:cNvPr id="21" name="PlaceHolder 3"/>
+          <p:cNvSpPr>
+            <a:spLocks noGrp="1"/>
+          </p:cNvSpPr>
+          <p:nvPr>
+            <p:ph type="body"/>
+          </p:nvPr>
+        </p:nvSpPr>
+        <p:spPr>
+          <a:xfrm>
+            <a:off x="4673520" y="1604520"/>
+            <a:ext cx="4015440" cy="1896840"/>
+          </a:xfrm>
+          <a:prstGeom prst="rect">
+            <a:avLst/>
+          </a:prstGeom>
+        </p:spPr>
+        <p:txBody>
+          <a:bodyPr bIns="0" lIns="0" rIns="0" tIns="0" wrap="none"/>
+          <a:p>
+            <a:endParaRPr/>
+          </a:p>
+        </p:txBody>
+      </p:sp>
+      <p:sp>
+        <p:nvSpPr>
+          <p:cNvPr id="22" name="PlaceHolder 4"/>
+          <p:cNvSpPr>
+            <a:spLocks noGrp="1"/>
+          </p:cNvSpPr>
+          <p:nvPr>
+            <p:ph type="body"/>
+          </p:nvPr>
+        </p:nvSpPr>
+        <p:spPr>
+          <a:xfrm>
+            <a:off x="457200" y="3681720"/>
+            <a:ext cx="8228520" cy="1896840"/>
           </a:xfrm>
           <a:prstGeom prst="rect">
             <a:avLst/>
@@ -2250,29 +3512,19 @@
         </p:nvSpPr>
         <p:spPr>
           <a:xfrm>
-            <a:off x="685800" y="2130480"/>
-            <a:ext cx="7772040" cy="1469520"/>
-          </a:xfrm>
-          <a:prstGeom prst="rect">
-            <a:avLst/>
-          </a:prstGeom>
-        </p:spPr>
-        <p:txBody>
-          <a:bodyPr anchor="ctr"/>
-          <a:p>
-            <a:pPr algn="ctr">
-              <a:lnSpc>
-                <a:spcPct val="100000"/>
-              </a:lnSpc>
-            </a:pPr>
+            <a:off x="457200" y="274680"/>
+            <a:ext cx="8228880" cy="1142640"/>
+          </a:xfrm>
+          <a:prstGeom prst="rect">
+            <a:avLst/>
+          </a:prstGeom>
+        </p:spPr>
+        <p:txBody>
+          <a:bodyPr anchor="ctr" bIns="0" lIns="0" rIns="0" tIns="0" wrap="none"/>
+          <a:p>
             <a:r>
-              <a:rPr lang="en-US" sz="4400">
-                <a:solidFill>
-                  <a:srgbClr val="000000"/>
-                </a:solidFill>
-                <a:latin typeface="Calibri"/>
-              </a:rPr>
-              <a:t>Click to edit the title text formatClick to edit Master title style</a:t>
+              <a:rPr lang="en-US"/>
+              <a:t>Click to edit the title text format</a:t>
             </a:r>
             <a:endParaRPr/>
           </a:p>
@@ -2285,129 +3537,23 @@
             <a:spLocks noGrp="1"/>
           </p:cNvSpPr>
           <p:nvPr>
-            <p:ph type="dt"/>
-          </p:nvPr>
-        </p:nvSpPr>
-        <p:spPr>
-          <a:xfrm>
-            <a:off x="0" y="0"/>
-            <a:ext cx="-11796840" cy="-11796840"/>
-          </a:xfrm>
-          <a:prstGeom prst="rect">
-            <a:avLst/>
-          </a:prstGeom>
-        </p:spPr>
-        <p:txBody>
-          <a:bodyPr bIns="45000" lIns="90000" rIns="90000" tIns="45000"/>
+            <p:ph type="body"/>
+          </p:nvPr>
+        </p:nvSpPr>
+        <p:spPr>
+          <a:xfrm>
+            <a:off x="457200" y="1604520"/>
+            <a:ext cx="8229240" cy="3977280"/>
+          </a:xfrm>
+          <a:prstGeom prst="rect">
+            <a:avLst/>
+          </a:prstGeom>
+        </p:spPr>
+        <p:txBody>
+          <a:bodyPr bIns="0" lIns="0" rIns="0" tIns="0" wrap="none"/>
           <a:p>
             <a:pPr>
-              <a:lnSpc>
-                <a:spcPct val="100000"/>
-              </a:lnSpc>
-            </a:pPr>
-            <a:r>
-              <a:rPr lang="en-US">
-                <a:solidFill>
-                  <a:srgbClr val="000000"/>
-                </a:solidFill>
-                <a:latin typeface="Calibri"/>
-              </a:rPr>
-              <a:t>4/16/14</a:t>
-            </a:r>
-            <a:endParaRPr/>
-          </a:p>
-        </p:txBody>
-      </p:sp>
-      <p:sp>
-        <p:nvSpPr>
-          <p:cNvPr id="2" name="PlaceHolder 3"/>
-          <p:cNvSpPr>
-            <a:spLocks noGrp="1"/>
-          </p:cNvSpPr>
-          <p:nvPr>
-            <p:ph type="ftr"/>
-          </p:nvPr>
-        </p:nvSpPr>
-        <p:spPr>
-          <a:xfrm>
-            <a:off x="0" y="0"/>
-            <a:ext cx="-11796840" cy="-11796840"/>
-          </a:xfrm>
-          <a:prstGeom prst="rect">
-            <a:avLst/>
-          </a:prstGeom>
-        </p:spPr>
-        <p:txBody>
-          <a:bodyPr bIns="45000" lIns="90000" rIns="90000" tIns="45000"/>
-          <a:p>
-            <a:endParaRPr/>
-          </a:p>
-        </p:txBody>
-      </p:sp>
-      <p:sp>
-        <p:nvSpPr>
-          <p:cNvPr id="3" name="PlaceHolder 4"/>
-          <p:cNvSpPr>
-            <a:spLocks noGrp="1"/>
-          </p:cNvSpPr>
-          <p:nvPr>
-            <p:ph type="sldNum"/>
-          </p:nvPr>
-        </p:nvSpPr>
-        <p:spPr>
-          <a:xfrm>
-            <a:off x="0" y="0"/>
-            <a:ext cx="-11796840" cy="-11796840"/>
-          </a:xfrm>
-          <a:prstGeom prst="rect">
-            <a:avLst/>
-          </a:prstGeom>
-        </p:spPr>
-        <p:txBody>
-          <a:bodyPr bIns="45000" lIns="90000" rIns="90000" tIns="45000"/>
-          <a:p>
-            <a:pPr>
-              <a:lnSpc>
-                <a:spcPct val="100000"/>
-              </a:lnSpc>
-            </a:pPr>
-            <a:fld id="{F1716111-7161-41A1-8131-F18161115191}" type="slidenum">
-              <a:rPr lang="en-US">
-                <a:solidFill>
-                  <a:srgbClr val="000000"/>
-                </a:solidFill>
-                <a:latin typeface="Calibri"/>
-              </a:rPr>
-              <a:t>&lt;number&gt;</a:t>
-            </a:fld>
-            <a:endParaRPr/>
-          </a:p>
-        </p:txBody>
-      </p:sp>
-      <p:sp>
-        <p:nvSpPr>
-          <p:cNvPr id="4" name="PlaceHolder 5"/>
-          <p:cNvSpPr>
-            <a:spLocks noGrp="1"/>
-          </p:cNvSpPr>
-          <p:nvPr>
-            <p:ph type="body"/>
-          </p:nvPr>
-        </p:nvSpPr>
-        <p:spPr>
-          <a:xfrm>
-            <a:off x="457200" y="1604520"/>
-            <a:ext cx="8046360" cy="3977280"/>
-          </a:xfrm>
-          <a:prstGeom prst="rect">
-            <a:avLst/>
-          </a:prstGeom>
-        </p:spPr>
-        <p:txBody>
-          <a:bodyPr bIns="0" lIns="0" rIns="0" tIns="0" wrap="none"/>
-          <a:p>
-            <a:pPr>
-              <a:buSzPct val="45000"/>
+              <a:buSzPct val="25000"/>
               <a:buFont typeface="StarSymbol"/>
               <a:buChar char=""/>
             </a:pPr>
@@ -2419,7 +3565,7 @@
           </a:p>
           <a:p>
             <a:pPr lvl="1">
-              <a:buSzPct val="75000"/>
+              <a:buSzPct val="25000"/>
               <a:buFont typeface="StarSymbol"/>
               <a:buChar char=""/>
             </a:pPr>
@@ -2431,7 +3577,7 @@
           </a:p>
           <a:p>
             <a:pPr lvl="2">
-              <a:buSzPct val="45000"/>
+              <a:buSzPct val="25000"/>
               <a:buFont typeface="StarSymbol"/>
               <a:buChar char=""/>
             </a:pPr>
@@ -2443,7 +3589,7 @@
           </a:p>
           <a:p>
             <a:pPr lvl="3">
-              <a:buSzPct val="75000"/>
+              <a:buSzPct val="25000"/>
               <a:buFont typeface="StarSymbol"/>
               <a:buChar char=""/>
             </a:pPr>
@@ -2455,7 +3601,7 @@
           </a:p>
           <a:p>
             <a:pPr lvl="4">
-              <a:buSzPct val="45000"/>
+              <a:buSzPct val="25000"/>
               <a:buFont typeface="StarSymbol"/>
               <a:buChar char=""/>
             </a:pPr>
@@ -2467,7 +3613,7 @@
           </a:p>
           <a:p>
             <a:pPr lvl="5">
-              <a:buSzPct val="45000"/>
+              <a:buSzPct val="25000"/>
               <a:buFont typeface="StarSymbol"/>
               <a:buChar char=""/>
             </a:pPr>
@@ -2479,7 +3625,7 @@
           </a:p>
           <a:p>
             <a:pPr lvl="6">
-              <a:buSzPct val="45000"/>
+              <a:buSzPct val="25000"/>
               <a:buFont typeface="StarSymbol"/>
               <a:buChar char=""/>
             </a:pPr>
@@ -2537,7 +3683,7 @@
       </p:grpSpPr>
       <p:sp>
         <p:nvSpPr>
-          <p:cNvPr id="37" name="PlaceHolder 1"/>
+          <p:cNvPr id="36" name="PlaceHolder 1"/>
           <p:cNvSpPr>
             <a:spLocks noGrp="1"/>
           </p:cNvSpPr>
@@ -2547,29 +3693,20 @@
         </p:nvSpPr>
         <p:spPr>
           <a:xfrm>
-            <a:off x="457200" y="274680"/>
-            <a:ext cx="8229240" cy="1142640"/>
-          </a:xfrm>
-          <a:prstGeom prst="rect">
-            <a:avLst/>
-          </a:prstGeom>
-        </p:spPr>
-        <p:txBody>
-          <a:bodyPr anchor="ctr"/>
-          <a:p>
-            <a:pPr algn="ctr">
-              <a:lnSpc>
-                <a:spcPct val="100000"/>
-              </a:lnSpc>
-            </a:pPr>
+            <a:off x="457200" y="273600"/>
+            <a:ext cx="8229240" cy="1144800"/>
+          </a:xfrm>
+          <a:prstGeom prst="rect">
+            <a:avLst/>
+          </a:prstGeom>
+        </p:spPr>
+        <p:txBody>
+          <a:bodyPr anchor="ctr" bIns="0" lIns="0" rIns="0" tIns="0" wrap="none"/>
+          <a:p>
+            <a:pPr algn="ctr"/>
             <a:r>
-              <a:rPr lang="en-US" sz="4400">
-                <a:solidFill>
-                  <a:srgbClr val="000000"/>
-                </a:solidFill>
-                <a:latin typeface="Calibri"/>
-              </a:rPr>
-              <a:t>Click to edit the title text formatClick to edit Master title style</a:t>
+              <a:rPr lang="en-US"/>
+              <a:t>Click to edit the title text format</a:t>
             </a:r>
             <a:endParaRPr/>
           </a:p>
@@ -2577,317 +3714,107 @@
       </p:sp>
       <p:sp>
         <p:nvSpPr>
-          <p:cNvPr id="38" name="PlaceHolder 2"/>
-          <p:cNvSpPr>
-            <a:spLocks noGrp="1"/>
-          </p:cNvSpPr>
-          <p:nvPr>
-            <p:ph type="body"/>
-          </p:nvPr>
-        </p:nvSpPr>
-        <p:spPr>
-          <a:xfrm>
-            <a:off x="457200" y="1600200"/>
-            <a:ext cx="8229240" cy="4525560"/>
-          </a:xfrm>
-          <a:prstGeom prst="rect">
-            <a:avLst/>
-          </a:prstGeom>
-        </p:spPr>
-        <p:txBody>
-          <a:bodyPr/>
+          <p:cNvPr id="37" name="PlaceHolder 2"/>
+          <p:cNvSpPr>
+            <a:spLocks noGrp="1"/>
+          </p:cNvSpPr>
+          <p:nvPr>
+            <p:ph type="body"/>
+          </p:nvPr>
+        </p:nvSpPr>
+        <p:spPr>
+          <a:xfrm>
+            <a:off x="457200" y="1604520"/>
+            <a:ext cx="8229240" cy="3977280"/>
+          </a:xfrm>
+          <a:prstGeom prst="rect">
+            <a:avLst/>
+          </a:prstGeom>
+        </p:spPr>
+        <p:txBody>
+          <a:bodyPr bIns="0" lIns="0" rIns="0" tIns="0" wrap="none"/>
           <a:p>
             <a:pPr>
-              <a:buSzPct val="45000"/>
+              <a:buSzPct val="25000"/>
               <a:buFont typeface="StarSymbol"/>
               <a:buChar char=""/>
             </a:pPr>
             <a:r>
-              <a:rPr lang="en-US" sz="3200">
-                <a:solidFill>
-                  <a:srgbClr val="000000"/>
-                </a:solidFill>
-                <a:latin typeface="Calibri"/>
-              </a:rPr>
+              <a:rPr lang="en-US"/>
               <a:t>Click to edit the outline text format</a:t>
             </a:r>
             <a:endParaRPr/>
           </a:p>
           <a:p>
             <a:pPr lvl="1">
-              <a:buSzPct val="75000"/>
+              <a:buSzPct val="25000"/>
               <a:buFont typeface="StarSymbol"/>
               <a:buChar char=""/>
             </a:pPr>
             <a:r>
-              <a:rPr lang="en-US" sz="3200">
-                <a:solidFill>
-                  <a:srgbClr val="000000"/>
-                </a:solidFill>
-                <a:latin typeface="Calibri"/>
-              </a:rPr>
+              <a:rPr lang="en-US"/>
               <a:t>Second Outline Level</a:t>
             </a:r>
             <a:endParaRPr/>
           </a:p>
           <a:p>
             <a:pPr lvl="2">
-              <a:buSzPct val="45000"/>
+              <a:buSzPct val="25000"/>
               <a:buFont typeface="StarSymbol"/>
               <a:buChar char=""/>
             </a:pPr>
             <a:r>
-              <a:rPr lang="en-US" sz="3200">
-                <a:solidFill>
-                  <a:srgbClr val="000000"/>
-                </a:solidFill>
-                <a:latin typeface="Calibri"/>
-              </a:rPr>
+              <a:rPr lang="en-US"/>
               <a:t>Third Outline Level</a:t>
             </a:r>
             <a:endParaRPr/>
           </a:p>
           <a:p>
             <a:pPr lvl="3">
-              <a:buSzPct val="75000"/>
+              <a:buSzPct val="25000"/>
               <a:buFont typeface="StarSymbol"/>
               <a:buChar char=""/>
             </a:pPr>
             <a:r>
-              <a:rPr lang="en-US" sz="3200">
-                <a:solidFill>
-                  <a:srgbClr val="000000"/>
-                </a:solidFill>
-                <a:latin typeface="Calibri"/>
-              </a:rPr>
+              <a:rPr lang="en-US"/>
               <a:t>Fourth Outline Level</a:t>
             </a:r>
             <a:endParaRPr/>
           </a:p>
           <a:p>
             <a:pPr lvl="4">
-              <a:buSzPct val="45000"/>
+              <a:buSzPct val="25000"/>
               <a:buFont typeface="StarSymbol"/>
               <a:buChar char=""/>
             </a:pPr>
             <a:r>
-              <a:rPr lang="en-US" sz="3200">
-                <a:solidFill>
-                  <a:srgbClr val="000000"/>
-                </a:solidFill>
-                <a:latin typeface="Calibri"/>
-              </a:rPr>
+              <a:rPr lang="en-US"/>
               <a:t>Fifth Outline Level</a:t>
             </a:r>
             <a:endParaRPr/>
           </a:p>
           <a:p>
             <a:pPr lvl="5">
-              <a:buSzPct val="45000"/>
+              <a:buSzPct val="25000"/>
               <a:buFont typeface="StarSymbol"/>
               <a:buChar char=""/>
             </a:pPr>
             <a:r>
-              <a:rPr lang="en-US" sz="3200">
-                <a:solidFill>
-                  <a:srgbClr val="000000"/>
-                </a:solidFill>
-                <a:latin typeface="Calibri"/>
-              </a:rPr>
+              <a:rPr lang="en-US"/>
               <a:t>Sixth Outline Level</a:t>
             </a:r>
             <a:endParaRPr/>
           </a:p>
           <a:p>
-            <a:pPr>
-              <a:lnSpc>
-                <a:spcPct val="100000"/>
-              </a:lnSpc>
-              <a:buFont typeface="Arial"/>
-              <a:buChar char="•"/>
+            <a:pPr lvl="6">
+              <a:buSzPct val="25000"/>
+              <a:buFont typeface="StarSymbol"/>
+              <a:buChar char=""/>
             </a:pPr>
             <a:r>
-              <a:rPr lang="en-US" sz="3200">
-                <a:solidFill>
-                  <a:srgbClr val="000000"/>
-                </a:solidFill>
-                <a:latin typeface="Calibri"/>
-              </a:rPr>
-              <a:t>Seventh Outline LevelClick to edit Master text styles</a:t>
+              <a:rPr lang="en-US"/>
+              <a:t>Seventh Outline Level</a:t>
             </a:r>
-            <a:endParaRPr/>
-          </a:p>
-          <a:p>
-            <a:pPr lvl="1">
-              <a:lnSpc>
-                <a:spcPct val="100000"/>
-              </a:lnSpc>
-              <a:buFont typeface="Arial"/>
-              <a:buChar char="–"/>
-            </a:pPr>
-            <a:r>
-              <a:rPr lang="en-US" sz="2800">
-                <a:solidFill>
-                  <a:srgbClr val="000000"/>
-                </a:solidFill>
-                <a:latin typeface="Calibri"/>
-              </a:rPr>
-              <a:t>Second level</a:t>
-            </a:r>
-            <a:endParaRPr/>
-          </a:p>
-          <a:p>
-            <a:pPr lvl="1">
-              <a:buFont typeface="Arial"/>
-              <a:buChar char="–"/>
-            </a:pPr>
-            <a:r>
-              <a:rPr lang="en-US" sz="2400">
-                <a:solidFill>
-                  <a:srgbClr val="000000"/>
-                </a:solidFill>
-                <a:latin typeface="Calibri"/>
-              </a:rPr>
-              <a:t>Third level</a:t>
-            </a:r>
-            <a:endParaRPr/>
-          </a:p>
-          <a:p>
-            <a:pPr lvl="2">
-              <a:buFont typeface="Arial"/>
-              <a:buChar char="•"/>
-            </a:pPr>
-            <a:r>
-              <a:rPr lang="en-US" sz="2000">
-                <a:solidFill>
-                  <a:srgbClr val="000000"/>
-                </a:solidFill>
-                <a:latin typeface="Calibri"/>
-              </a:rPr>
-              <a:t>Fourth level</a:t>
-            </a:r>
-            <a:endParaRPr/>
-          </a:p>
-          <a:p>
-            <a:pPr lvl="3">
-              <a:buFont typeface="Arial"/>
-              <a:buChar char="–"/>
-            </a:pPr>
-            <a:r>
-              <a:rPr lang="en-US" sz="2000">
-                <a:solidFill>
-                  <a:srgbClr val="000000"/>
-                </a:solidFill>
-                <a:latin typeface="Calibri"/>
-              </a:rPr>
-              <a:t>Fifth level</a:t>
-            </a:r>
-            <a:endParaRPr/>
-          </a:p>
-        </p:txBody>
-      </p:sp>
-      <p:sp>
-        <p:nvSpPr>
-          <p:cNvPr id="39" name="PlaceHolder 3"/>
-          <p:cNvSpPr>
-            <a:spLocks noGrp="1"/>
-          </p:cNvSpPr>
-          <p:nvPr>
-            <p:ph type="dt"/>
-          </p:nvPr>
-        </p:nvSpPr>
-        <p:spPr>
-          <a:xfrm>
-            <a:off x="0" y="0"/>
-            <a:ext cx="-11796840" cy="-11796840"/>
-          </a:xfrm>
-          <a:prstGeom prst="rect">
-            <a:avLst/>
-          </a:prstGeom>
-        </p:spPr>
-        <p:txBody>
-          <a:bodyPr bIns="45000" lIns="90000" rIns="90000" tIns="45000"/>
-          <a:p>
-            <a:pPr>
-              <a:lnSpc>
-                <a:spcPct val="100000"/>
-              </a:lnSpc>
-            </a:pPr>
-            <a:r>
-              <a:rPr lang="en-US">
-                <a:solidFill>
-                  <a:srgbClr val="000000"/>
-                </a:solidFill>
-                <a:latin typeface="Calibri"/>
-              </a:rPr>
-              <a:t>4/16/14</a:t>
-            </a:r>
-            <a:endParaRPr/>
-          </a:p>
-        </p:txBody>
-      </p:sp>
-      <p:sp>
-        <p:nvSpPr>
-          <p:cNvPr id="40" name="PlaceHolder 4"/>
-          <p:cNvSpPr>
-            <a:spLocks noGrp="1"/>
-          </p:cNvSpPr>
-          <p:nvPr>
-            <p:ph type="ftr"/>
-          </p:nvPr>
-        </p:nvSpPr>
-        <p:spPr>
-          <a:xfrm>
-            <a:off x="0" y="0"/>
-            <a:ext cx="-11796840" cy="-11796840"/>
-          </a:xfrm>
-          <a:prstGeom prst="rect">
-            <a:avLst/>
-          </a:prstGeom>
-        </p:spPr>
-        <p:txBody>
-          <a:bodyPr bIns="45000" lIns="90000" rIns="90000" tIns="45000"/>
-          <a:p>
-            <a:endParaRPr/>
-          </a:p>
-        </p:txBody>
-      </p:sp>
-      <p:sp>
-        <p:nvSpPr>
-          <p:cNvPr id="41" name="PlaceHolder 5"/>
-          <p:cNvSpPr>
-            <a:spLocks noGrp="1"/>
-          </p:cNvSpPr>
-          <p:nvPr>
-            <p:ph type="sldNum"/>
-          </p:nvPr>
-        </p:nvSpPr>
-        <p:spPr>
-          <a:xfrm>
-            <a:off x="0" y="0"/>
-            <a:ext cx="-11796840" cy="-11796840"/>
-          </a:xfrm>
-          <a:prstGeom prst="rect">
-            <a:avLst/>
-          </a:prstGeom>
-        </p:spPr>
-        <p:txBody>
-          <a:bodyPr bIns="45000" lIns="90000" rIns="90000" tIns="45000"/>
-          <a:p>
-            <a:pPr>
-              <a:lnSpc>
-                <a:spcPct val="100000"/>
-              </a:lnSpc>
-            </a:pPr>
-            <a:fld id="{D1018141-71B1-4181-A121-7131B1216141}" type="slidenum">
-              <a:rPr lang="en-US">
-                <a:solidFill>
-                  <a:srgbClr val="000000"/>
-                </a:solidFill>
-                <a:latin typeface="Calibri"/>
-              </a:rPr>
-              <a:t>&lt;number&gt;</a:t>
-            </a:fld>
             <a:endParaRPr/>
           </a:p>
         </p:txBody>
@@ -2908,6 +3835,273 @@
     <p:sldLayoutId id="2147483671" r:id="rId11"/>
     <p:sldLayoutId id="2147483672" r:id="rId12"/>
     <p:sldLayoutId id="2147483673" r:id="rId13"/>
+  </p:sldLayoutIdLst>
+</p:sldMaster>
+</file>
+
+<file path=ppt/slideMasters/slideMaster3.xml><?xml version="1.0" encoding="utf-8"?>
+<p:sldMaster xmlns:a="http://schemas.openxmlformats.org/drawingml/2006/main" xmlns:p="http://schemas.openxmlformats.org/presentationml/2006/main" xmlns:r="http://schemas.openxmlformats.org/officeDocument/2006/relationships">
+  <p:cSld>
+    <p:spTree>
+      <p:nvGrpSpPr>
+        <p:cNvPr id="1" name=""/>
+        <p:cNvGrpSpPr/>
+        <p:nvPr/>
+      </p:nvGrpSpPr>
+      <p:grpSpPr>
+        <a:xfrm>
+          <a:off x="0" y="0"/>
+          <a:ext cx="0" cy="0"/>
+          <a:chOff x="0" y="0"/>
+          <a:chExt cx="0" cy="0"/>
+        </a:xfrm>
+      </p:grpSpPr>
+      <p:sp>
+        <p:nvSpPr>
+          <p:cNvPr id="72" name="PlaceHolder 1"/>
+          <p:cNvSpPr>
+            <a:spLocks noGrp="1"/>
+          </p:cNvSpPr>
+          <p:nvPr>
+            <p:ph type="title"/>
+          </p:nvPr>
+        </p:nvSpPr>
+        <p:spPr>
+          <a:xfrm>
+            <a:off x="457200" y="273240"/>
+            <a:ext cx="8229240" cy="1144800"/>
+          </a:xfrm>
+          <a:prstGeom prst="rect">
+            <a:avLst/>
+          </a:prstGeom>
+        </p:spPr>
+        <p:txBody>
+          <a:bodyPr anchor="ctr" bIns="0" lIns="0" rIns="0" tIns="0" wrap="none"/>
+          <a:p>
+            <a:pPr algn="ctr"/>
+            <a:r>
+              <a:rPr lang="en-US"/>
+              <a:t>Click to edit the title text format</a:t>
+            </a:r>
+            <a:endParaRPr/>
+          </a:p>
+        </p:txBody>
+      </p:sp>
+      <p:sp>
+        <p:nvSpPr>
+          <p:cNvPr id="73" name="PlaceHolder 2"/>
+          <p:cNvSpPr>
+            <a:spLocks noGrp="1"/>
+          </p:cNvSpPr>
+          <p:nvPr>
+            <p:ph type="body"/>
+          </p:nvPr>
+        </p:nvSpPr>
+        <p:spPr>
+          <a:xfrm>
+            <a:off x="457200" y="1604520"/>
+            <a:ext cx="8229240" cy="3977280"/>
+          </a:xfrm>
+          <a:prstGeom prst="rect">
+            <a:avLst/>
+          </a:prstGeom>
+        </p:spPr>
+        <p:txBody>
+          <a:bodyPr bIns="0" lIns="0" rIns="0" tIns="0" wrap="none"/>
+          <a:p>
+            <a:pPr>
+              <a:buSzPct val="25000"/>
+              <a:buFont typeface="StarSymbol"/>
+              <a:buChar char=""/>
+            </a:pPr>
+            <a:r>
+              <a:rPr lang="en-US"/>
+              <a:t>Click to edit the outline text format</a:t>
+            </a:r>
+            <a:endParaRPr/>
+          </a:p>
+          <a:p>
+            <a:pPr lvl="1">
+              <a:buSzPct val="25000"/>
+              <a:buFont typeface="StarSymbol"/>
+              <a:buChar char=""/>
+            </a:pPr>
+            <a:r>
+              <a:rPr lang="en-US"/>
+              <a:t>Second Outline Level</a:t>
+            </a:r>
+            <a:endParaRPr/>
+          </a:p>
+          <a:p>
+            <a:pPr lvl="2">
+              <a:buSzPct val="25000"/>
+              <a:buFont typeface="StarSymbol"/>
+              <a:buChar char=""/>
+            </a:pPr>
+            <a:r>
+              <a:rPr lang="en-US"/>
+              <a:t>Third Outline Level</a:t>
+            </a:r>
+            <a:endParaRPr/>
+          </a:p>
+          <a:p>
+            <a:pPr lvl="3">
+              <a:buSzPct val="25000"/>
+              <a:buFont typeface="StarSymbol"/>
+              <a:buChar char=""/>
+            </a:pPr>
+            <a:r>
+              <a:rPr lang="en-US"/>
+              <a:t>Fourth Outline Level</a:t>
+            </a:r>
+            <a:endParaRPr/>
+          </a:p>
+          <a:p>
+            <a:pPr lvl="4">
+              <a:buSzPct val="25000"/>
+              <a:buFont typeface="StarSymbol"/>
+              <a:buChar char=""/>
+            </a:pPr>
+            <a:r>
+              <a:rPr lang="en-US"/>
+              <a:t>Fifth Outline Level</a:t>
+            </a:r>
+            <a:endParaRPr/>
+          </a:p>
+          <a:p>
+            <a:pPr lvl="5">
+              <a:buSzPct val="25000"/>
+              <a:buFont typeface="StarSymbol"/>
+              <a:buChar char=""/>
+            </a:pPr>
+            <a:r>
+              <a:rPr lang="en-US"/>
+              <a:t>Sixth Outline Level</a:t>
+            </a:r>
+            <a:endParaRPr/>
+          </a:p>
+          <a:p>
+            <a:pPr lvl="6">
+              <a:buSzPct val="25000"/>
+              <a:buFont typeface="StarSymbol"/>
+              <a:buChar char=""/>
+            </a:pPr>
+            <a:r>
+              <a:rPr lang="en-US"/>
+              <a:t>Seventh Outline Level</a:t>
+            </a:r>
+            <a:endParaRPr/>
+          </a:p>
+        </p:txBody>
+      </p:sp>
+      <p:sp>
+        <p:nvSpPr>
+          <p:cNvPr id="74" name="PlaceHolder 3"/>
+          <p:cNvSpPr>
+            <a:spLocks noGrp="1"/>
+          </p:cNvSpPr>
+          <p:nvPr>
+            <p:ph type="dt"/>
+          </p:nvPr>
+        </p:nvSpPr>
+        <p:spPr>
+          <a:xfrm>
+            <a:off x="457200" y="6247440"/>
+            <a:ext cx="2130120" cy="473040"/>
+          </a:xfrm>
+          <a:prstGeom prst="rect">
+            <a:avLst/>
+          </a:prstGeom>
+        </p:spPr>
+        <p:txBody>
+          <a:bodyPr bIns="0" lIns="0" rIns="0" tIns="0" wrap="none"/>
+          <a:p>
+            <a:r>
+              <a:rPr lang="en-US"/>
+              <a:t>&lt;date/time&gt;</a:t>
+            </a:r>
+            <a:endParaRPr/>
+          </a:p>
+        </p:txBody>
+      </p:sp>
+      <p:sp>
+        <p:nvSpPr>
+          <p:cNvPr id="75" name="PlaceHolder 4"/>
+          <p:cNvSpPr>
+            <a:spLocks noGrp="1"/>
+          </p:cNvSpPr>
+          <p:nvPr>
+            <p:ph type="ftr"/>
+          </p:nvPr>
+        </p:nvSpPr>
+        <p:spPr>
+          <a:xfrm>
+            <a:off x="3126960" y="6247440"/>
+            <a:ext cx="2898360" cy="473040"/>
+          </a:xfrm>
+          <a:prstGeom prst="rect">
+            <a:avLst/>
+          </a:prstGeom>
+        </p:spPr>
+        <p:txBody>
+          <a:bodyPr bIns="0" lIns="0" rIns="0" tIns="0" wrap="none"/>
+          <a:p>
+            <a:pPr algn="ctr"/>
+            <a:r>
+              <a:rPr lang="en-US"/>
+              <a:t>&lt;footer&gt;</a:t>
+            </a:r>
+            <a:endParaRPr/>
+          </a:p>
+        </p:txBody>
+      </p:sp>
+      <p:sp>
+        <p:nvSpPr>
+          <p:cNvPr id="76" name="PlaceHolder 5"/>
+          <p:cNvSpPr>
+            <a:spLocks noGrp="1"/>
+          </p:cNvSpPr>
+          <p:nvPr>
+            <p:ph type="sldNum"/>
+          </p:nvPr>
+        </p:nvSpPr>
+        <p:spPr>
+          <a:xfrm>
+            <a:off x="6555960" y="6247440"/>
+            <a:ext cx="2130120" cy="473040"/>
+          </a:xfrm>
+          <a:prstGeom prst="rect">
+            <a:avLst/>
+          </a:prstGeom>
+        </p:spPr>
+        <p:txBody>
+          <a:bodyPr bIns="0" lIns="0" rIns="0" tIns="0" wrap="none"/>
+          <a:p>
+            <a:pPr algn="r"/>
+            <a:fld id="{2B0D3330-67A6-49CF-87D1-E736D79E7EF4}" type="slidenum">
+              <a:rPr lang="en-US"/>
+              <a:t>&lt;number&gt;</a:t>
+            </a:fld>
+            <a:endParaRPr/>
+          </a:p>
+        </p:txBody>
+      </p:sp>
+    </p:spTree>
+  </p:cSld>
+  <p:clrMap accent1="accent1" accent2="accent2" accent3="accent3" accent4="accent4" accent5="accent5" accent6="accent6" bg1="lt1" bg2="lt2" folHlink="folHlink" hlink="hlink" tx1="dk1" tx2="dk2"/>
+  <p:sldLayoutIdLst>
+    <p:sldLayoutId id="2147483675" r:id="rId2"/>
+    <p:sldLayoutId id="2147483676" r:id="rId3"/>
+    <p:sldLayoutId id="2147483677" r:id="rId4"/>
+    <p:sldLayoutId id="2147483678" r:id="rId5"/>
+    <p:sldLayoutId id="2147483679" r:id="rId6"/>
+    <p:sldLayoutId id="2147483680" r:id="rId7"/>
+    <p:sldLayoutId id="2147483681" r:id="rId8"/>
+    <p:sldLayoutId id="2147483682" r:id="rId9"/>
+    <p:sldLayoutId id="2147483683" r:id="rId10"/>
+    <p:sldLayoutId id="2147483684" r:id="rId11"/>
+    <p:sldLayoutId id="2147483685" r:id="rId12"/>
+    <p:sldLayoutId id="2147483686" r:id="rId13"/>
   </p:sldLayoutIdLst>
 </p:sldMaster>
 </file>
@@ -2931,21 +4125,22 @@
       </p:grpSpPr>
       <p:sp>
         <p:nvSpPr>
-          <p:cNvPr id="74" name="TextShape 1"/>
-          <p:cNvSpPr txBox="1"/>
+          <p:cNvPr id="111" name="CustomShape 1"/>
+          <p:cNvSpPr/>
           <p:nvPr/>
         </p:nvSpPr>
         <p:spPr>
           <a:xfrm>
             <a:off x="685800" y="2130480"/>
-            <a:ext cx="7772040" cy="1469520"/>
-          </a:xfrm>
-          <a:prstGeom prst="rect">
-            <a:avLst/>
-          </a:prstGeom>
-        </p:spPr>
-        <p:txBody>
-          <a:bodyPr anchor="ctr"/>
+            <a:ext cx="7771680" cy="1469160"/>
+          </a:xfrm>
+          <a:prstGeom prst="rect">
+            <a:avLst/>
+          </a:prstGeom>
+          <a:noFill/>
+        </p:spPr>
+        <p:txBody>
+          <a:bodyPr anchor="ctr" bIns="45000" lIns="90000" rIns="90000" tIns="45000"/>
           <a:p>
             <a:pPr algn="ctr">
               <a:lnSpc>
@@ -2967,21 +4162,22 @@
       </p:sp>
       <p:sp>
         <p:nvSpPr>
-          <p:cNvPr id="75" name="TextShape 2"/>
-          <p:cNvSpPr txBox="1"/>
+          <p:cNvPr id="112" name="CustomShape 2"/>
+          <p:cNvSpPr/>
           <p:nvPr/>
         </p:nvSpPr>
         <p:spPr>
           <a:xfrm>
             <a:off x="1371600" y="3886200"/>
-            <a:ext cx="6400440" cy="1752120"/>
-          </a:xfrm>
-          <a:prstGeom prst="rect">
-            <a:avLst/>
-          </a:prstGeom>
-        </p:spPr>
-        <p:txBody>
-          <a:bodyPr/>
+            <a:ext cx="6400080" cy="1751760"/>
+          </a:xfrm>
+          <a:prstGeom prst="rect">
+            <a:avLst/>
+          </a:prstGeom>
+          <a:noFill/>
+        </p:spPr>
+        <p:txBody>
+          <a:bodyPr bIns="45000" lIns="90000" rIns="90000" tIns="45000"/>
           <a:p>
             <a:pPr algn="ctr">
               <a:lnSpc>
@@ -3025,21 +4221,22 @@
       </p:grpSpPr>
       <p:sp>
         <p:nvSpPr>
-          <p:cNvPr id="76" name="TextShape 1"/>
-          <p:cNvSpPr txBox="1"/>
+          <p:cNvPr id="113" name="CustomShape 1"/>
+          <p:cNvSpPr/>
           <p:nvPr/>
         </p:nvSpPr>
         <p:spPr>
           <a:xfrm>
             <a:off x="457200" y="274680"/>
-            <a:ext cx="8229240" cy="1142640"/>
-          </a:xfrm>
-          <a:prstGeom prst="rect">
-            <a:avLst/>
-          </a:prstGeom>
-        </p:spPr>
-        <p:txBody>
-          <a:bodyPr anchor="ctr"/>
+            <a:ext cx="8228880" cy="1142280"/>
+          </a:xfrm>
+          <a:prstGeom prst="rect">
+            <a:avLst/>
+          </a:prstGeom>
+          <a:noFill/>
+        </p:spPr>
+        <p:txBody>
+          <a:bodyPr anchor="ctr" bIns="45000" lIns="90000" rIns="90000" tIns="45000"/>
           <a:p>
             <a:pPr algn="ctr">
               <a:lnSpc>
@@ -3061,21 +4258,22 @@
       </p:sp>
       <p:sp>
         <p:nvSpPr>
-          <p:cNvPr id="77" name="TextShape 2"/>
-          <p:cNvSpPr txBox="1"/>
+          <p:cNvPr id="114" name="CustomShape 2"/>
+          <p:cNvSpPr/>
           <p:nvPr/>
         </p:nvSpPr>
         <p:spPr>
           <a:xfrm>
             <a:off x="457200" y="1600200"/>
-            <a:ext cx="8229240" cy="4525560"/>
-          </a:xfrm>
-          <a:prstGeom prst="rect">
-            <a:avLst/>
-          </a:prstGeom>
-        </p:spPr>
-        <p:txBody>
-          <a:bodyPr/>
+            <a:ext cx="8228880" cy="4525200"/>
+          </a:xfrm>
+          <a:prstGeom prst="rect">
+            <a:avLst/>
+          </a:prstGeom>
+          <a:noFill/>
+        </p:spPr>
+        <p:txBody>
+          <a:bodyPr bIns="45000" lIns="90000" rIns="90000" tIns="45000"/>
           <a:p>
             <a:pPr>
               <a:lnSpc>
@@ -3143,9 +4341,7 @@
         <p:cTn dur="indefinite" id="1" nodeType="tmRoot" restart="never">
           <p:childTnLst>
             <p:seq>
-              <p:cTn id="2" nodeType="mainSeq">
-                <p:childTnLst/>
-              </p:cTn>
+              <p:cTn id="2" nodeType="mainSeq"/>
               <p:prevCondLst>
                 <p:cond delay="0" evt="onPrev">
                   <p:tgtEl>
@@ -3188,21 +4384,22 @@
       </p:grpSpPr>
       <p:sp>
         <p:nvSpPr>
-          <p:cNvPr id="78" name="TextShape 1"/>
-          <p:cNvSpPr txBox="1"/>
+          <p:cNvPr id="115" name="CustomShape 1"/>
+          <p:cNvSpPr/>
           <p:nvPr/>
         </p:nvSpPr>
         <p:spPr>
           <a:xfrm>
             <a:off x="457200" y="274680"/>
-            <a:ext cx="8229240" cy="1142640"/>
-          </a:xfrm>
-          <a:prstGeom prst="rect">
-            <a:avLst/>
-          </a:prstGeom>
-        </p:spPr>
-        <p:txBody>
-          <a:bodyPr anchor="ctr"/>
+            <a:ext cx="8228880" cy="1142280"/>
+          </a:xfrm>
+          <a:prstGeom prst="rect">
+            <a:avLst/>
+          </a:prstGeom>
+          <a:noFill/>
+        </p:spPr>
+        <p:txBody>
+          <a:bodyPr anchor="ctr" bIns="45000" lIns="90000" rIns="90000" tIns="45000"/>
           <a:p>
             <a:pPr algn="ctr">
               <a:lnSpc>
@@ -3216,7 +4413,7 @@
                 </a:solidFill>
                 <a:latin typeface="Calibri"/>
               </a:rPr>
-              <a:t>Genetic Algorithm</a:t>
+              <a:t>Applications</a:t>
             </a:r>
             <a:endParaRPr/>
           </a:p>
@@ -3224,21 +4421,22 @@
       </p:sp>
       <p:sp>
         <p:nvSpPr>
-          <p:cNvPr id="79" name="TextShape 2"/>
-          <p:cNvSpPr txBox="1"/>
+          <p:cNvPr id="116" name="CustomShape 2"/>
+          <p:cNvSpPr/>
           <p:nvPr/>
         </p:nvSpPr>
         <p:spPr>
           <a:xfrm>
             <a:off x="457200" y="1600200"/>
-            <a:ext cx="8229240" cy="4525560"/>
-          </a:xfrm>
-          <a:prstGeom prst="rect">
-            <a:avLst/>
-          </a:prstGeom>
-        </p:spPr>
-        <p:txBody>
-          <a:bodyPr/>
+            <a:ext cx="8228880" cy="4525200"/>
+          </a:xfrm>
+          <a:prstGeom prst="rect">
+            <a:avLst/>
+          </a:prstGeom>
+          <a:noFill/>
+        </p:spPr>
+        <p:txBody>
+          <a:bodyPr bIns="45000" lIns="90000" rIns="90000" tIns="45000"/>
           <a:p>
             <a:pPr>
               <a:lnSpc>
@@ -3254,7 +4452,7 @@
                 </a:solidFill>
                 <a:latin typeface="Calibri"/>
               </a:rPr>
-              <a:t>A method of search that mimics natural selection</a:t>
+              <a:t>The concept behind our project can be applied to real world robots, providing an alternative method of path-finding</a:t>
             </a:r>
             <a:endParaRPr/>
           </a:p>
@@ -3273,198 +4471,7 @@
                 </a:solidFill>
                 <a:latin typeface="Calibri"/>
               </a:rPr>
-              <a:t>We generate 20 random matrices and run each with a fitness function</a:t>
-            </a:r>
-            <a:endParaRPr/>
-          </a:p>
-          <a:p>
-            <a:pPr>
-              <a:lnSpc>
-                <a:spcPct val="100000"/>
-              </a:lnSpc>
-              <a:buFont typeface="Arial"/>
-              <a:buChar char="•"/>
-            </a:pPr>
-            <a:r>
-              <a:rPr lang="en-US" sz="3200">
-                <a:solidFill>
-                  <a:srgbClr val="000000"/>
-                </a:solidFill>
-                <a:latin typeface="Calibri"/>
-              </a:rPr>
-              <a:t>2 most fit matrices survive and are used as basis for the next 20 random matrices</a:t>
-            </a:r>
-            <a:endParaRPr/>
-          </a:p>
-        </p:txBody>
-      </p:sp>
-    </p:spTree>
-  </p:cSld>
-</p:sld>
-</file>
-
-<file path=ppt/slides/slide4.xml><?xml version="1.0" encoding="utf-8"?>
-<p:sld xmlns:a="http://schemas.openxmlformats.org/drawingml/2006/main" xmlns:p="http://schemas.openxmlformats.org/presentationml/2006/main" xmlns:r="http://schemas.openxmlformats.org/officeDocument/2006/relationships">
-  <p:cSld>
-    <p:spTree>
-      <p:nvGrpSpPr>
-        <p:cNvPr id="1" name=""/>
-        <p:cNvGrpSpPr/>
-        <p:nvPr/>
-      </p:nvGrpSpPr>
-      <p:grpSpPr>
-        <a:xfrm>
-          <a:off x="0" y="0"/>
-          <a:ext cx="0" cy="0"/>
-          <a:chOff x="0" y="0"/>
-          <a:chExt cx="0" cy="0"/>
-        </a:xfrm>
-      </p:grpSpPr>
-      <p:sp>
-        <p:nvSpPr>
-          <p:cNvPr id="80" name="TextShape 1"/>
-          <p:cNvSpPr txBox="1"/>
-          <p:nvPr/>
-        </p:nvSpPr>
-        <p:spPr>
-          <a:xfrm>
-            <a:off x="457200" y="274680"/>
-            <a:ext cx="8229240" cy="1142640"/>
-          </a:xfrm>
-          <a:prstGeom prst="rect">
-            <a:avLst/>
-          </a:prstGeom>
-        </p:spPr>
-        <p:txBody>
-          <a:bodyPr anchor="ctr"/>
-          <a:p>
-            <a:pPr algn="ctr">
-              <a:lnSpc>
-                <a:spcPct val="100000"/>
-              </a:lnSpc>
-            </a:pPr>
-            <a:r>
-              <a:rPr lang="en-US" sz="4400">
-                <a:solidFill>
-                  <a:srgbClr val="000000"/>
-                </a:solidFill>
-                <a:latin typeface="Calibri"/>
-              </a:rPr>
-              <a:t>Current State</a:t>
-            </a:r>
-            <a:endParaRPr/>
-          </a:p>
-        </p:txBody>
-      </p:sp>
-      <p:sp>
-        <p:nvSpPr>
-          <p:cNvPr id="81" name="TextShape 2"/>
-          <p:cNvSpPr txBox="1"/>
-          <p:nvPr/>
-        </p:nvSpPr>
-        <p:spPr>
-          <a:xfrm>
-            <a:off x="457200" y="1600200"/>
-            <a:ext cx="8229240" cy="4525560"/>
-          </a:xfrm>
-          <a:prstGeom prst="rect">
-            <a:avLst/>
-          </a:prstGeom>
-        </p:spPr>
-        <p:txBody>
-          <a:bodyPr/>
-          <a:p>
-            <a:pPr>
-              <a:lnSpc>
-                <a:spcPct val="100000"/>
-              </a:lnSpc>
-              <a:buFont typeface="Arial"/>
-              <a:buChar char="•"/>
-            </a:pPr>
-            <a:r>
-              <a:rPr lang="en-US" sz="3200">
-                <a:solidFill>
-                  <a:srgbClr val="000000"/>
-                </a:solidFill>
-                <a:latin typeface="Calibri"/>
-              </a:rPr>
-              <a:t>User drawn tracks are working</a:t>
-            </a:r>
-            <a:endParaRPr/>
-          </a:p>
-          <a:p>
-            <a:pPr lvl="1">
-              <a:lnSpc>
-                <a:spcPct val="100000"/>
-              </a:lnSpc>
-              <a:buFont typeface="Arial"/>
-              <a:buChar char="–"/>
-            </a:pPr>
-            <a:r>
-              <a:rPr lang="en-US" sz="2800">
-                <a:solidFill>
-                  <a:srgbClr val="000000"/>
-                </a:solidFill>
-                <a:latin typeface="Calibri"/>
-              </a:rPr>
-              <a:t>No contingency yet for users not drawing completely circular tracks</a:t>
-            </a:r>
-            <a:endParaRPr/>
-          </a:p>
-          <a:p>
-            <a:pPr>
-              <a:lnSpc>
-                <a:spcPct val="100000"/>
-              </a:lnSpc>
-              <a:buFont typeface="Arial"/>
-              <a:buChar char="•"/>
-            </a:pPr>
-            <a:r>
-              <a:rPr lang="en-US" sz="3200">
-                <a:solidFill>
-                  <a:srgbClr val="000000"/>
-                </a:solidFill>
-                <a:latin typeface="Calibri"/>
-              </a:rPr>
-              <a:t>Matrix evolution is working</a:t>
-            </a:r>
-            <a:endParaRPr/>
-          </a:p>
-          <a:p>
-            <a:pPr>
-              <a:lnSpc>
-                <a:spcPct val="100000"/>
-              </a:lnSpc>
-              <a:buFont typeface="Arial"/>
-              <a:buChar char="•"/>
-            </a:pPr>
-            <a:r>
-              <a:rPr lang="en-US" sz="3200">
-                <a:solidFill>
-                  <a:srgbClr val="000000"/>
-                </a:solidFill>
-                <a:latin typeface="Calibri"/>
-              </a:rPr>
-              <a:t>Fitness function is mostly working</a:t>
-            </a:r>
-            <a:endParaRPr/>
-          </a:p>
-          <a:p>
-            <a:pPr>
-              <a:lnSpc>
-                <a:spcPct val="100000"/>
-              </a:lnSpc>
-              <a:buFont typeface="Arial"/>
-              <a:buChar char="•"/>
-            </a:pPr>
-            <a:r>
-              <a:rPr lang="en-US" sz="3200">
-                <a:solidFill>
-                  <a:srgbClr val="000000"/>
-                </a:solidFill>
-                <a:latin typeface="Calibri"/>
-              </a:rPr>
-              <a:t>Car will drive around track using matrix values and will successfully evolve</a:t>
+              <a:t>With further iterations, we could spec our project to be a learning app about different machine learning approaches</a:t>
             </a:r>
             <a:endParaRPr/>
           </a:p>
@@ -3478,9 +4485,7 @@
         <p:cTn dur="indefinite" id="3" nodeType="tmRoot" restart="never">
           <p:childTnLst>
             <p:seq>
-              <p:cTn id="4" nodeType="mainSeq">
-                <p:childTnLst/>
-              </p:cTn>
+              <p:cTn id="4" nodeType="mainSeq"/>
               <p:prevCondLst>
                 <p:cond delay="0" evt="onPrev">
                   <p:tgtEl>
@@ -3504,6 +4509,142 @@
 </p:sld>
 </file>
 
+<file path=ppt/slides/slide4.xml><?xml version="1.0" encoding="utf-8"?>
+<p:sld xmlns:a="http://schemas.openxmlformats.org/drawingml/2006/main" xmlns:p="http://schemas.openxmlformats.org/presentationml/2006/main" xmlns:r="http://schemas.openxmlformats.org/officeDocument/2006/relationships">
+  <p:cSld>
+    <p:spTree>
+      <p:nvGrpSpPr>
+        <p:cNvPr id="1" name=""/>
+        <p:cNvGrpSpPr/>
+        <p:nvPr/>
+      </p:nvGrpSpPr>
+      <p:grpSpPr>
+        <a:xfrm>
+          <a:off x="0" y="0"/>
+          <a:ext cx="0" cy="0"/>
+          <a:chOff x="0" y="0"/>
+          <a:chExt cx="0" cy="0"/>
+        </a:xfrm>
+      </p:grpSpPr>
+      <p:sp>
+        <p:nvSpPr>
+          <p:cNvPr id="117" name="CustomShape 1"/>
+          <p:cNvSpPr/>
+          <p:nvPr/>
+        </p:nvSpPr>
+        <p:spPr>
+          <a:xfrm>
+            <a:off x="457200" y="274680"/>
+            <a:ext cx="8228880" cy="1142280"/>
+          </a:xfrm>
+          <a:prstGeom prst="rect">
+            <a:avLst/>
+          </a:prstGeom>
+          <a:noFill/>
+        </p:spPr>
+        <p:txBody>
+          <a:bodyPr anchor="ctr" bIns="45000" lIns="90000" rIns="90000" tIns="45000"/>
+          <a:p>
+            <a:pPr algn="ctr">
+              <a:lnSpc>
+                <a:spcPct val="100000"/>
+              </a:lnSpc>
+            </a:pPr>
+            <a:r>
+              <a:rPr lang="en-US" sz="4400">
+                <a:solidFill>
+                  <a:srgbClr val="000000"/>
+                </a:solidFill>
+                <a:latin typeface="Calibri"/>
+              </a:rPr>
+              <a:t>Genetic Algorithm</a:t>
+            </a:r>
+            <a:endParaRPr/>
+          </a:p>
+        </p:txBody>
+      </p:sp>
+      <p:sp>
+        <p:nvSpPr>
+          <p:cNvPr id="118" name="CustomShape 2"/>
+          <p:cNvSpPr/>
+          <p:nvPr/>
+        </p:nvSpPr>
+        <p:spPr>
+          <a:xfrm>
+            <a:off x="457200" y="1600200"/>
+            <a:ext cx="8228880" cy="4525200"/>
+          </a:xfrm>
+          <a:prstGeom prst="rect">
+            <a:avLst/>
+          </a:prstGeom>
+          <a:noFill/>
+        </p:spPr>
+        <p:txBody>
+          <a:bodyPr bIns="45000" lIns="90000" rIns="90000" tIns="45000"/>
+          <a:p>
+            <a:pPr>
+              <a:lnSpc>
+                <a:spcPct val="100000"/>
+              </a:lnSpc>
+              <a:buFont typeface="Arial"/>
+              <a:buChar char="•"/>
+            </a:pPr>
+            <a:r>
+              <a:rPr lang="en-US" sz="3200">
+                <a:solidFill>
+                  <a:srgbClr val="000000"/>
+                </a:solidFill>
+                <a:latin typeface="Calibri"/>
+              </a:rPr>
+              <a:t>A method of search that mimics natural selection</a:t>
+            </a:r>
+            <a:endParaRPr/>
+          </a:p>
+          <a:p>
+            <a:pPr>
+              <a:lnSpc>
+                <a:spcPct val="100000"/>
+              </a:lnSpc>
+              <a:buFont typeface="Arial"/>
+              <a:buChar char="•"/>
+            </a:pPr>
+            <a:r>
+              <a:rPr lang="en-US" sz="3200">
+                <a:solidFill>
+                  <a:srgbClr val="000000"/>
+                </a:solidFill>
+                <a:latin typeface="Calibri"/>
+              </a:rPr>
+              <a:t>We generate 20 random matrices and run each with a fitness function</a:t>
+            </a:r>
+            <a:endParaRPr/>
+          </a:p>
+          <a:p>
+            <a:pPr>
+              <a:lnSpc>
+                <a:spcPct val="100000"/>
+              </a:lnSpc>
+              <a:buFont typeface="Arial"/>
+              <a:buChar char="•"/>
+            </a:pPr>
+            <a:r>
+              <a:rPr lang="en-US" sz="3200">
+                <a:solidFill>
+                  <a:srgbClr val="000000"/>
+                </a:solidFill>
+                <a:latin typeface="Calibri"/>
+              </a:rPr>
+              <a:t>2 most fit matrices survive and are used as basis for the next 20 random matrices</a:t>
+            </a:r>
+            <a:endParaRPr/>
+          </a:p>
+        </p:txBody>
+      </p:sp>
+    </p:spTree>
+  </p:cSld>
+</p:sld>
+</file>
+
 <file path=ppt/slides/slide5.xml><?xml version="1.0" encoding="utf-8"?>
 <p:sld xmlns:a="http://schemas.openxmlformats.org/drawingml/2006/main" xmlns:p="http://schemas.openxmlformats.org/presentationml/2006/main" xmlns:r="http://schemas.openxmlformats.org/officeDocument/2006/relationships">
   <p:cSld>
@@ -3523,21 +4664,22 @@
       </p:grpSpPr>
       <p:sp>
         <p:nvSpPr>
-          <p:cNvPr id="82" name="TextShape 1"/>
-          <p:cNvSpPr txBox="1"/>
+          <p:cNvPr id="119" name="CustomShape 1"/>
+          <p:cNvSpPr/>
           <p:nvPr/>
         </p:nvSpPr>
         <p:spPr>
           <a:xfrm>
             <a:off x="457200" y="274680"/>
-            <a:ext cx="8229240" cy="1142640"/>
-          </a:xfrm>
-          <a:prstGeom prst="rect">
-            <a:avLst/>
-          </a:prstGeom>
-        </p:spPr>
-        <p:txBody>
-          <a:bodyPr anchor="ctr"/>
+            <a:ext cx="8228880" cy="1142280"/>
+          </a:xfrm>
+          <a:prstGeom prst="rect">
+            <a:avLst/>
+          </a:prstGeom>
+          <a:noFill/>
+        </p:spPr>
+        <p:txBody>
+          <a:bodyPr anchor="ctr" bIns="45000" lIns="90000" rIns="90000" tIns="45000"/>
           <a:p>
             <a:pPr algn="ctr">
               <a:lnSpc>
@@ -3551,7 +4693,123 @@
                 </a:solidFill>
                 <a:latin typeface="Calibri"/>
               </a:rPr>
-              <a:t>Live Demo</a:t>
+              <a:t>Current State</a:t>
+            </a:r>
+            <a:endParaRPr/>
+          </a:p>
+        </p:txBody>
+      </p:sp>
+      <p:sp>
+        <p:nvSpPr>
+          <p:cNvPr id="120" name="CustomShape 2"/>
+          <p:cNvSpPr/>
+          <p:nvPr/>
+        </p:nvSpPr>
+        <p:spPr>
+          <a:xfrm>
+            <a:off x="457200" y="1600200"/>
+            <a:ext cx="8228880" cy="4525200"/>
+          </a:xfrm>
+          <a:prstGeom prst="rect">
+            <a:avLst/>
+          </a:prstGeom>
+          <a:noFill/>
+        </p:spPr>
+        <p:txBody>
+          <a:bodyPr bIns="45000" lIns="90000" rIns="90000" tIns="45000"/>
+          <a:p>
+            <a:pPr>
+              <a:lnSpc>
+                <a:spcPct val="100000"/>
+              </a:lnSpc>
+              <a:buFont typeface="Arial"/>
+              <a:buChar char="•"/>
+            </a:pPr>
+            <a:r>
+              <a:rPr lang="en-US" sz="3200">
+                <a:solidFill>
+                  <a:srgbClr val="000000"/>
+                </a:solidFill>
+                <a:latin typeface="Calibri"/>
+              </a:rPr>
+              <a:t>User drawn tracks are working</a:t>
+            </a:r>
+            <a:endParaRPr/>
+          </a:p>
+          <a:p>
+            <a:pPr lvl="1">
+              <a:lnSpc>
+                <a:spcPct val="100000"/>
+              </a:lnSpc>
+              <a:buSzPct val="25000"/>
+              <a:buFont typeface="StarSymbol"/>
+              <a:buChar char=""/>
+            </a:pPr>
+            <a:r>
+              <a:rPr lang="en-US" sz="2800">
+                <a:solidFill>
+                  <a:srgbClr val="000000"/>
+                </a:solidFill>
+                <a:latin typeface="Calibri"/>
+              </a:rPr>
+              <a:t>No contingency yet for users not drawing completely circular tracks</a:t>
+            </a:r>
+            <a:endParaRPr/>
+          </a:p>
+          <a:p>
+            <a:pPr>
+              <a:lnSpc>
+                <a:spcPct val="100000"/>
+              </a:lnSpc>
+              <a:buFont typeface="Arial"/>
+              <a:buChar char="•"/>
+            </a:pPr>
+            <a:r>
+              <a:rPr lang="en-US" sz="3200">
+                <a:solidFill>
+                  <a:srgbClr val="000000"/>
+                </a:solidFill>
+                <a:latin typeface="Calibri"/>
+              </a:rPr>
+              <a:t>Matrix evolution is working</a:t>
+            </a:r>
+            <a:endParaRPr/>
+          </a:p>
+          <a:p>
+            <a:pPr>
+              <a:lnSpc>
+                <a:spcPct val="100000"/>
+              </a:lnSpc>
+              <a:buFont typeface="Arial"/>
+              <a:buChar char="•"/>
+            </a:pPr>
+            <a:r>
+              <a:rPr lang="en-US" sz="3200">
+                <a:solidFill>
+                  <a:srgbClr val="000000"/>
+                </a:solidFill>
+                <a:latin typeface="Calibri"/>
+              </a:rPr>
+              <a:t>Fitness function is mostly working</a:t>
+            </a:r>
+            <a:endParaRPr/>
+          </a:p>
+          <a:p>
+            <a:pPr>
+              <a:lnSpc>
+                <a:spcPct val="100000"/>
+              </a:lnSpc>
+              <a:buFont typeface="Arial"/>
+              <a:buChar char="•"/>
+            </a:pPr>
+            <a:r>
+              <a:rPr lang="en-US" sz="3200">
+                <a:solidFill>
+                  <a:srgbClr val="000000"/>
+                </a:solidFill>
+                <a:latin typeface="Calibri"/>
+              </a:rPr>
+              <a:t>Car will drive around track using matrix values and will successfully evolve</a:t>
             </a:r>
             <a:endParaRPr/>
           </a:p>
@@ -3559,6 +4817,33 @@
       </p:sp>
     </p:spTree>
   </p:cSld>
+  <p:timing>
+    <p:tnLst>
+      <p:par>
+        <p:cTn dur="indefinite" id="5" nodeType="tmRoot" restart="never">
+          <p:childTnLst>
+            <p:seq>
+              <p:cTn id="6" nodeType="mainSeq"/>
+              <p:prevCondLst>
+                <p:cond delay="0" evt="onPrev">
+                  <p:tgtEl>
+                    <p:sldTgt/>
+                  </p:tgtEl>
+                </p:cond>
+              </p:prevCondLst>
+              <p:nextCondLst>
+                <p:cond delay="0" evt="onNext">
+                  <p:tgtEl>
+                    <p:sldTgt/>
+                  </p:tgtEl>
+                </p:cond>
+              </p:nextCondLst>
+            </p:seq>
+          </p:childTnLst>
+        </p:cTn>
+      </p:par>
+    </p:tnLst>
+  </p:timing>
 </p:sld>
 </file>
 
@@ -3581,21 +4866,207 @@
       </p:grpSpPr>
       <p:sp>
         <p:nvSpPr>
-          <p:cNvPr id="83" name="TextShape 1"/>
+          <p:cNvPr id="121" name="CustomShape 1"/>
+          <p:cNvSpPr/>
+          <p:nvPr/>
+        </p:nvSpPr>
+        <p:spPr>
+          <a:xfrm>
+            <a:off x="457200" y="274680"/>
+            <a:ext cx="8228880" cy="1142280"/>
+          </a:xfrm>
+          <a:prstGeom prst="rect">
+            <a:avLst/>
+          </a:prstGeom>
+          <a:noFill/>
+        </p:spPr>
+        <p:txBody>
+          <a:bodyPr anchor="ctr" bIns="45000" lIns="90000" rIns="90000" tIns="45000"/>
+          <a:p>
+            <a:pPr algn="ctr">
+              <a:lnSpc>
+                <a:spcPct val="100000"/>
+              </a:lnSpc>
+            </a:pPr>
+            <a:r>
+              <a:rPr lang="en-US" sz="4400">
+                <a:solidFill>
+                  <a:srgbClr val="000000"/>
+                </a:solidFill>
+                <a:latin typeface="Calibri"/>
+              </a:rPr>
+              <a:t>Live Demo</a:t>
+            </a:r>
+            <a:endParaRPr/>
+          </a:p>
+        </p:txBody>
+      </p:sp>
+      <p:sp>
+        <p:nvSpPr>
+          <p:cNvPr id="122" name="TextShape 2"/>
           <p:cNvSpPr txBox="1"/>
           <p:nvPr/>
         </p:nvSpPr>
         <p:spPr>
           <a:xfrm>
+            <a:off x="492120" y="1814400"/>
+            <a:ext cx="8250480" cy="3287160"/>
+          </a:xfrm>
+          <a:prstGeom prst="rect">
+            <a:avLst/>
+          </a:prstGeom>
+        </p:spPr>
+        <p:txBody>
+          <a:bodyPr bIns="45000" lIns="90000" rIns="90000" tIns="45000" wrap="none"/>
+          <a:p>
+            <a:pPr>
+              <a:lnSpc>
+                <a:spcPct val="100000"/>
+              </a:lnSpc>
+              <a:buSzPct val="25000"/>
+              <a:buFont typeface="StarSymbol"/>
+              <a:buChar char=""/>
+            </a:pPr>
+            <a:r>
+              <a:rPr lang="en-US" sz="3200">
+                <a:solidFill>
+                  <a:srgbClr val="000000"/>
+                </a:solidFill>
+                <a:latin typeface="Calibri"/>
+              </a:rPr>
+              <a:t>Course drawing</a:t>
+            </a:r>
+            <a:endParaRPr/>
+          </a:p>
+          <a:p>
+            <a:pPr>
+              <a:lnSpc>
+                <a:spcPct val="100000"/>
+              </a:lnSpc>
+              <a:buSzPct val="25000"/>
+              <a:buFont typeface="StarSymbol"/>
+              <a:buChar char=""/>
+            </a:pPr>
+            <a:r>
+              <a:rPr lang="en-US" sz="3200">
+                <a:solidFill>
+                  <a:srgbClr val="000000"/>
+                </a:solidFill>
+                <a:latin typeface="Calibri"/>
+              </a:rPr>
+              <a:t>Simulated motors</a:t>
+            </a:r>
+            <a:endParaRPr/>
+          </a:p>
+          <a:p>
+            <a:pPr>
+              <a:lnSpc>
+                <a:spcPct val="100000"/>
+              </a:lnSpc>
+              <a:buSzPct val="25000"/>
+              <a:buFont typeface="StarSymbol"/>
+              <a:buChar char=""/>
+            </a:pPr>
+            <a:r>
+              <a:rPr lang="en-US" sz="3200">
+                <a:solidFill>
+                  <a:srgbClr val="000000"/>
+                </a:solidFill>
+                <a:latin typeface="Calibri"/>
+              </a:rPr>
+              <a:t>Sensors</a:t>
+            </a:r>
+            <a:endParaRPr/>
+          </a:p>
+          <a:p>
+            <a:pPr>
+              <a:lnSpc>
+                <a:spcPct val="100000"/>
+              </a:lnSpc>
+              <a:buSzPct val="25000"/>
+              <a:buFont typeface="StarSymbol"/>
+              <a:buChar char=""/>
+            </a:pPr>
+            <a:r>
+              <a:rPr lang="en-US" sz="3200">
+                <a:solidFill>
+                  <a:srgbClr val="000000"/>
+                </a:solidFill>
+                <a:latin typeface="Calibri"/>
+              </a:rPr>
+              <a:t>Fitness function</a:t>
+            </a:r>
+            <a:endParaRPr/>
+          </a:p>
+        </p:txBody>
+      </p:sp>
+    </p:spTree>
+  </p:cSld>
+  <p:timing>
+    <p:tnLst>
+      <p:par>
+        <p:cTn dur="indefinite" id="7" nodeType="tmRoot" restart="never">
+          <p:childTnLst>
+            <p:seq>
+              <p:cTn id="8" nodeType="mainSeq"/>
+              <p:prevCondLst>
+                <p:cond delay="0" evt="onPrev">
+                  <p:tgtEl>
+                    <p:sldTgt/>
+                  </p:tgtEl>
+                </p:cond>
+              </p:prevCondLst>
+              <p:nextCondLst>
+                <p:cond delay="0" evt="onNext">
+                  <p:tgtEl>
+                    <p:sldTgt/>
+                  </p:tgtEl>
+                </p:cond>
+              </p:nextCondLst>
+            </p:seq>
+          </p:childTnLst>
+        </p:cTn>
+      </p:par>
+    </p:tnLst>
+  </p:timing>
+</p:sld>
+</file>
+
+<file path=ppt/slides/slide7.xml><?xml version="1.0" encoding="utf-8"?>
+<p:sld xmlns:a="http://schemas.openxmlformats.org/drawingml/2006/main" xmlns:p="http://schemas.openxmlformats.org/presentationml/2006/main" xmlns:r="http://schemas.openxmlformats.org/officeDocument/2006/relationships">
+  <p:cSld>
+    <p:spTree>
+      <p:nvGrpSpPr>
+        <p:cNvPr id="1" name=""/>
+        <p:cNvGrpSpPr/>
+        <p:nvPr/>
+      </p:nvGrpSpPr>
+      <p:grpSpPr>
+        <a:xfrm>
+          <a:off x="0" y="0"/>
+          <a:ext cx="0" cy="0"/>
+          <a:chOff x="0" y="0"/>
+          <a:chExt cx="0" cy="0"/>
+        </a:xfrm>
+      </p:grpSpPr>
+      <p:sp>
+        <p:nvSpPr>
+          <p:cNvPr id="123" name="CustomShape 1"/>
+          <p:cNvSpPr/>
+          <p:nvPr/>
+        </p:nvSpPr>
+        <p:spPr>
+          <a:xfrm>
             <a:off x="457200" y="274680"/>
-            <a:ext cx="8229240" cy="1142640"/>
-          </a:xfrm>
-          <a:prstGeom prst="rect">
-            <a:avLst/>
-          </a:prstGeom>
-        </p:spPr>
-        <p:txBody>
-          <a:bodyPr anchor="ctr"/>
+            <a:ext cx="8228880" cy="1142280"/>
+          </a:xfrm>
+          <a:prstGeom prst="rect">
+            <a:avLst/>
+          </a:prstGeom>
+          <a:noFill/>
+        </p:spPr>
+        <p:txBody>
+          <a:bodyPr anchor="ctr" bIns="45000" lIns="90000" rIns="90000" tIns="45000"/>
           <a:p>
             <a:pPr algn="ctr">
               <a:lnSpc>
@@ -3617,21 +5088,22 @@
       </p:sp>
       <p:sp>
         <p:nvSpPr>
-          <p:cNvPr id="84" name="TextShape 2"/>
-          <p:cNvSpPr txBox="1"/>
+          <p:cNvPr id="124" name="CustomShape 2"/>
+          <p:cNvSpPr/>
           <p:nvPr/>
         </p:nvSpPr>
         <p:spPr>
           <a:xfrm>
             <a:off x="457200" y="1600200"/>
-            <a:ext cx="8229240" cy="4525560"/>
-          </a:xfrm>
-          <a:prstGeom prst="rect">
-            <a:avLst/>
-          </a:prstGeom>
-        </p:spPr>
-        <p:txBody>
-          <a:bodyPr/>
+            <a:ext cx="8228880" cy="4525200"/>
+          </a:xfrm>
+          <a:prstGeom prst="rect">
+            <a:avLst/>
+          </a:prstGeom>
+          <a:noFill/>
+        </p:spPr>
+        <p:txBody>
+          <a:bodyPr bIns="45000" lIns="90000" rIns="90000" tIns="45000"/>
           <a:p>
             <a:pPr>
               <a:lnSpc>
@@ -3732,8 +5204,9 @@
               <a:lnSpc>
                 <a:spcPct val="100000"/>
               </a:lnSpc>
-              <a:buFont typeface="Arial"/>
-              <a:buChar char="–"/>
+              <a:buSzPct val="25000"/>
+              <a:buFont typeface="StarSymbol"/>
+              <a:buChar char=""/>
             </a:pPr>
             <a:r>
               <a:rPr lang="en-US" sz="2800">
@@ -3751,8 +5224,9 @@
               <a:lnSpc>
                 <a:spcPct val="100000"/>
               </a:lnSpc>
-              <a:buFont typeface="Arial"/>
-              <a:buChar char="–"/>
+              <a:buSzPct val="25000"/>
+              <a:buFont typeface="StarSymbol"/>
+              <a:buChar char=""/>
             </a:pPr>
             <a:r>
               <a:rPr lang="en-US" sz="2800">
@@ -3772,12 +5246,10 @@
   <p:timing>
     <p:tnLst>
       <p:par>
-        <p:cTn dur="indefinite" id="5" nodeType="tmRoot" restart="never">
+        <p:cTn dur="indefinite" id="9" nodeType="tmRoot" restart="never">
           <p:childTnLst>
             <p:seq>
-              <p:cTn id="6" nodeType="mainSeq">
-                <p:childTnLst/>
-              </p:cTn>
+              <p:cTn id="10" nodeType="mainSeq"/>
               <p:prevCondLst>
                 <p:cond delay="0" evt="onPrev">
                   <p:tgtEl>
@@ -4245,4 +5717,227 @@
     </a:fmtScheme>
   </a:themeElements>
 </a:theme>
+</file>
+
+<file path=ppt/theme/theme3.xml><?xml version="1.0" encoding="utf-8"?>
+<a:theme xmlns:a="http://schemas.openxmlformats.org/drawingml/2006/main" name="Office Theme">
+  <a:themeElements>
+    <a:clrScheme name="Office">
+      <a:dk1>
+        <a:sysClr val="windowText" lastClr="000000"/>
+      </a:dk1>
+      <a:lt1>
+        <a:sysClr val="window" lastClr="FFFFFF"/>
+      </a:lt1>
+      <a:dk2>
+        <a:srgbClr val="1F497D"/>
+      </a:dk2>
+      <a:lt2>
+        <a:srgbClr val="EEECE1"/>
+      </a:lt2>
+      <a:accent1>
+        <a:srgbClr val="4F81BD"/>
+      </a:accent1>
+      <a:accent2>
+        <a:srgbClr val="C0504D"/>
+      </a:accent2>
+      <a:accent3>
+        <a:srgbClr val="9BBB59"/>
+      </a:accent3>
+      <a:accent4>
+        <a:srgbClr val="8064A2"/>
+      </a:accent4>
+      <a:accent5>
+        <a:srgbClr val="4BACC6"/>
+      </a:accent5>
+      <a:accent6>
+        <a:srgbClr val="F79646"/>
+      </a:accent6>
+      <a:hlink>
+        <a:srgbClr val="0000FF"/>
+      </a:hlink>
+      <a:folHlink>
+        <a:srgbClr val="800080"/>
+      </a:folHlink>
+    </a:clrScheme>
+    <a:fontScheme name="Office">
+      <a:majorFont>
+        <a:latin typeface="Arial"/>
+        <a:ea typeface="DejaVu Sans"/>
+        <a:cs typeface="DejaVu Sans"/>
+      </a:majorFont>
+      <a:minorFont>
+        <a:latin typeface="Arial"/>
+        <a:ea typeface="DejaVu Sans"/>
+        <a:cs typeface="DejaVu Sans"/>
+      </a:minorFont>
+    </a:fontScheme>
+    <a:fmtScheme name="Office">
+      <a:fillStyleLst>
+        <a:solidFill>
+          <a:schemeClr val="phClr"/>
+        </a:solidFill>
+        <a:gradFill rotWithShape="1">
+          <a:gsLst>
+            <a:gs pos="0">
+              <a:schemeClr val="phClr">
+                <a:tint val="50000"/>
+                <a:satMod val="300000"/>
+              </a:schemeClr>
+            </a:gs>
+            <a:gs pos="35000">
+              <a:schemeClr val="phClr">
+                <a:tint val="37000"/>
+                <a:satMod val="300000"/>
+              </a:schemeClr>
+            </a:gs>
+            <a:gs pos="100000">
+              <a:schemeClr val="phClr">
+                <a:tint val="15000"/>
+                <a:satMod val="350000"/>
+              </a:schemeClr>
+            </a:gs>
+          </a:gsLst>
+          <a:lin ang="16200000" scaled="1"/>
+        </a:gradFill>
+        <a:gradFill rotWithShape="1">
+          <a:gsLst>
+            <a:gs pos="0">
+              <a:schemeClr val="phClr">
+                <a:shade val="51000"/>
+                <a:satMod val="130000"/>
+              </a:schemeClr>
+            </a:gs>
+            <a:gs pos="80000">
+              <a:schemeClr val="phClr">
+                <a:shade val="93000"/>
+                <a:satMod val="130000"/>
+              </a:schemeClr>
+            </a:gs>
+            <a:gs pos="100000">
+              <a:schemeClr val="phClr">
+                <a:shade val="94000"/>
+                <a:satMod val="135000"/>
+              </a:schemeClr>
+            </a:gs>
+          </a:gsLst>
+          <a:lin ang="16200000" scaled="0"/>
+        </a:gradFill>
+      </a:fillStyleLst>
+      <a:lnStyleLst>
+        <a:ln w="9525" cap="flat" cmpd="sng" algn="ctr">
+          <a:solidFill>
+            <a:schemeClr val="phClr">
+              <a:shade val="95000"/>
+              <a:satMod val="105000"/>
+            </a:schemeClr>
+          </a:solidFill>
+          <a:prstDash val="solid"/>
+        </a:ln>
+        <a:ln w="25400" cap="flat" cmpd="sng" algn="ctr">
+          <a:solidFill>
+            <a:schemeClr val="phClr"/>
+          </a:solidFill>
+          <a:prstDash val="solid"/>
+        </a:ln>
+        <a:ln w="38100" cap="flat" cmpd="sng" algn="ctr">
+          <a:solidFill>
+            <a:schemeClr val="phClr"/>
+          </a:solidFill>
+          <a:prstDash val="solid"/>
+        </a:ln>
+      </a:lnStyleLst>
+      <a:effectStyleLst>
+        <a:effectStyle>
+          <a:effectLst>
+            <a:outerShdw blurRad="40000" dist="20000" dir="5400000" rotWithShape="0">
+              <a:srgbClr val="000000">
+                <a:alpha val="38000"/>
+              </a:srgbClr>
+            </a:outerShdw>
+          </a:effectLst>
+        </a:effectStyle>
+        <a:effectStyle>
+          <a:effectLst>
+            <a:outerShdw blurRad="40000" dist="23000" dir="5400000" rotWithShape="0">
+              <a:srgbClr val="000000">
+                <a:alpha val="35000"/>
+              </a:srgbClr>
+            </a:outerShdw>
+          </a:effectLst>
+        </a:effectStyle>
+        <a:effectStyle>
+          <a:effectLst>
+            <a:outerShdw blurRad="40000" dist="23000" dir="5400000" rotWithShape="0">
+              <a:srgbClr val="000000">
+                <a:alpha val="35000"/>
+              </a:srgbClr>
+            </a:outerShdw>
+          </a:effectLst>
+          <a:scene3d>
+            <a:camera prst="orthographicFront">
+              <a:rot lat="0" lon="0" rev="0"/>
+            </a:camera>
+            <a:lightRig rig="threePt" dir="t">
+              <a:rot lat="0" lon="0" rev="1200000"/>
+            </a:lightRig>
+          </a:scene3d>
+          <a:sp3d>
+            <a:bevelT w="63500" h="25400"/>
+          </a:sp3d>
+        </a:effectStyle>
+      </a:effectStyleLst>
+      <a:bgFillStyleLst>
+        <a:solidFill>
+          <a:schemeClr val="phClr"/>
+        </a:solidFill>
+        <a:gradFill rotWithShape="1">
+          <a:gsLst>
+            <a:gs pos="0">
+              <a:schemeClr val="phClr">
+                <a:tint val="40000"/>
+                <a:satMod val="350000"/>
+              </a:schemeClr>
+            </a:gs>
+            <a:gs pos="40000">
+              <a:schemeClr val="phClr">
+                <a:tint val="45000"/>
+                <a:shade val="99000"/>
+                <a:satMod val="350000"/>
+              </a:schemeClr>
+            </a:gs>
+            <a:gs pos="100000">
+              <a:schemeClr val="phClr">
+                <a:shade val="20000"/>
+                <a:satMod val="255000"/>
+              </a:schemeClr>
+            </a:gs>
+          </a:gsLst>
+          <a:path path="circle">
+            <a:fillToRect l="50000" t="-80000" r="50000" b="180000"/>
+          </a:path>
+        </a:gradFill>
+        <a:gradFill rotWithShape="1">
+          <a:gsLst>
+            <a:gs pos="0">
+              <a:schemeClr val="phClr">
+                <a:tint val="80000"/>
+                <a:satMod val="300000"/>
+              </a:schemeClr>
+            </a:gs>
+            <a:gs pos="100000">
+              <a:schemeClr val="phClr">
+                <a:shade val="30000"/>
+                <a:satMod val="200000"/>
+              </a:schemeClr>
+            </a:gs>
+          </a:gsLst>
+          <a:path path="circle">
+            <a:fillToRect l="50000" t="50000" r="50000" b="50000"/>
+          </a:path>
+        </a:gradFill>
+      </a:bgFillStyleLst>
+    </a:fmtScheme>
+  </a:themeElements>
+</a:theme>
 </file>